--- a/Airline_OnTime_performance_Stats.pptx
+++ b/Airline_OnTime_performance_Stats.pptx
@@ -5,7 +5,7 @@
     <p:sldMasterId id="2147483689" r:id="rId1"/>
   </p:sldMasterIdLst>
   <p:notesMasterIdLst>
-    <p:notesMasterId r:id="rId9"/>
+    <p:notesMasterId r:id="rId12"/>
   </p:notesMasterIdLst>
   <p:sldIdLst>
     <p:sldId id="256" r:id="rId2"/>
@@ -15,6 +15,9 @@
     <p:sldId id="259" r:id="rId6"/>
     <p:sldId id="260" r:id="rId7"/>
     <p:sldId id="261" r:id="rId8"/>
+    <p:sldId id="263" r:id="rId9"/>
+    <p:sldId id="264" r:id="rId10"/>
+    <p:sldId id="265" r:id="rId11"/>
   </p:sldIdLst>
   <p:sldSz cx="12192000" cy="6858000"/>
   <p:notesSz cx="6858000" cy="9144000"/>
@@ -203,7 +206,7 @@
           <a:p>
             <a:fld id="{46609D4D-7D39-4F2B-9313-3332C0AD795B}" type="datetimeFigureOut">
               <a:rPr lang="en-US" smtClean="0"/>
-              <a:t>4/15/2024</a:t>
+              <a:t>4/16/24</a:t>
             </a:fld>
             <a:endParaRPr lang="en-US"/>
           </a:p>
@@ -1134,6 +1137,188 @@
 </p:notes>
 </file>
 
+<file path=ppt/notesSlides/notesSlide5.xml><?xml version="1.0" encoding="utf-8"?>
+<p:notes xmlns:a="http://schemas.openxmlformats.org/drawingml/2006/main" xmlns:r="http://schemas.openxmlformats.org/officeDocument/2006/relationships" xmlns:p="http://schemas.openxmlformats.org/presentationml/2006/main">
+  <p:cSld>
+    <p:spTree>
+      <p:nvGrpSpPr>
+        <p:cNvPr id="1" name=""/>
+        <p:cNvGrpSpPr/>
+        <p:nvPr/>
+      </p:nvGrpSpPr>
+      <p:grpSpPr>
+        <a:xfrm>
+          <a:off x="0" y="0"/>
+          <a:ext cx="0" cy="0"/>
+          <a:chOff x="0" y="0"/>
+          <a:chExt cx="0" cy="0"/>
+        </a:xfrm>
+      </p:grpSpPr>
+      <p:sp>
+        <p:nvSpPr>
+          <p:cNvPr id="2" name="Slide Image Placeholder 1"/>
+          <p:cNvSpPr>
+            <a:spLocks noGrp="1" noRot="1" noChangeAspect="1"/>
+          </p:cNvSpPr>
+          <p:nvPr>
+            <p:ph type="sldImg"/>
+          </p:nvPr>
+        </p:nvSpPr>
+        <p:spPr/>
+      </p:sp>
+      <p:sp>
+        <p:nvSpPr>
+          <p:cNvPr id="3" name="Notes Placeholder 2"/>
+          <p:cNvSpPr>
+            <a:spLocks noGrp="1"/>
+          </p:cNvSpPr>
+          <p:nvPr>
+            <p:ph type="body" idx="1"/>
+          </p:nvPr>
+        </p:nvSpPr>
+        <p:spPr/>
+        <p:txBody>
+          <a:bodyPr/>
+          <a:lstStyle/>
+          <a:p>
+            <a:r>
+              <a:rPr lang="en-US" dirty="0"/>
+              <a:t>After creating the file and completing the necessary cleaning,  a diagram was drafted using a free tool called http://</a:t>
+            </a:r>
+            <a:r>
+              <a:rPr lang="en-US" dirty="0" err="1"/>
+              <a:t>www.quickdatabasediagrams.com</a:t>
+            </a:r>
+            <a:r>
+              <a:rPr lang="en-US" dirty="0"/>
+              <a:t>/. This diagram illustrated the linking of foreign keys to their respective primary keys, as depicted above.</a:t>
+            </a:r>
+          </a:p>
+        </p:txBody>
+      </p:sp>
+      <p:sp>
+        <p:nvSpPr>
+          <p:cNvPr id="4" name="Slide Number Placeholder 3"/>
+          <p:cNvSpPr>
+            <a:spLocks noGrp="1"/>
+          </p:cNvSpPr>
+          <p:nvPr>
+            <p:ph type="sldNum" sz="quarter" idx="5"/>
+          </p:nvPr>
+        </p:nvSpPr>
+        <p:spPr/>
+        <p:txBody>
+          <a:bodyPr/>
+          <a:lstStyle/>
+          <a:p>
+            <a:fld id="{2A82BF32-25B9-4CFB-82AF-946389DD5021}" type="slidenum">
+              <a:rPr lang="en-US" smtClean="0"/>
+              <a:t>8</a:t>
+            </a:fld>
+            <a:endParaRPr lang="en-US"/>
+          </a:p>
+        </p:txBody>
+      </p:sp>
+    </p:spTree>
+    <p:extLst>
+      <p:ext uri="{BB962C8B-B14F-4D97-AF65-F5344CB8AC3E}">
+        <p14:creationId xmlns:p14="http://schemas.microsoft.com/office/powerpoint/2010/main" val="2285853924"/>
+      </p:ext>
+    </p:extLst>
+  </p:cSld>
+  <p:clrMapOvr>
+    <a:masterClrMapping/>
+  </p:clrMapOvr>
+</p:notes>
+</file>
+
+<file path=ppt/notesSlides/notesSlide6.xml><?xml version="1.0" encoding="utf-8"?>
+<p:notes xmlns:a="http://schemas.openxmlformats.org/drawingml/2006/main" xmlns:r="http://schemas.openxmlformats.org/officeDocument/2006/relationships" xmlns:p="http://schemas.openxmlformats.org/presentationml/2006/main">
+  <p:cSld>
+    <p:spTree>
+      <p:nvGrpSpPr>
+        <p:cNvPr id="1" name=""/>
+        <p:cNvGrpSpPr/>
+        <p:nvPr/>
+      </p:nvGrpSpPr>
+      <p:grpSpPr>
+        <a:xfrm>
+          <a:off x="0" y="0"/>
+          <a:ext cx="0" cy="0"/>
+          <a:chOff x="0" y="0"/>
+          <a:chExt cx="0" cy="0"/>
+        </a:xfrm>
+      </p:grpSpPr>
+      <p:sp>
+        <p:nvSpPr>
+          <p:cNvPr id="2" name="Slide Image Placeholder 1"/>
+          <p:cNvSpPr>
+            <a:spLocks noGrp="1" noRot="1" noChangeAspect="1"/>
+          </p:cNvSpPr>
+          <p:nvPr>
+            <p:ph type="sldImg"/>
+          </p:nvPr>
+        </p:nvSpPr>
+        <p:spPr/>
+      </p:sp>
+      <p:sp>
+        <p:nvSpPr>
+          <p:cNvPr id="3" name="Notes Placeholder 2"/>
+          <p:cNvSpPr>
+            <a:spLocks noGrp="1"/>
+          </p:cNvSpPr>
+          <p:nvPr>
+            <p:ph type="body" idx="1"/>
+          </p:nvPr>
+        </p:nvSpPr>
+        <p:spPr/>
+        <p:txBody>
+          <a:bodyPr/>
+          <a:lstStyle/>
+          <a:p>
+            <a:r>
+              <a:rPr lang="en-US" dirty="0"/>
+              <a:t> PostgreSQL (pgAdmin4) serves as the SQL database utilized for storing the data obtained from the CSV files. Each CSV file was transformed into a table schema displaying all the columns contained within each CSV. </a:t>
+            </a:r>
+          </a:p>
+        </p:txBody>
+      </p:sp>
+      <p:sp>
+        <p:nvSpPr>
+          <p:cNvPr id="4" name="Slide Number Placeholder 3"/>
+          <p:cNvSpPr>
+            <a:spLocks noGrp="1"/>
+          </p:cNvSpPr>
+          <p:nvPr>
+            <p:ph type="sldNum" sz="quarter" idx="5"/>
+          </p:nvPr>
+        </p:nvSpPr>
+        <p:spPr/>
+        <p:txBody>
+          <a:bodyPr/>
+          <a:lstStyle/>
+          <a:p>
+            <a:fld id="{2A82BF32-25B9-4CFB-82AF-946389DD5021}" type="slidenum">
+              <a:rPr lang="en-US" smtClean="0"/>
+              <a:t>9</a:t>
+            </a:fld>
+            <a:endParaRPr lang="en-US"/>
+          </a:p>
+        </p:txBody>
+      </p:sp>
+    </p:spTree>
+    <p:extLst>
+      <p:ext uri="{BB962C8B-B14F-4D97-AF65-F5344CB8AC3E}">
+        <p14:creationId xmlns:p14="http://schemas.microsoft.com/office/powerpoint/2010/main" val="1120223100"/>
+      </p:ext>
+    </p:extLst>
+  </p:cSld>
+  <p:clrMapOvr>
+    <a:masterClrMapping/>
+  </p:clrMapOvr>
+</p:notes>
+</file>
+
 <file path=ppt/slideLayouts/slideLayout1.xml><?xml version="1.0" encoding="utf-8"?>
 <p:sldLayout xmlns:a="http://schemas.openxmlformats.org/drawingml/2006/main" xmlns:r="http://schemas.openxmlformats.org/officeDocument/2006/relationships" xmlns:p="http://schemas.openxmlformats.org/presentationml/2006/main" showMasterSp="0" type="title" preserve="1">
   <p:cSld name="Title Slide">
@@ -1360,7 +1545,7 @@
           <a:p>
             <a:fld id="{5FC588E6-FAC8-4CB8-904E-4C86C516A14A}" type="datetimeFigureOut">
               <a:rPr lang="en-US" smtClean="0"/>
-              <a:t>4/15/2024</a:t>
+              <a:t>4/16/24</a:t>
             </a:fld>
             <a:endParaRPr lang="en-US"/>
           </a:p>
@@ -1568,7 +1753,7 @@
           <a:p>
             <a:fld id="{5FC588E6-FAC8-4CB8-904E-4C86C516A14A}" type="datetimeFigureOut">
               <a:rPr lang="en-US" smtClean="0"/>
-              <a:t>4/15/2024</a:t>
+              <a:t>4/16/24</a:t>
             </a:fld>
             <a:endParaRPr lang="en-US"/>
           </a:p>
@@ -1824,7 +2009,7 @@
           <a:p>
             <a:fld id="{5FC588E6-FAC8-4CB8-904E-4C86C516A14A}" type="datetimeFigureOut">
               <a:rPr lang="en-US" smtClean="0"/>
-              <a:t>4/15/2024</a:t>
+              <a:t>4/16/24</a:t>
             </a:fld>
             <a:endParaRPr lang="en-US"/>
           </a:p>
@@ -1998,7 +2183,7 @@
           <a:p>
             <a:fld id="{5FC588E6-FAC8-4CB8-904E-4C86C516A14A}" type="datetimeFigureOut">
               <a:rPr lang="en-US" smtClean="0"/>
-              <a:t>4/15/2024</a:t>
+              <a:t>4/16/24</a:t>
             </a:fld>
             <a:endParaRPr lang="en-US"/>
           </a:p>
@@ -2341,7 +2526,7 @@
           <a:p>
             <a:fld id="{5FC588E6-FAC8-4CB8-904E-4C86C516A14A}" type="datetimeFigureOut">
               <a:rPr lang="en-US" smtClean="0"/>
-              <a:t>4/15/2024</a:t>
+              <a:t>4/16/24</a:t>
             </a:fld>
             <a:endParaRPr lang="en-US"/>
           </a:p>
@@ -2616,7 +2801,7 @@
           <a:p>
             <a:fld id="{5FC588E6-FAC8-4CB8-904E-4C86C516A14A}" type="datetimeFigureOut">
               <a:rPr lang="en-US" smtClean="0"/>
-              <a:t>4/15/2024</a:t>
+              <a:t>4/16/24</a:t>
             </a:fld>
             <a:endParaRPr lang="en-US"/>
           </a:p>
@@ -2995,7 +3180,7 @@
           <a:p>
             <a:fld id="{5FC588E6-FAC8-4CB8-904E-4C86C516A14A}" type="datetimeFigureOut">
               <a:rPr lang="en-US" smtClean="0"/>
-              <a:t>4/15/2024</a:t>
+              <a:t>4/16/24</a:t>
             </a:fld>
             <a:endParaRPr lang="en-US"/>
           </a:p>
@@ -3113,7 +3298,7 @@
           <a:p>
             <a:fld id="{5FC588E6-FAC8-4CB8-904E-4C86C516A14A}" type="datetimeFigureOut">
               <a:rPr lang="en-US" smtClean="0"/>
-              <a:t>4/15/2024</a:t>
+              <a:t>4/16/24</a:t>
             </a:fld>
             <a:endParaRPr lang="en-US"/>
           </a:p>
@@ -3284,7 +3469,7 @@
           <a:p>
             <a:fld id="{5FC588E6-FAC8-4CB8-904E-4C86C516A14A}" type="datetimeFigureOut">
               <a:rPr lang="en-US" smtClean="0"/>
-              <a:t>4/15/2024</a:t>
+              <a:t>4/16/24</a:t>
             </a:fld>
             <a:endParaRPr lang="en-US"/>
           </a:p>
@@ -3638,7 +3823,7 @@
           <a:p>
             <a:fld id="{5FC588E6-FAC8-4CB8-904E-4C86C516A14A}" type="datetimeFigureOut">
               <a:rPr lang="en-US" smtClean="0"/>
-              <a:t>4/15/2024</a:t>
+              <a:t>4/16/24</a:t>
             </a:fld>
             <a:endParaRPr lang="en-US"/>
           </a:p>
@@ -4020,7 +4205,7 @@
           <a:p>
             <a:fld id="{5FC588E6-FAC8-4CB8-904E-4C86C516A14A}" type="datetimeFigureOut">
               <a:rPr lang="en-US" smtClean="0"/>
-              <a:t>4/15/2024</a:t>
+              <a:t>4/16/24</a:t>
             </a:fld>
             <a:endParaRPr lang="en-US"/>
           </a:p>
@@ -4307,7 +4492,7 @@
           <a:p>
             <a:fld id="{5FC588E6-FAC8-4CB8-904E-4C86C516A14A}" type="datetimeFigureOut">
               <a:rPr lang="en-US" smtClean="0"/>
-              <a:t>4/15/2024</a:t>
+              <a:t>4/16/24</a:t>
             </a:fld>
             <a:endParaRPr lang="en-US"/>
           </a:p>
@@ -4906,6 +5091,111 @@
 </p:sld>
 </file>
 
+<file path=ppt/slides/slide10.xml><?xml version="1.0" encoding="utf-8"?>
+<p:sld xmlns:a="http://schemas.openxmlformats.org/drawingml/2006/main" xmlns:r="http://schemas.openxmlformats.org/officeDocument/2006/relationships" xmlns:p="http://schemas.openxmlformats.org/presentationml/2006/main">
+  <p:cSld>
+    <p:spTree>
+      <p:nvGrpSpPr>
+        <p:cNvPr id="1" name=""/>
+        <p:cNvGrpSpPr/>
+        <p:nvPr/>
+      </p:nvGrpSpPr>
+      <p:grpSpPr>
+        <a:xfrm>
+          <a:off x="0" y="0"/>
+          <a:ext cx="0" cy="0"/>
+          <a:chOff x="0" y="0"/>
+          <a:chExt cx="0" cy="0"/>
+        </a:xfrm>
+      </p:grpSpPr>
+      <p:sp>
+        <p:nvSpPr>
+          <p:cNvPr id="2" name="Title 1">
+            <a:extLst>
+              <a:ext uri="{FF2B5EF4-FFF2-40B4-BE49-F238E27FC236}">
+                <a16:creationId xmlns:a16="http://schemas.microsoft.com/office/drawing/2014/main" id="{E93D233D-9782-0468-0FD1-93E207E33DA7}"/>
+              </a:ext>
+            </a:extLst>
+          </p:cNvPr>
+          <p:cNvSpPr>
+            <a:spLocks noGrp="1"/>
+          </p:cNvSpPr>
+          <p:nvPr>
+            <p:ph type="title"/>
+          </p:nvPr>
+        </p:nvSpPr>
+        <p:spPr/>
+        <p:txBody>
+          <a:bodyPr/>
+          <a:lstStyle/>
+          <a:p>
+            <a:endParaRPr lang="en-US" dirty="0"/>
+          </a:p>
+        </p:txBody>
+      </p:sp>
+      <p:sp>
+        <p:nvSpPr>
+          <p:cNvPr id="3" name="Content Placeholder 2">
+            <a:extLst>
+              <a:ext uri="{FF2B5EF4-FFF2-40B4-BE49-F238E27FC236}">
+                <a16:creationId xmlns:a16="http://schemas.microsoft.com/office/drawing/2014/main" id="{4655F1F7-52B6-0DA9-440B-BDA4A146DFE3}"/>
+              </a:ext>
+            </a:extLst>
+          </p:cNvPr>
+          <p:cNvSpPr>
+            <a:spLocks noGrp="1"/>
+          </p:cNvSpPr>
+          <p:nvPr>
+            <p:ph sz="half" idx="1"/>
+          </p:nvPr>
+        </p:nvSpPr>
+        <p:spPr/>
+        <p:txBody>
+          <a:bodyPr/>
+          <a:lstStyle/>
+          <a:p>
+            <a:endParaRPr lang="en-US"/>
+          </a:p>
+        </p:txBody>
+      </p:sp>
+      <p:sp>
+        <p:nvSpPr>
+          <p:cNvPr id="4" name="Content Placeholder 3">
+            <a:extLst>
+              <a:ext uri="{FF2B5EF4-FFF2-40B4-BE49-F238E27FC236}">
+                <a16:creationId xmlns:a16="http://schemas.microsoft.com/office/drawing/2014/main" id="{155708C9-42E3-E098-8750-F8685D7D5F29}"/>
+              </a:ext>
+            </a:extLst>
+          </p:cNvPr>
+          <p:cNvSpPr>
+            <a:spLocks noGrp="1"/>
+          </p:cNvSpPr>
+          <p:nvPr>
+            <p:ph sz="half" idx="2"/>
+          </p:nvPr>
+        </p:nvSpPr>
+        <p:spPr/>
+        <p:txBody>
+          <a:bodyPr/>
+          <a:lstStyle/>
+          <a:p>
+            <a:endParaRPr lang="en-US"/>
+          </a:p>
+        </p:txBody>
+      </p:sp>
+    </p:spTree>
+    <p:extLst>
+      <p:ext uri="{BB962C8B-B14F-4D97-AF65-F5344CB8AC3E}">
+        <p14:creationId xmlns:p14="http://schemas.microsoft.com/office/powerpoint/2010/main" val="3965512670"/>
+      </p:ext>
+    </p:extLst>
+  </p:cSld>
+  <p:clrMapOvr>
+    <a:masterClrMapping/>
+  </p:clrMapOvr>
+</p:sld>
+</file>
+
 <file path=ppt/slides/slide2.xml><?xml version="1.0" encoding="utf-8"?>
 <p:sld xmlns:a="http://schemas.openxmlformats.org/drawingml/2006/main" xmlns:r="http://schemas.openxmlformats.org/officeDocument/2006/relationships" xmlns:p="http://schemas.openxmlformats.org/presentationml/2006/main">
   <p:cSld>
@@ -6068,6 +6358,395 @@
     <p:extLst>
       <p:ext uri="{BB962C8B-B14F-4D97-AF65-F5344CB8AC3E}">
         <p14:creationId xmlns:p14="http://schemas.microsoft.com/office/powerpoint/2010/main" val="810770557"/>
+      </p:ext>
+    </p:extLst>
+  </p:cSld>
+  <p:clrMapOvr>
+    <a:masterClrMapping/>
+  </p:clrMapOvr>
+</p:sld>
+</file>
+
+<file path=ppt/slides/slide8.xml><?xml version="1.0" encoding="utf-8"?>
+<p:sld xmlns:a="http://schemas.openxmlformats.org/drawingml/2006/main" xmlns:r="http://schemas.openxmlformats.org/officeDocument/2006/relationships" xmlns:p="http://schemas.openxmlformats.org/presentationml/2006/main">
+  <p:cSld>
+    <p:spTree>
+      <p:nvGrpSpPr>
+        <p:cNvPr id="1" name=""/>
+        <p:cNvGrpSpPr/>
+        <p:nvPr/>
+      </p:nvGrpSpPr>
+      <p:grpSpPr>
+        <a:xfrm>
+          <a:off x="0" y="0"/>
+          <a:ext cx="0" cy="0"/>
+          <a:chOff x="0" y="0"/>
+          <a:chExt cx="0" cy="0"/>
+        </a:xfrm>
+      </p:grpSpPr>
+      <p:sp>
+        <p:nvSpPr>
+          <p:cNvPr id="2" name="Title 1">
+            <a:extLst>
+              <a:ext uri="{FF2B5EF4-FFF2-40B4-BE49-F238E27FC236}">
+                <a16:creationId xmlns:a16="http://schemas.microsoft.com/office/drawing/2014/main" id="{DAA91AE2-2E0F-94DB-C816-7345BD0DF723}"/>
+              </a:ext>
+            </a:extLst>
+          </p:cNvPr>
+          <p:cNvSpPr>
+            <a:spLocks noGrp="1"/>
+          </p:cNvSpPr>
+          <p:nvPr>
+            <p:ph type="title"/>
+          </p:nvPr>
+        </p:nvSpPr>
+        <p:spPr/>
+        <p:txBody>
+          <a:bodyPr/>
+          <a:lstStyle/>
+          <a:p>
+            <a:r>
+              <a:rPr lang="en-US" dirty="0"/>
+              <a:t>Data Modeling: Using ERD</a:t>
+            </a:r>
+          </a:p>
+        </p:txBody>
+      </p:sp>
+      <p:pic>
+        <p:nvPicPr>
+          <p:cNvPr id="7" name="Content Placeholder 6" descr="A screenshot of a computer&#10;&#10;Description automatically generated">
+            <a:extLst>
+              <a:ext uri="{FF2B5EF4-FFF2-40B4-BE49-F238E27FC236}">
+                <a16:creationId xmlns:a16="http://schemas.microsoft.com/office/drawing/2014/main" id="{B6A6505B-D671-B5C3-CF83-9539A224B624}"/>
+              </a:ext>
+            </a:extLst>
+          </p:cNvPr>
+          <p:cNvPicPr>
+            <a:picLocks noGrp="1" noChangeAspect="1"/>
+          </p:cNvPicPr>
+          <p:nvPr>
+            <p:ph sz="half" idx="1"/>
+          </p:nvPr>
+        </p:nvPicPr>
+        <p:blipFill>
+          <a:blip r:embed="rId3">
+            <a:extLst>
+              <a:ext uri="{28A0092B-C50C-407E-A947-70E740481C1C}">
+                <a14:useLocalDpi xmlns:a14="http://schemas.microsoft.com/office/drawing/2010/main" val="0"/>
+              </a:ext>
+            </a:extLst>
+          </a:blip>
+          <a:stretch>
+            <a:fillRect/>
+          </a:stretch>
+        </p:blipFill>
+        <p:spPr>
+          <a:xfrm>
+            <a:off x="1096963" y="2285677"/>
+            <a:ext cx="4938712" cy="3143897"/>
+          </a:xfrm>
+        </p:spPr>
+      </p:pic>
+      <p:sp>
+        <p:nvSpPr>
+          <p:cNvPr id="4" name="Content Placeholder 3">
+            <a:extLst>
+              <a:ext uri="{FF2B5EF4-FFF2-40B4-BE49-F238E27FC236}">
+                <a16:creationId xmlns:a16="http://schemas.microsoft.com/office/drawing/2014/main" id="{A25DA2C0-64B2-A2F0-961A-58966FAACF3A}"/>
+              </a:ext>
+            </a:extLst>
+          </p:cNvPr>
+          <p:cNvSpPr>
+            <a:spLocks noGrp="1"/>
+          </p:cNvSpPr>
+          <p:nvPr>
+            <p:ph sz="half" idx="2"/>
+          </p:nvPr>
+        </p:nvSpPr>
+        <p:spPr/>
+        <p:txBody>
+          <a:bodyPr/>
+          <a:lstStyle/>
+          <a:p>
+            <a:endParaRPr lang="en-US" dirty="0"/>
+          </a:p>
+        </p:txBody>
+      </p:sp>
+    </p:spTree>
+    <p:extLst>
+      <p:ext uri="{BB962C8B-B14F-4D97-AF65-F5344CB8AC3E}">
+        <p14:creationId xmlns:p14="http://schemas.microsoft.com/office/powerpoint/2010/main" val="3674996176"/>
+      </p:ext>
+    </p:extLst>
+  </p:cSld>
+  <p:clrMapOvr>
+    <a:masterClrMapping/>
+  </p:clrMapOvr>
+</p:sld>
+</file>
+
+<file path=ppt/slides/slide9.xml><?xml version="1.0" encoding="utf-8"?>
+<p:sld xmlns:a="http://schemas.openxmlformats.org/drawingml/2006/main" xmlns:r="http://schemas.openxmlformats.org/officeDocument/2006/relationships" xmlns:p="http://schemas.openxmlformats.org/presentationml/2006/main">
+  <p:cSld>
+    <p:spTree>
+      <p:nvGrpSpPr>
+        <p:cNvPr id="1" name=""/>
+        <p:cNvGrpSpPr/>
+        <p:nvPr/>
+      </p:nvGrpSpPr>
+      <p:grpSpPr>
+        <a:xfrm>
+          <a:off x="0" y="0"/>
+          <a:ext cx="0" cy="0"/>
+          <a:chOff x="0" y="0"/>
+          <a:chExt cx="0" cy="0"/>
+        </a:xfrm>
+      </p:grpSpPr>
+      <p:sp>
+        <p:nvSpPr>
+          <p:cNvPr id="2" name="Title 1">
+            <a:extLst>
+              <a:ext uri="{FF2B5EF4-FFF2-40B4-BE49-F238E27FC236}">
+                <a16:creationId xmlns:a16="http://schemas.microsoft.com/office/drawing/2014/main" id="{3C1AED84-ACDF-F62F-58B3-D7CE567314D0}"/>
+              </a:ext>
+            </a:extLst>
+          </p:cNvPr>
+          <p:cNvSpPr>
+            <a:spLocks noGrp="1"/>
+          </p:cNvSpPr>
+          <p:nvPr>
+            <p:ph type="title"/>
+          </p:nvPr>
+        </p:nvSpPr>
+        <p:spPr/>
+        <p:txBody>
+          <a:bodyPr/>
+          <a:lstStyle/>
+          <a:p>
+            <a:r>
+              <a:rPr lang="en-US" dirty="0"/>
+              <a:t>Data Engineering: Creating Table Schema</a:t>
+            </a:r>
+          </a:p>
+        </p:txBody>
+      </p:sp>
+      <p:pic>
+        <p:nvPicPr>
+          <p:cNvPr id="6" name="Content Placeholder 5" descr="A screenshot of a computer&#10;&#10;Description automatically generated">
+            <a:extLst>
+              <a:ext uri="{FF2B5EF4-FFF2-40B4-BE49-F238E27FC236}">
+                <a16:creationId xmlns:a16="http://schemas.microsoft.com/office/drawing/2014/main" id="{07D0DB78-C414-ECB5-4679-FAD3269C7D89}"/>
+              </a:ext>
+            </a:extLst>
+          </p:cNvPr>
+          <p:cNvPicPr>
+            <a:picLocks noGrp="1" noChangeAspect="1"/>
+          </p:cNvPicPr>
+          <p:nvPr>
+            <p:ph sz="half" idx="1"/>
+          </p:nvPr>
+        </p:nvPicPr>
+        <p:blipFill>
+          <a:blip r:embed="rId3">
+            <a:extLst>
+              <a:ext uri="{28A0092B-C50C-407E-A947-70E740481C1C}">
+                <a14:useLocalDpi xmlns:a14="http://schemas.microsoft.com/office/drawing/2010/main" val="0"/>
+              </a:ext>
+            </a:extLst>
+          </a:blip>
+          <a:stretch>
+            <a:fillRect/>
+          </a:stretch>
+        </p:blipFill>
+        <p:spPr>
+          <a:xfrm>
+            <a:off x="972458" y="1779528"/>
+            <a:ext cx="4412343" cy="2265890"/>
+          </a:xfrm>
+        </p:spPr>
+      </p:pic>
+      <p:pic>
+        <p:nvPicPr>
+          <p:cNvPr id="8" name="Content Placeholder 7" descr="A screenshot of a computer&#10;&#10;Description automatically generated">
+            <a:extLst>
+              <a:ext uri="{FF2B5EF4-FFF2-40B4-BE49-F238E27FC236}">
+                <a16:creationId xmlns:a16="http://schemas.microsoft.com/office/drawing/2014/main" id="{A48BE822-C1A6-3DE4-4213-D26CEC044B54}"/>
+              </a:ext>
+            </a:extLst>
+          </p:cNvPr>
+          <p:cNvPicPr>
+            <a:picLocks noGrp="1" noChangeAspect="1"/>
+          </p:cNvPicPr>
+          <p:nvPr>
+            <p:ph sz="half" idx="2"/>
+          </p:nvPr>
+        </p:nvPicPr>
+        <p:blipFill>
+          <a:blip r:embed="rId4">
+            <a:extLst>
+              <a:ext uri="{28A0092B-C50C-407E-A947-70E740481C1C}">
+                <a14:useLocalDpi xmlns:a14="http://schemas.microsoft.com/office/drawing/2010/main" val="0"/>
+              </a:ext>
+            </a:extLst>
+          </a:blip>
+          <a:stretch>
+            <a:fillRect/>
+          </a:stretch>
+        </p:blipFill>
+        <p:spPr>
+          <a:xfrm>
+            <a:off x="5842000" y="2180619"/>
+            <a:ext cx="4876800" cy="2247900"/>
+          </a:xfrm>
+        </p:spPr>
+      </p:pic>
+      <p:pic>
+        <p:nvPicPr>
+          <p:cNvPr id="10" name="Picture 9" descr="A screenshot of a computer&#10;&#10;Description automatically generated">
+            <a:extLst>
+              <a:ext uri="{FF2B5EF4-FFF2-40B4-BE49-F238E27FC236}">
+                <a16:creationId xmlns:a16="http://schemas.microsoft.com/office/drawing/2014/main" id="{17678DD6-DF11-2E47-723E-3412A5AB4B7E}"/>
+              </a:ext>
+            </a:extLst>
+          </p:cNvPr>
+          <p:cNvPicPr>
+            <a:picLocks noChangeAspect="1"/>
+          </p:cNvPicPr>
+          <p:nvPr/>
+        </p:nvPicPr>
+        <p:blipFill>
+          <a:blip r:embed="rId5">
+            <a:extLst>
+              <a:ext uri="{28A0092B-C50C-407E-A947-70E740481C1C}">
+                <a14:useLocalDpi xmlns:a14="http://schemas.microsoft.com/office/drawing/2010/main" val="0"/>
+              </a:ext>
+            </a:extLst>
+          </a:blip>
+          <a:stretch>
+            <a:fillRect/>
+          </a:stretch>
+        </p:blipFill>
+        <p:spPr>
+          <a:xfrm>
+            <a:off x="2540001" y="4067629"/>
+            <a:ext cx="6146800" cy="2311400"/>
+          </a:xfrm>
+          <a:prstGeom prst="rect">
+            <a:avLst/>
+          </a:prstGeom>
+        </p:spPr>
+      </p:pic>
+      <p:sp>
+        <p:nvSpPr>
+          <p:cNvPr id="13" name="TextBox 12">
+            <a:extLst>
+              <a:ext uri="{FF2B5EF4-FFF2-40B4-BE49-F238E27FC236}">
+                <a16:creationId xmlns:a16="http://schemas.microsoft.com/office/drawing/2014/main" id="{15CE3223-024B-BCEF-FC3A-5AFF5EB65C20}"/>
+              </a:ext>
+            </a:extLst>
+          </p:cNvPr>
+          <p:cNvSpPr txBox="1"/>
+          <p:nvPr/>
+        </p:nvSpPr>
+        <p:spPr>
+          <a:xfrm rot="21422411">
+            <a:off x="165918" y="2258616"/>
+            <a:ext cx="878656" cy="646331"/>
+          </a:xfrm>
+          <a:prstGeom prst="rect">
+            <a:avLst/>
+          </a:prstGeom>
+          <a:noFill/>
+        </p:spPr>
+        <p:txBody>
+          <a:bodyPr wrap="square" rtlCol="0">
+            <a:spAutoFit/>
+          </a:bodyPr>
+          <a:lstStyle/>
+          <a:p>
+            <a:r>
+              <a:rPr lang="en-US" dirty="0"/>
+              <a:t>August_2018</a:t>
+            </a:r>
+          </a:p>
+        </p:txBody>
+      </p:sp>
+      <p:sp>
+        <p:nvSpPr>
+          <p:cNvPr id="14" name="TextBox 13">
+            <a:extLst>
+              <a:ext uri="{FF2B5EF4-FFF2-40B4-BE49-F238E27FC236}">
+                <a16:creationId xmlns:a16="http://schemas.microsoft.com/office/drawing/2014/main" id="{15A86ACD-2BAC-58AF-3977-9BFAD2DB1402}"/>
+              </a:ext>
+            </a:extLst>
+          </p:cNvPr>
+          <p:cNvSpPr txBox="1"/>
+          <p:nvPr/>
+        </p:nvSpPr>
+        <p:spPr>
+          <a:xfrm>
+            <a:off x="10914744" y="2838203"/>
+            <a:ext cx="1277256" cy="646331"/>
+          </a:xfrm>
+          <a:prstGeom prst="rect">
+            <a:avLst/>
+          </a:prstGeom>
+          <a:noFill/>
+        </p:spPr>
+        <p:txBody>
+          <a:bodyPr wrap="square" rtlCol="0">
+            <a:spAutoFit/>
+          </a:bodyPr>
+          <a:lstStyle/>
+          <a:p>
+            <a:r>
+              <a:rPr lang="en-US" dirty="0" err="1"/>
+              <a:t>Air_carrie_data</a:t>
+            </a:r>
+            <a:endParaRPr lang="en-US" dirty="0"/>
+          </a:p>
+        </p:txBody>
+      </p:sp>
+      <p:sp>
+        <p:nvSpPr>
+          <p:cNvPr id="15" name="TextBox 14">
+            <a:extLst>
+              <a:ext uri="{FF2B5EF4-FFF2-40B4-BE49-F238E27FC236}">
+                <a16:creationId xmlns:a16="http://schemas.microsoft.com/office/drawing/2014/main" id="{8AA81E0A-AE70-3685-D4D7-EAE5309D1516}"/>
+              </a:ext>
+            </a:extLst>
+          </p:cNvPr>
+          <p:cNvSpPr txBox="1"/>
+          <p:nvPr/>
+        </p:nvSpPr>
+        <p:spPr>
+          <a:xfrm>
+            <a:off x="1282536" y="4655127"/>
+            <a:ext cx="1021277" cy="646331"/>
+          </a:xfrm>
+          <a:prstGeom prst="rect">
+            <a:avLst/>
+          </a:prstGeom>
+          <a:noFill/>
+        </p:spPr>
+        <p:txBody>
+          <a:bodyPr wrap="square" rtlCol="0">
+            <a:spAutoFit/>
+          </a:bodyPr>
+          <a:lstStyle/>
+          <a:p>
+            <a:r>
+              <a:rPr lang="en-US" dirty="0" err="1"/>
+              <a:t>airport_data</a:t>
+            </a:r>
+            <a:endParaRPr lang="en-US" dirty="0"/>
+          </a:p>
+        </p:txBody>
+      </p:sp>
+    </p:spTree>
+    <p:extLst>
+      <p:ext uri="{BB962C8B-B14F-4D97-AF65-F5344CB8AC3E}">
+        <p14:creationId xmlns:p14="http://schemas.microsoft.com/office/powerpoint/2010/main" val="2250561352"/>
       </p:ext>
     </p:extLst>
   </p:cSld>

--- a/Airline_OnTime_performance_Stats.pptx
+++ b/Airline_OnTime_performance_Stats.pptx
@@ -5,7 +5,7 @@
     <p:sldMasterId id="2147483689" r:id="rId1"/>
   </p:sldMasterIdLst>
   <p:notesMasterIdLst>
-    <p:notesMasterId r:id="rId12"/>
+    <p:notesMasterId r:id="rId11"/>
   </p:notesMasterIdLst>
   <p:sldIdLst>
     <p:sldId id="256" r:id="rId2"/>
@@ -17,7 +17,6 @@
     <p:sldId id="261" r:id="rId8"/>
     <p:sldId id="263" r:id="rId9"/>
     <p:sldId id="264" r:id="rId10"/>
-    <p:sldId id="265" r:id="rId11"/>
   </p:sldIdLst>
   <p:sldSz cx="12192000" cy="6858000"/>
   <p:notesSz cx="6858000" cy="9144000"/>
@@ -1193,6 +1192,17 @@
               <a:rPr lang="en-US" dirty="0"/>
               <a:t>/. This diagram illustrated the linking of foreign keys to their respective primary keys, as depicted above.</a:t>
             </a:r>
+          </a:p>
+          <a:p>
+            <a:r>
+              <a:rPr lang="en-US" dirty="0"/>
+              <a:t>PostgreSQL (pgAdmin4) serves as the SQL database utilized for storing the data obtained from the CSV files. The name for the database was </a:t>
+            </a:r>
+            <a:r>
+              <a:rPr lang="en-US" b="1" dirty="0" err="1"/>
+              <a:t>airline_db</a:t>
+            </a:r>
+            <a:endParaRPr lang="en-US" b="1" dirty="0"/>
           </a:p>
         </p:txBody>
       </p:sp>
@@ -5091,111 +5101,6 @@
 </p:sld>
 </file>
 
-<file path=ppt/slides/slide10.xml><?xml version="1.0" encoding="utf-8"?>
-<p:sld xmlns:a="http://schemas.openxmlformats.org/drawingml/2006/main" xmlns:r="http://schemas.openxmlformats.org/officeDocument/2006/relationships" xmlns:p="http://schemas.openxmlformats.org/presentationml/2006/main">
-  <p:cSld>
-    <p:spTree>
-      <p:nvGrpSpPr>
-        <p:cNvPr id="1" name=""/>
-        <p:cNvGrpSpPr/>
-        <p:nvPr/>
-      </p:nvGrpSpPr>
-      <p:grpSpPr>
-        <a:xfrm>
-          <a:off x="0" y="0"/>
-          <a:ext cx="0" cy="0"/>
-          <a:chOff x="0" y="0"/>
-          <a:chExt cx="0" cy="0"/>
-        </a:xfrm>
-      </p:grpSpPr>
-      <p:sp>
-        <p:nvSpPr>
-          <p:cNvPr id="2" name="Title 1">
-            <a:extLst>
-              <a:ext uri="{FF2B5EF4-FFF2-40B4-BE49-F238E27FC236}">
-                <a16:creationId xmlns:a16="http://schemas.microsoft.com/office/drawing/2014/main" id="{E93D233D-9782-0468-0FD1-93E207E33DA7}"/>
-              </a:ext>
-            </a:extLst>
-          </p:cNvPr>
-          <p:cNvSpPr>
-            <a:spLocks noGrp="1"/>
-          </p:cNvSpPr>
-          <p:nvPr>
-            <p:ph type="title"/>
-          </p:nvPr>
-        </p:nvSpPr>
-        <p:spPr/>
-        <p:txBody>
-          <a:bodyPr/>
-          <a:lstStyle/>
-          <a:p>
-            <a:endParaRPr lang="en-US" dirty="0"/>
-          </a:p>
-        </p:txBody>
-      </p:sp>
-      <p:sp>
-        <p:nvSpPr>
-          <p:cNvPr id="3" name="Content Placeholder 2">
-            <a:extLst>
-              <a:ext uri="{FF2B5EF4-FFF2-40B4-BE49-F238E27FC236}">
-                <a16:creationId xmlns:a16="http://schemas.microsoft.com/office/drawing/2014/main" id="{4655F1F7-52B6-0DA9-440B-BDA4A146DFE3}"/>
-              </a:ext>
-            </a:extLst>
-          </p:cNvPr>
-          <p:cNvSpPr>
-            <a:spLocks noGrp="1"/>
-          </p:cNvSpPr>
-          <p:nvPr>
-            <p:ph sz="half" idx="1"/>
-          </p:nvPr>
-        </p:nvSpPr>
-        <p:spPr/>
-        <p:txBody>
-          <a:bodyPr/>
-          <a:lstStyle/>
-          <a:p>
-            <a:endParaRPr lang="en-US"/>
-          </a:p>
-        </p:txBody>
-      </p:sp>
-      <p:sp>
-        <p:nvSpPr>
-          <p:cNvPr id="4" name="Content Placeholder 3">
-            <a:extLst>
-              <a:ext uri="{FF2B5EF4-FFF2-40B4-BE49-F238E27FC236}">
-                <a16:creationId xmlns:a16="http://schemas.microsoft.com/office/drawing/2014/main" id="{155708C9-42E3-E098-8750-F8685D7D5F29}"/>
-              </a:ext>
-            </a:extLst>
-          </p:cNvPr>
-          <p:cNvSpPr>
-            <a:spLocks noGrp="1"/>
-          </p:cNvSpPr>
-          <p:nvPr>
-            <p:ph sz="half" idx="2"/>
-          </p:nvPr>
-        </p:nvSpPr>
-        <p:spPr/>
-        <p:txBody>
-          <a:bodyPr/>
-          <a:lstStyle/>
-          <a:p>
-            <a:endParaRPr lang="en-US"/>
-          </a:p>
-        </p:txBody>
-      </p:sp>
-    </p:spTree>
-    <p:extLst>
-      <p:ext uri="{BB962C8B-B14F-4D97-AF65-F5344CB8AC3E}">
-        <p14:creationId xmlns:p14="http://schemas.microsoft.com/office/powerpoint/2010/main" val="3965512670"/>
-      </p:ext>
-    </p:extLst>
-  </p:cSld>
-  <p:clrMapOvr>
-    <a:masterClrMapping/>
-  </p:clrMapOvr>
-</p:sld>
-</file>
-
 <file path=ppt/slides/slide2.xml><?xml version="1.0" encoding="utf-8"?>
 <p:sld xmlns:a="http://schemas.openxmlformats.org/drawingml/2006/main" xmlns:r="http://schemas.openxmlformats.org/officeDocument/2006/relationships" xmlns:p="http://schemas.openxmlformats.org/presentationml/2006/main">
   <p:cSld>
@@ -6407,7 +6312,7 @@
           <a:p>
             <a:r>
               <a:rPr lang="en-US" dirty="0"/>
-              <a:t>Data Modeling: Using ERD</a:t>
+              <a:t>Data Modeling: Using ERD and Database Creation</a:t>
             </a:r>
           </a:p>
         </p:txBody>
@@ -6447,31 +6352,41 @@
           </a:xfrm>
         </p:spPr>
       </p:pic>
-      <p:sp>
-        <p:nvSpPr>
-          <p:cNvPr id="4" name="Content Placeholder 3">
+      <p:pic>
+        <p:nvPicPr>
+          <p:cNvPr id="10" name="Content Placeholder 9" descr="A screenshot of a computer&#10;&#10;Description automatically generated">
             <a:extLst>
               <a:ext uri="{FF2B5EF4-FFF2-40B4-BE49-F238E27FC236}">
-                <a16:creationId xmlns:a16="http://schemas.microsoft.com/office/drawing/2014/main" id="{A25DA2C0-64B2-A2F0-961A-58966FAACF3A}"/>
+                <a16:creationId xmlns:a16="http://schemas.microsoft.com/office/drawing/2014/main" id="{2B5F4701-3074-1C4A-CB18-AB2AB33B777E}"/>
               </a:ext>
             </a:extLst>
           </p:cNvPr>
-          <p:cNvSpPr>
-            <a:spLocks noGrp="1"/>
-          </p:cNvSpPr>
+          <p:cNvPicPr>
+            <a:picLocks noGrp="1" noChangeAspect="1"/>
+          </p:cNvPicPr>
           <p:nvPr>
             <p:ph sz="half" idx="2"/>
           </p:nvPr>
-        </p:nvSpPr>
-        <p:spPr/>
-        <p:txBody>
-          <a:bodyPr/>
-          <a:lstStyle/>
-          <a:p>
-            <a:endParaRPr lang="en-US" dirty="0"/>
-          </a:p>
-        </p:txBody>
-      </p:sp>
+        </p:nvPicPr>
+        <p:blipFill>
+          <a:blip r:embed="rId4">
+            <a:extLst>
+              <a:ext uri="{28A0092B-C50C-407E-A947-70E740481C1C}">
+                <a14:useLocalDpi xmlns:a14="http://schemas.microsoft.com/office/drawing/2010/main" val="0"/>
+              </a:ext>
+            </a:extLst>
+          </a:blip>
+          <a:stretch>
+            <a:fillRect/>
+          </a:stretch>
+        </p:blipFill>
+        <p:spPr>
+          <a:xfrm>
+            <a:off x="6369050" y="2498725"/>
+            <a:ext cx="4635500" cy="2717800"/>
+          </a:xfrm>
+        </p:spPr>
+      </p:pic>
     </p:spTree>
     <p:extLst>
       <p:ext uri="{BB962C8B-B14F-4D97-AF65-F5344CB8AC3E}">

--- a/Airline_OnTime_performance_Stats.pptx
+++ b/Airline_OnTime_performance_Stats.pptx
@@ -12,9 +12,9 @@
     <p:sldId id="257" r:id="rId3"/>
     <p:sldId id="262" r:id="rId4"/>
     <p:sldId id="258" r:id="rId5"/>
-    <p:sldId id="259" r:id="rId6"/>
-    <p:sldId id="260" r:id="rId7"/>
-    <p:sldId id="261" r:id="rId8"/>
+    <p:sldId id="261" r:id="rId6"/>
+    <p:sldId id="259" r:id="rId7"/>
+    <p:sldId id="260" r:id="rId8"/>
     <p:sldId id="263" r:id="rId9"/>
     <p:sldId id="264" r:id="rId10"/>
   </p:sldIdLst>
@@ -205,7 +205,7 @@
           <a:p>
             <a:fld id="{46609D4D-7D39-4F2B-9313-3332C0AD795B}" type="datetimeFigureOut">
               <a:rPr lang="en-US" smtClean="0"/>
-              <a:t>4/16/24</a:t>
+              <a:t>4/17/2024</a:t>
             </a:fld>
             <a:endParaRPr lang="en-US"/>
           </a:p>
@@ -605,21 +605,21 @@
           <a:p>
             <a:r>
               <a:rPr lang="en-US" dirty="0"/>
-              <a:t> </a:t>
+              <a:t>I used .head() to look at the </a:t>
             </a:r>
             <a:r>
               <a:rPr lang="en-US" dirty="0" err="1"/>
-              <a:t>columns.str.lower</a:t>
+              <a:t>dataframes</a:t>
             </a:r>
             <a:r>
               <a:rPr lang="en-US" dirty="0"/>
-              <a:t> was a quick, easy way to change all the column headers to lower case rather than rename everything</a:t>
+              <a:t>, but when we went to load it into the database we were running into errors, turns out there are airports outside of the US and not every one was a 2 digit state.  Updated to column title to location for accuracy.</a:t>
             </a:r>
           </a:p>
           <a:p>
             <a:r>
               <a:rPr lang="en-US" dirty="0"/>
-              <a:t>We wanted to keep the index as it was useful as a primary key, but we needed a column header.  Index.name allowed us to add that.</a:t>
+              <a:t>Lesson learned = look at all your data and don’t assume.</a:t>
             </a:r>
           </a:p>
         </p:txBody>
@@ -650,7 +650,7 @@
     </p:spTree>
     <p:extLst>
       <p:ext uri="{BB962C8B-B14F-4D97-AF65-F5344CB8AC3E}">
-        <p14:creationId xmlns:p14="http://schemas.microsoft.com/office/powerpoint/2010/main" val="3731497154"/>
+        <p14:creationId xmlns:p14="http://schemas.microsoft.com/office/powerpoint/2010/main" val="830788613"/>
       </p:ext>
     </p:extLst>
   </p:cSld>
@@ -705,296 +705,22 @@
           <a:lstStyle/>
           <a:p>
             <a:r>
-              <a:rPr lang="en-US" b="0" i="0" dirty="0">
-                <a:solidFill>
-                  <a:srgbClr val="374151"/>
-                </a:solidFill>
-                <a:effectLst/>
-                <a:highlight>
-                  <a:srgbClr val="FFFFFF"/>
-                </a:highlight>
-                <a:latin typeface="Droid Serif"/>
-              </a:rPr>
-              <a:t>Used .</a:t>
-            </a:r>
-            <a:r>
-              <a:rPr lang="en-US" b="0" i="0" dirty="0" err="1">
-                <a:solidFill>
-                  <a:srgbClr val="374151"/>
-                </a:solidFill>
-                <a:effectLst/>
-                <a:highlight>
-                  <a:srgbClr val="FFFFFF"/>
-                </a:highlight>
-                <a:latin typeface="Droid Serif"/>
-              </a:rPr>
-              <a:t>fillna</a:t>
-            </a:r>
-            <a:r>
-              <a:rPr lang="en-US" b="0" i="0" dirty="0">
-                <a:solidFill>
-                  <a:srgbClr val="374151"/>
-                </a:solidFill>
-                <a:effectLst/>
-                <a:highlight>
-                  <a:srgbClr val="FFFFFF"/>
-                </a:highlight>
-                <a:latin typeface="Droid Serif"/>
-              </a:rPr>
-              <a:t>(0) to put zeros in all the empty spaces in the columns that we were changing to the integer data type</a:t>
-            </a:r>
-          </a:p>
-          <a:p>
-            <a:endParaRPr lang="en-US" b="0" i="0" dirty="0">
-              <a:solidFill>
-                <a:srgbClr val="374151"/>
-              </a:solidFill>
-              <a:effectLst/>
-              <a:highlight>
-                <a:srgbClr val="FFFFFF"/>
-              </a:highlight>
-              <a:latin typeface="Droid Serif"/>
-            </a:endParaRPr>
-          </a:p>
-          <a:p>
-            <a:r>
-              <a:rPr lang="en-US" b="0" i="0" dirty="0">
-                <a:solidFill>
-                  <a:srgbClr val="374151"/>
-                </a:solidFill>
-                <a:effectLst/>
-                <a:highlight>
-                  <a:srgbClr val="FFFFFF"/>
-                </a:highlight>
-                <a:latin typeface="Droid Serif"/>
-              </a:rPr>
-              <a:t>The </a:t>
-            </a:r>
-            <a:r>
-              <a:rPr lang="en-US" b="1" i="0" dirty="0" err="1">
-                <a:solidFill>
-                  <a:srgbClr val="374151"/>
-                </a:solidFill>
-                <a:effectLst/>
-                <a:highlight>
-                  <a:srgbClr val="FFFFFF"/>
-                </a:highlight>
-                <a:latin typeface="Droid Serif"/>
-              </a:rPr>
-              <a:t>to_numeric</a:t>
-            </a:r>
-            <a:r>
-              <a:rPr lang="en-US" b="1" i="0" dirty="0">
-                <a:solidFill>
-                  <a:srgbClr val="374151"/>
-                </a:solidFill>
-                <a:effectLst/>
-                <a:highlight>
-                  <a:srgbClr val="FFFFFF"/>
-                </a:highlight>
-                <a:latin typeface="Droid Serif"/>
-              </a:rPr>
-              <a:t> function</a:t>
-            </a:r>
-            <a:r>
-              <a:rPr lang="en-US" b="0" i="0" dirty="0">
-                <a:solidFill>
-                  <a:srgbClr val="374151"/>
-                </a:solidFill>
-                <a:effectLst/>
-                <a:highlight>
-                  <a:srgbClr val="FFFFFF"/>
-                </a:highlight>
-                <a:latin typeface="Droid Serif"/>
-              </a:rPr>
-              <a:t> in pandas is used to convert the given argument to a numeric type. The argument is converted to </a:t>
-            </a:r>
-            <a:r>
               <a:rPr lang="en-US" dirty="0"/>
-              <a:t>float64</a:t>
-            </a:r>
-            <a:r>
-              <a:rPr lang="en-US" b="0" i="0" dirty="0">
-                <a:solidFill>
-                  <a:srgbClr val="374151"/>
-                </a:solidFill>
-                <a:effectLst/>
-                <a:highlight>
-                  <a:srgbClr val="FFFFFF"/>
-                </a:highlight>
-                <a:latin typeface="Droid Serif"/>
-              </a:rPr>
-              <a:t> or </a:t>
+              <a:t> </a:t>
+            </a:r>
+            <a:r>
+              <a:rPr lang="en-US" dirty="0" err="1"/>
+              <a:t>columns.str.lower</a:t>
             </a:r>
             <a:r>
               <a:rPr lang="en-US" dirty="0"/>
-              <a:t>int64</a:t>
-            </a:r>
-            <a:r>
-              <a:rPr lang="en-US" b="0" i="0" dirty="0">
-                <a:solidFill>
-                  <a:srgbClr val="374151"/>
-                </a:solidFill>
-                <a:effectLst/>
-                <a:highlight>
-                  <a:srgbClr val="FFFFFF"/>
-                </a:highlight>
-                <a:latin typeface="Droid Serif"/>
-              </a:rPr>
-              <a:t> by default, based on what is provided in the arguments. We can use the </a:t>
-            </a:r>
+              <a:t> was a quick, easy way to change all the column headers to lower case rather than rename everything</a:t>
+            </a:r>
+          </a:p>
+          <a:p>
             <a:r>
               <a:rPr lang="en-US" dirty="0"/>
-              <a:t>downcast</a:t>
-            </a:r>
-            <a:r>
-              <a:rPr lang="en-US" b="0" i="0" dirty="0">
-                <a:solidFill>
-                  <a:srgbClr val="374151"/>
-                </a:solidFill>
-                <a:effectLst/>
-                <a:highlight>
-                  <a:srgbClr val="FFFFFF"/>
-                </a:highlight>
-                <a:latin typeface="Droid Serif"/>
-              </a:rPr>
-              <a:t> parameter if we want to convert data to a particular type.</a:t>
-            </a:r>
-          </a:p>
-          <a:p>
-            <a:r>
-              <a:rPr lang="en-US" b="0" i="0" dirty="0">
-                <a:solidFill>
-                  <a:srgbClr val="C7254E"/>
-                </a:solidFill>
-                <a:effectLst/>
-                <a:highlight>
-                  <a:srgbClr val="F9F2F4"/>
-                </a:highlight>
-                <a:latin typeface="Menlo"/>
-              </a:rPr>
-              <a:t>Downcast</a:t>
-            </a:r>
-            <a:r>
-              <a:rPr lang="en-US" b="0" i="0" dirty="0">
-                <a:solidFill>
-                  <a:srgbClr val="374151"/>
-                </a:solidFill>
-                <a:effectLst/>
-                <a:highlight>
-                  <a:srgbClr val="FFFFFF"/>
-                </a:highlight>
-                <a:latin typeface="Droid Serif"/>
-              </a:rPr>
-              <a:t> - Specifies conversion to a particular datatype. Can be </a:t>
-            </a:r>
-            <a:r>
-              <a:rPr lang="en-US" dirty="0"/>
-              <a:t>int</a:t>
-            </a:r>
-            <a:r>
-              <a:rPr lang="en-US" b="0" i="0" dirty="0">
-                <a:solidFill>
-                  <a:srgbClr val="374151"/>
-                </a:solidFill>
-                <a:effectLst/>
-                <a:highlight>
-                  <a:srgbClr val="FFFFFF"/>
-                </a:highlight>
-                <a:latin typeface="Droid Serif"/>
-              </a:rPr>
-              <a:t>, </a:t>
-            </a:r>
-            <a:r>
-              <a:rPr lang="en-US" dirty="0"/>
-              <a:t>signed</a:t>
-            </a:r>
-            <a:r>
-              <a:rPr lang="en-US" b="0" i="0" dirty="0">
-                <a:solidFill>
-                  <a:srgbClr val="374151"/>
-                </a:solidFill>
-                <a:effectLst/>
-                <a:highlight>
-                  <a:srgbClr val="FFFFFF"/>
-                </a:highlight>
-                <a:latin typeface="Droid Serif"/>
-              </a:rPr>
-              <a:t>, </a:t>
-            </a:r>
-            <a:r>
-              <a:rPr lang="en-US" dirty="0"/>
-              <a:t>unsigned</a:t>
-            </a:r>
-            <a:r>
-              <a:rPr lang="en-US" b="0" i="0" dirty="0">
-                <a:solidFill>
-                  <a:srgbClr val="374151"/>
-                </a:solidFill>
-                <a:effectLst/>
-                <a:highlight>
-                  <a:srgbClr val="FFFFFF"/>
-                </a:highlight>
-                <a:latin typeface="Droid Serif"/>
-              </a:rPr>
-              <a:t> or </a:t>
-            </a:r>
-            <a:r>
-              <a:rPr lang="en-US" dirty="0"/>
-              <a:t>float</a:t>
-            </a:r>
-            <a:r>
-              <a:rPr lang="en-US" b="0" i="0" dirty="0">
-                <a:solidFill>
-                  <a:srgbClr val="374151"/>
-                </a:solidFill>
-                <a:effectLst/>
-                <a:highlight>
-                  <a:srgbClr val="FFFFFF"/>
-                </a:highlight>
-                <a:latin typeface="Droid Serif"/>
-              </a:rPr>
-              <a:t>. By default, it is </a:t>
-            </a:r>
-            <a:r>
-              <a:rPr lang="en-US" dirty="0"/>
-              <a:t>None</a:t>
-            </a:r>
-            <a:r>
-              <a:rPr lang="en-US" b="0" i="0" dirty="0">
-                <a:solidFill>
-                  <a:srgbClr val="374151"/>
-                </a:solidFill>
-                <a:effectLst/>
-                <a:highlight>
-                  <a:srgbClr val="FFFFFF"/>
-                </a:highlight>
-                <a:latin typeface="Droid Serif"/>
-              </a:rPr>
-              <a:t>. If it is not </a:t>
-            </a:r>
-            <a:r>
-              <a:rPr lang="en-US" dirty="0"/>
-              <a:t>None</a:t>
-            </a:r>
-            <a:r>
-              <a:rPr lang="en-US" b="0" i="0" dirty="0">
-                <a:solidFill>
-                  <a:srgbClr val="374151"/>
-                </a:solidFill>
-                <a:effectLst/>
-                <a:highlight>
-                  <a:srgbClr val="FFFFFF"/>
-                </a:highlight>
-                <a:latin typeface="Droid Serif"/>
-              </a:rPr>
-              <a:t>, pandas will downcast the data to the smallest data type possible.</a:t>
-            </a:r>
-          </a:p>
-          <a:p>
-            <a:r>
-              <a:rPr lang="en-US" dirty="0"/>
-              <a:t>https://www.educative.io/answers/what-is-the-tonumeric-function-in-pandas</a:t>
+              <a:t>We wanted to keep the index as it was useful as a primary key, but we needed a column header.  Index.name allowed us to add that.</a:t>
             </a:r>
           </a:p>
         </p:txBody>
@@ -1025,7 +751,7 @@
     </p:spTree>
     <p:extLst>
       <p:ext uri="{BB962C8B-B14F-4D97-AF65-F5344CB8AC3E}">
-        <p14:creationId xmlns:p14="http://schemas.microsoft.com/office/powerpoint/2010/main" val="1612307411"/>
+        <p14:creationId xmlns:p14="http://schemas.microsoft.com/office/powerpoint/2010/main" val="3731497154"/>
       </p:ext>
     </p:extLst>
   </p:cSld>
@@ -1080,22 +806,296 @@
           <a:lstStyle/>
           <a:p>
             <a:r>
+              <a:rPr lang="en-US" b="0" i="0" dirty="0">
+                <a:solidFill>
+                  <a:srgbClr val="374151"/>
+                </a:solidFill>
+                <a:effectLst/>
+                <a:highlight>
+                  <a:srgbClr val="FFFFFF"/>
+                </a:highlight>
+                <a:latin typeface="Droid Serif"/>
+              </a:rPr>
+              <a:t>Used .</a:t>
+            </a:r>
+            <a:r>
+              <a:rPr lang="en-US" b="0" i="0" dirty="0" err="1">
+                <a:solidFill>
+                  <a:srgbClr val="374151"/>
+                </a:solidFill>
+                <a:effectLst/>
+                <a:highlight>
+                  <a:srgbClr val="FFFFFF"/>
+                </a:highlight>
+                <a:latin typeface="Droid Serif"/>
+              </a:rPr>
+              <a:t>fillna</a:t>
+            </a:r>
+            <a:r>
+              <a:rPr lang="en-US" b="0" i="0" dirty="0">
+                <a:solidFill>
+                  <a:srgbClr val="374151"/>
+                </a:solidFill>
+                <a:effectLst/>
+                <a:highlight>
+                  <a:srgbClr val="FFFFFF"/>
+                </a:highlight>
+                <a:latin typeface="Droid Serif"/>
+              </a:rPr>
+              <a:t>(0) to put zeros in all the empty spaces in the columns that we were changing to the integer data type</a:t>
+            </a:r>
+          </a:p>
+          <a:p>
+            <a:endParaRPr lang="en-US" b="0" i="0" dirty="0">
+              <a:solidFill>
+                <a:srgbClr val="374151"/>
+              </a:solidFill>
+              <a:effectLst/>
+              <a:highlight>
+                <a:srgbClr val="FFFFFF"/>
+              </a:highlight>
+              <a:latin typeface="Droid Serif"/>
+            </a:endParaRPr>
+          </a:p>
+          <a:p>
+            <a:r>
+              <a:rPr lang="en-US" b="0" i="0" dirty="0">
+                <a:solidFill>
+                  <a:srgbClr val="374151"/>
+                </a:solidFill>
+                <a:effectLst/>
+                <a:highlight>
+                  <a:srgbClr val="FFFFFF"/>
+                </a:highlight>
+                <a:latin typeface="Droid Serif"/>
+              </a:rPr>
+              <a:t>The </a:t>
+            </a:r>
+            <a:r>
+              <a:rPr lang="en-US" b="1" i="0" dirty="0" err="1">
+                <a:solidFill>
+                  <a:srgbClr val="374151"/>
+                </a:solidFill>
+                <a:effectLst/>
+                <a:highlight>
+                  <a:srgbClr val="FFFFFF"/>
+                </a:highlight>
+                <a:latin typeface="Droid Serif"/>
+              </a:rPr>
+              <a:t>to_numeric</a:t>
+            </a:r>
+            <a:r>
+              <a:rPr lang="en-US" b="1" i="0" dirty="0">
+                <a:solidFill>
+                  <a:srgbClr val="374151"/>
+                </a:solidFill>
+                <a:effectLst/>
+                <a:highlight>
+                  <a:srgbClr val="FFFFFF"/>
+                </a:highlight>
+                <a:latin typeface="Droid Serif"/>
+              </a:rPr>
+              <a:t> function</a:t>
+            </a:r>
+            <a:r>
+              <a:rPr lang="en-US" b="0" i="0" dirty="0">
+                <a:solidFill>
+                  <a:srgbClr val="374151"/>
+                </a:solidFill>
+                <a:effectLst/>
+                <a:highlight>
+                  <a:srgbClr val="FFFFFF"/>
+                </a:highlight>
+                <a:latin typeface="Droid Serif"/>
+              </a:rPr>
+              <a:t> in pandas is used to convert the given argument to a numeric type. The argument is converted to </a:t>
+            </a:r>
+            <a:r>
               <a:rPr lang="en-US" dirty="0"/>
-              <a:t>I used .head() to look at the </a:t>
-            </a:r>
-            <a:r>
-              <a:rPr lang="en-US" dirty="0" err="1"/>
-              <a:t>dataframes</a:t>
+              <a:t>float64</a:t>
+            </a:r>
+            <a:r>
+              <a:rPr lang="en-US" b="0" i="0" dirty="0">
+                <a:solidFill>
+                  <a:srgbClr val="374151"/>
+                </a:solidFill>
+                <a:effectLst/>
+                <a:highlight>
+                  <a:srgbClr val="FFFFFF"/>
+                </a:highlight>
+                <a:latin typeface="Droid Serif"/>
+              </a:rPr>
+              <a:t> or </a:t>
             </a:r>
             <a:r>
               <a:rPr lang="en-US" dirty="0"/>
-              <a:t>, but when we went to load it into the database we were running into errors, turns out there are airports outside of the US and not every one was a 2 digit state.  Updated to column title to location for accuracy.</a:t>
-            </a:r>
-          </a:p>
-          <a:p>
+              <a:t>int64</a:t>
+            </a:r>
+            <a:r>
+              <a:rPr lang="en-US" b="0" i="0" dirty="0">
+                <a:solidFill>
+                  <a:srgbClr val="374151"/>
+                </a:solidFill>
+                <a:effectLst/>
+                <a:highlight>
+                  <a:srgbClr val="FFFFFF"/>
+                </a:highlight>
+                <a:latin typeface="Droid Serif"/>
+              </a:rPr>
+              <a:t> by default, based on what is provided in the arguments. We can use the </a:t>
+            </a:r>
             <a:r>
               <a:rPr lang="en-US" dirty="0"/>
-              <a:t>Lesson learned = look at all your data and don’t assume.</a:t>
+              <a:t>downcast</a:t>
+            </a:r>
+            <a:r>
+              <a:rPr lang="en-US" b="0" i="0" dirty="0">
+                <a:solidFill>
+                  <a:srgbClr val="374151"/>
+                </a:solidFill>
+                <a:effectLst/>
+                <a:highlight>
+                  <a:srgbClr val="FFFFFF"/>
+                </a:highlight>
+                <a:latin typeface="Droid Serif"/>
+              </a:rPr>
+              <a:t> parameter if we want to convert data to a particular type.</a:t>
+            </a:r>
+          </a:p>
+          <a:p>
+            <a:r>
+              <a:rPr lang="en-US" b="0" i="0" dirty="0">
+                <a:solidFill>
+                  <a:srgbClr val="C7254E"/>
+                </a:solidFill>
+                <a:effectLst/>
+                <a:highlight>
+                  <a:srgbClr val="F9F2F4"/>
+                </a:highlight>
+                <a:latin typeface="Menlo"/>
+              </a:rPr>
+              <a:t>Downcast</a:t>
+            </a:r>
+            <a:r>
+              <a:rPr lang="en-US" b="0" i="0" dirty="0">
+                <a:solidFill>
+                  <a:srgbClr val="374151"/>
+                </a:solidFill>
+                <a:effectLst/>
+                <a:highlight>
+                  <a:srgbClr val="FFFFFF"/>
+                </a:highlight>
+                <a:latin typeface="Droid Serif"/>
+              </a:rPr>
+              <a:t> - Specifies conversion to a particular datatype. Can be </a:t>
+            </a:r>
+            <a:r>
+              <a:rPr lang="en-US" dirty="0"/>
+              <a:t>int</a:t>
+            </a:r>
+            <a:r>
+              <a:rPr lang="en-US" b="0" i="0" dirty="0">
+                <a:solidFill>
+                  <a:srgbClr val="374151"/>
+                </a:solidFill>
+                <a:effectLst/>
+                <a:highlight>
+                  <a:srgbClr val="FFFFFF"/>
+                </a:highlight>
+                <a:latin typeface="Droid Serif"/>
+              </a:rPr>
+              <a:t>, </a:t>
+            </a:r>
+            <a:r>
+              <a:rPr lang="en-US" dirty="0"/>
+              <a:t>signed</a:t>
+            </a:r>
+            <a:r>
+              <a:rPr lang="en-US" b="0" i="0" dirty="0">
+                <a:solidFill>
+                  <a:srgbClr val="374151"/>
+                </a:solidFill>
+                <a:effectLst/>
+                <a:highlight>
+                  <a:srgbClr val="FFFFFF"/>
+                </a:highlight>
+                <a:latin typeface="Droid Serif"/>
+              </a:rPr>
+              <a:t>, </a:t>
+            </a:r>
+            <a:r>
+              <a:rPr lang="en-US" dirty="0"/>
+              <a:t>unsigned</a:t>
+            </a:r>
+            <a:r>
+              <a:rPr lang="en-US" b="0" i="0" dirty="0">
+                <a:solidFill>
+                  <a:srgbClr val="374151"/>
+                </a:solidFill>
+                <a:effectLst/>
+                <a:highlight>
+                  <a:srgbClr val="FFFFFF"/>
+                </a:highlight>
+                <a:latin typeface="Droid Serif"/>
+              </a:rPr>
+              <a:t> or </a:t>
+            </a:r>
+            <a:r>
+              <a:rPr lang="en-US" dirty="0"/>
+              <a:t>float</a:t>
+            </a:r>
+            <a:r>
+              <a:rPr lang="en-US" b="0" i="0" dirty="0">
+                <a:solidFill>
+                  <a:srgbClr val="374151"/>
+                </a:solidFill>
+                <a:effectLst/>
+                <a:highlight>
+                  <a:srgbClr val="FFFFFF"/>
+                </a:highlight>
+                <a:latin typeface="Droid Serif"/>
+              </a:rPr>
+              <a:t>. By default, it is </a:t>
+            </a:r>
+            <a:r>
+              <a:rPr lang="en-US" dirty="0"/>
+              <a:t>None</a:t>
+            </a:r>
+            <a:r>
+              <a:rPr lang="en-US" b="0" i="0" dirty="0">
+                <a:solidFill>
+                  <a:srgbClr val="374151"/>
+                </a:solidFill>
+                <a:effectLst/>
+                <a:highlight>
+                  <a:srgbClr val="FFFFFF"/>
+                </a:highlight>
+                <a:latin typeface="Droid Serif"/>
+              </a:rPr>
+              <a:t>. If it is not </a:t>
+            </a:r>
+            <a:r>
+              <a:rPr lang="en-US" dirty="0"/>
+              <a:t>None</a:t>
+            </a:r>
+            <a:r>
+              <a:rPr lang="en-US" b="0" i="0" dirty="0">
+                <a:solidFill>
+                  <a:srgbClr val="374151"/>
+                </a:solidFill>
+                <a:effectLst/>
+                <a:highlight>
+                  <a:srgbClr val="FFFFFF"/>
+                </a:highlight>
+                <a:latin typeface="Droid Serif"/>
+              </a:rPr>
+              <a:t>, pandas will downcast the data to the smallest data type possible.</a:t>
+            </a:r>
+          </a:p>
+          <a:p>
+            <a:r>
+              <a:rPr lang="en-US" dirty="0"/>
+              <a:t>https://www.educative.io/answers/what-is-the-tonumeric-function-in-pandas</a:t>
             </a:r>
           </a:p>
         </p:txBody>
@@ -1126,7 +1126,7 @@
     </p:spTree>
     <p:extLst>
       <p:ext uri="{BB962C8B-B14F-4D97-AF65-F5344CB8AC3E}">
-        <p14:creationId xmlns:p14="http://schemas.microsoft.com/office/powerpoint/2010/main" val="830788613"/>
+        <p14:creationId xmlns:p14="http://schemas.microsoft.com/office/powerpoint/2010/main" val="1612307411"/>
       </p:ext>
     </p:extLst>
   </p:cSld>
@@ -1555,7 +1555,7 @@
           <a:p>
             <a:fld id="{5FC588E6-FAC8-4CB8-904E-4C86C516A14A}" type="datetimeFigureOut">
               <a:rPr lang="en-US" smtClean="0"/>
-              <a:t>4/16/24</a:t>
+              <a:t>4/17/2024</a:t>
             </a:fld>
             <a:endParaRPr lang="en-US"/>
           </a:p>
@@ -1763,7 +1763,7 @@
           <a:p>
             <a:fld id="{5FC588E6-FAC8-4CB8-904E-4C86C516A14A}" type="datetimeFigureOut">
               <a:rPr lang="en-US" smtClean="0"/>
-              <a:t>4/16/24</a:t>
+              <a:t>4/17/2024</a:t>
             </a:fld>
             <a:endParaRPr lang="en-US"/>
           </a:p>
@@ -2019,7 +2019,7 @@
           <a:p>
             <a:fld id="{5FC588E6-FAC8-4CB8-904E-4C86C516A14A}" type="datetimeFigureOut">
               <a:rPr lang="en-US" smtClean="0"/>
-              <a:t>4/16/24</a:t>
+              <a:t>4/17/2024</a:t>
             </a:fld>
             <a:endParaRPr lang="en-US"/>
           </a:p>
@@ -2193,7 +2193,7 @@
           <a:p>
             <a:fld id="{5FC588E6-FAC8-4CB8-904E-4C86C516A14A}" type="datetimeFigureOut">
               <a:rPr lang="en-US" smtClean="0"/>
-              <a:t>4/16/24</a:t>
+              <a:t>4/17/2024</a:t>
             </a:fld>
             <a:endParaRPr lang="en-US"/>
           </a:p>
@@ -2536,7 +2536,7 @@
           <a:p>
             <a:fld id="{5FC588E6-FAC8-4CB8-904E-4C86C516A14A}" type="datetimeFigureOut">
               <a:rPr lang="en-US" smtClean="0"/>
-              <a:t>4/16/24</a:t>
+              <a:t>4/17/2024</a:t>
             </a:fld>
             <a:endParaRPr lang="en-US"/>
           </a:p>
@@ -2811,7 +2811,7 @@
           <a:p>
             <a:fld id="{5FC588E6-FAC8-4CB8-904E-4C86C516A14A}" type="datetimeFigureOut">
               <a:rPr lang="en-US" smtClean="0"/>
-              <a:t>4/16/24</a:t>
+              <a:t>4/17/2024</a:t>
             </a:fld>
             <a:endParaRPr lang="en-US"/>
           </a:p>
@@ -3190,7 +3190,7 @@
           <a:p>
             <a:fld id="{5FC588E6-FAC8-4CB8-904E-4C86C516A14A}" type="datetimeFigureOut">
               <a:rPr lang="en-US" smtClean="0"/>
-              <a:t>4/16/24</a:t>
+              <a:t>4/17/2024</a:t>
             </a:fld>
             <a:endParaRPr lang="en-US"/>
           </a:p>
@@ -3308,7 +3308,7 @@
           <a:p>
             <a:fld id="{5FC588E6-FAC8-4CB8-904E-4C86C516A14A}" type="datetimeFigureOut">
               <a:rPr lang="en-US" smtClean="0"/>
-              <a:t>4/16/24</a:t>
+              <a:t>4/17/2024</a:t>
             </a:fld>
             <a:endParaRPr lang="en-US"/>
           </a:p>
@@ -3479,7 +3479,7 @@
           <a:p>
             <a:fld id="{5FC588E6-FAC8-4CB8-904E-4C86C516A14A}" type="datetimeFigureOut">
               <a:rPr lang="en-US" smtClean="0"/>
-              <a:t>4/16/24</a:t>
+              <a:t>4/17/2024</a:t>
             </a:fld>
             <a:endParaRPr lang="en-US"/>
           </a:p>
@@ -3833,7 +3833,7 @@
           <a:p>
             <a:fld id="{5FC588E6-FAC8-4CB8-904E-4C86C516A14A}" type="datetimeFigureOut">
               <a:rPr lang="en-US" smtClean="0"/>
-              <a:t>4/16/24</a:t>
+              <a:t>4/17/2024</a:t>
             </a:fld>
             <a:endParaRPr lang="en-US"/>
           </a:p>
@@ -4215,7 +4215,7 @@
           <a:p>
             <a:fld id="{5FC588E6-FAC8-4CB8-904E-4C86C516A14A}" type="datetimeFigureOut">
               <a:rPr lang="en-US" smtClean="0"/>
-              <a:t>4/16/24</a:t>
+              <a:t>4/17/2024</a:t>
             </a:fld>
             <a:endParaRPr lang="en-US"/>
           </a:p>
@@ -4502,7 +4502,7 @@
           <a:p>
             <a:fld id="{5FC588E6-FAC8-4CB8-904E-4C86C516A14A}" type="datetimeFigureOut">
               <a:rPr lang="en-US" smtClean="0"/>
-              <a:t>4/16/24</a:t>
+              <a:t>4/17/2024</a:t>
             </a:fld>
             <a:endParaRPr lang="en-US"/>
           </a:p>
@@ -5871,6 +5871,151 @@
           <p:cNvPr id="2" name="Title 1">
             <a:extLst>
               <a:ext uri="{FF2B5EF4-FFF2-40B4-BE49-F238E27FC236}">
+                <a16:creationId xmlns:a16="http://schemas.microsoft.com/office/drawing/2014/main" id="{016F59BD-C8A4-EC9F-85D4-AE9CE4C6AF48}"/>
+              </a:ext>
+            </a:extLst>
+          </p:cNvPr>
+          <p:cNvSpPr>
+            <a:spLocks noGrp="1"/>
+          </p:cNvSpPr>
+          <p:nvPr>
+            <p:ph type="title"/>
+          </p:nvPr>
+        </p:nvSpPr>
+        <p:spPr/>
+        <p:txBody>
+          <a:bodyPr/>
+          <a:lstStyle/>
+          <a:p>
+            <a:r>
+              <a:rPr lang="en-US" dirty="0"/>
+              <a:t>Data Cleaning: Understand your Data</a:t>
+            </a:r>
+          </a:p>
+        </p:txBody>
+      </p:sp>
+      <p:sp>
+        <p:nvSpPr>
+          <p:cNvPr id="10" name="Content Placeholder 9">
+            <a:extLst>
+              <a:ext uri="{FF2B5EF4-FFF2-40B4-BE49-F238E27FC236}">
+                <a16:creationId xmlns:a16="http://schemas.microsoft.com/office/drawing/2014/main" id="{0855E508-F98E-75C6-2F93-FC1223632467}"/>
+              </a:ext>
+            </a:extLst>
+          </p:cNvPr>
+          <p:cNvSpPr>
+            <a:spLocks noGrp="1"/>
+          </p:cNvSpPr>
+          <p:nvPr>
+            <p:ph sz="half" idx="2"/>
+          </p:nvPr>
+        </p:nvSpPr>
+        <p:spPr/>
+        <p:txBody>
+          <a:bodyPr/>
+          <a:lstStyle/>
+          <a:p>
+            <a:pPr marL="0" indent="0">
+              <a:buNone/>
+            </a:pPr>
+            <a:endParaRPr lang="en-US" dirty="0"/>
+          </a:p>
+        </p:txBody>
+      </p:sp>
+      <p:pic>
+        <p:nvPicPr>
+          <p:cNvPr id="12" name="Picture 11">
+            <a:extLst>
+              <a:ext uri="{FF2B5EF4-FFF2-40B4-BE49-F238E27FC236}">
+                <a16:creationId xmlns:a16="http://schemas.microsoft.com/office/drawing/2014/main" id="{BCB64EB5-EC51-4CF1-B408-D2479AF65C05}"/>
+              </a:ext>
+            </a:extLst>
+          </p:cNvPr>
+          <p:cNvPicPr>
+            <a:picLocks noChangeAspect="1"/>
+          </p:cNvPicPr>
+          <p:nvPr/>
+        </p:nvPicPr>
+        <p:blipFill>
+          <a:blip r:embed="rId3"/>
+          <a:stretch>
+            <a:fillRect/>
+          </a:stretch>
+        </p:blipFill>
+        <p:spPr>
+          <a:xfrm>
+            <a:off x="6462789" y="2531415"/>
+            <a:ext cx="4692891" cy="2521080"/>
+          </a:xfrm>
+          <a:prstGeom prst="rect">
+            <a:avLst/>
+          </a:prstGeom>
+        </p:spPr>
+      </p:pic>
+      <p:pic>
+        <p:nvPicPr>
+          <p:cNvPr id="20" name="Content Placeholder 19">
+            <a:extLst>
+              <a:ext uri="{FF2B5EF4-FFF2-40B4-BE49-F238E27FC236}">
+                <a16:creationId xmlns:a16="http://schemas.microsoft.com/office/drawing/2014/main" id="{5EE78047-18AA-42EE-2C9A-F6AE8DD0CDE5}"/>
+              </a:ext>
+            </a:extLst>
+          </p:cNvPr>
+          <p:cNvPicPr>
+            <a:picLocks noGrp="1" noChangeAspect="1"/>
+          </p:cNvPicPr>
+          <p:nvPr>
+            <p:ph sz="half" idx="1"/>
+          </p:nvPr>
+        </p:nvPicPr>
+        <p:blipFill>
+          <a:blip r:embed="rId4"/>
+          <a:stretch>
+            <a:fillRect/>
+          </a:stretch>
+        </p:blipFill>
+        <p:spPr>
+          <a:xfrm>
+            <a:off x="1127793" y="2609786"/>
+            <a:ext cx="4877051" cy="2495678"/>
+          </a:xfrm>
+        </p:spPr>
+      </p:pic>
+    </p:spTree>
+    <p:extLst>
+      <p:ext uri="{BB962C8B-B14F-4D97-AF65-F5344CB8AC3E}">
+        <p14:creationId xmlns:p14="http://schemas.microsoft.com/office/powerpoint/2010/main" val="810770557"/>
+      </p:ext>
+    </p:extLst>
+  </p:cSld>
+  <p:clrMapOvr>
+    <a:masterClrMapping/>
+  </p:clrMapOvr>
+</p:sld>
+</file>
+
+<file path=ppt/slides/slide6.xml><?xml version="1.0" encoding="utf-8"?>
+<p:sld xmlns:a="http://schemas.openxmlformats.org/drawingml/2006/main" xmlns:r="http://schemas.openxmlformats.org/officeDocument/2006/relationships" xmlns:p="http://schemas.openxmlformats.org/presentationml/2006/main">
+  <p:cSld>
+    <p:spTree>
+      <p:nvGrpSpPr>
+        <p:cNvPr id="1" name=""/>
+        <p:cNvGrpSpPr/>
+        <p:nvPr/>
+      </p:nvGrpSpPr>
+      <p:grpSpPr>
+        <a:xfrm>
+          <a:off x="0" y="0"/>
+          <a:ext cx="0" cy="0"/>
+          <a:chOff x="0" y="0"/>
+          <a:chExt cx="0" cy="0"/>
+        </a:xfrm>
+      </p:grpSpPr>
+      <p:sp>
+        <p:nvSpPr>
+          <p:cNvPr id="2" name="Title 1">
+            <a:extLst>
+              <a:ext uri="{FF2B5EF4-FFF2-40B4-BE49-F238E27FC236}">
                 <a16:creationId xmlns:a16="http://schemas.microsoft.com/office/drawing/2014/main" id="{D5C64DBD-7CC8-8DEB-D396-B7727E84647B}"/>
               </a:ext>
             </a:extLst>
@@ -6003,7 +6148,7 @@
 </p:sld>
 </file>
 
-<file path=ppt/slides/slide6.xml><?xml version="1.0" encoding="utf-8"?>
+<file path=ppt/slides/slide7.xml><?xml version="1.0" encoding="utf-8"?>
 <p:sld xmlns:a="http://schemas.openxmlformats.org/drawingml/2006/main" xmlns:r="http://schemas.openxmlformats.org/officeDocument/2006/relationships" xmlns:p="http://schemas.openxmlformats.org/presentationml/2006/main">
   <p:cSld>
     <p:spTree>
@@ -6118,151 +6263,6 @@
     <p:extLst>
       <p:ext uri="{BB962C8B-B14F-4D97-AF65-F5344CB8AC3E}">
         <p14:creationId xmlns:p14="http://schemas.microsoft.com/office/powerpoint/2010/main" val="431162547"/>
-      </p:ext>
-    </p:extLst>
-  </p:cSld>
-  <p:clrMapOvr>
-    <a:masterClrMapping/>
-  </p:clrMapOvr>
-</p:sld>
-</file>
-
-<file path=ppt/slides/slide7.xml><?xml version="1.0" encoding="utf-8"?>
-<p:sld xmlns:a="http://schemas.openxmlformats.org/drawingml/2006/main" xmlns:r="http://schemas.openxmlformats.org/officeDocument/2006/relationships" xmlns:p="http://schemas.openxmlformats.org/presentationml/2006/main">
-  <p:cSld>
-    <p:spTree>
-      <p:nvGrpSpPr>
-        <p:cNvPr id="1" name=""/>
-        <p:cNvGrpSpPr/>
-        <p:nvPr/>
-      </p:nvGrpSpPr>
-      <p:grpSpPr>
-        <a:xfrm>
-          <a:off x="0" y="0"/>
-          <a:ext cx="0" cy="0"/>
-          <a:chOff x="0" y="0"/>
-          <a:chExt cx="0" cy="0"/>
-        </a:xfrm>
-      </p:grpSpPr>
-      <p:sp>
-        <p:nvSpPr>
-          <p:cNvPr id="2" name="Title 1">
-            <a:extLst>
-              <a:ext uri="{FF2B5EF4-FFF2-40B4-BE49-F238E27FC236}">
-                <a16:creationId xmlns:a16="http://schemas.microsoft.com/office/drawing/2014/main" id="{016F59BD-C8A4-EC9F-85D4-AE9CE4C6AF48}"/>
-              </a:ext>
-            </a:extLst>
-          </p:cNvPr>
-          <p:cNvSpPr>
-            <a:spLocks noGrp="1"/>
-          </p:cNvSpPr>
-          <p:nvPr>
-            <p:ph type="title"/>
-          </p:nvPr>
-        </p:nvSpPr>
-        <p:spPr/>
-        <p:txBody>
-          <a:bodyPr/>
-          <a:lstStyle/>
-          <a:p>
-            <a:r>
-              <a:rPr lang="en-US" dirty="0"/>
-              <a:t>Data Cleaning: Understand your Data</a:t>
-            </a:r>
-          </a:p>
-        </p:txBody>
-      </p:sp>
-      <p:sp>
-        <p:nvSpPr>
-          <p:cNvPr id="10" name="Content Placeholder 9">
-            <a:extLst>
-              <a:ext uri="{FF2B5EF4-FFF2-40B4-BE49-F238E27FC236}">
-                <a16:creationId xmlns:a16="http://schemas.microsoft.com/office/drawing/2014/main" id="{0855E508-F98E-75C6-2F93-FC1223632467}"/>
-              </a:ext>
-            </a:extLst>
-          </p:cNvPr>
-          <p:cNvSpPr>
-            <a:spLocks noGrp="1"/>
-          </p:cNvSpPr>
-          <p:nvPr>
-            <p:ph sz="half" idx="2"/>
-          </p:nvPr>
-        </p:nvSpPr>
-        <p:spPr/>
-        <p:txBody>
-          <a:bodyPr/>
-          <a:lstStyle/>
-          <a:p>
-            <a:pPr marL="0" indent="0">
-              <a:buNone/>
-            </a:pPr>
-            <a:endParaRPr lang="en-US" dirty="0"/>
-          </a:p>
-        </p:txBody>
-      </p:sp>
-      <p:pic>
-        <p:nvPicPr>
-          <p:cNvPr id="12" name="Picture 11">
-            <a:extLst>
-              <a:ext uri="{FF2B5EF4-FFF2-40B4-BE49-F238E27FC236}">
-                <a16:creationId xmlns:a16="http://schemas.microsoft.com/office/drawing/2014/main" id="{BCB64EB5-EC51-4CF1-B408-D2479AF65C05}"/>
-              </a:ext>
-            </a:extLst>
-          </p:cNvPr>
-          <p:cNvPicPr>
-            <a:picLocks noChangeAspect="1"/>
-          </p:cNvPicPr>
-          <p:nvPr/>
-        </p:nvPicPr>
-        <p:blipFill>
-          <a:blip r:embed="rId3"/>
-          <a:stretch>
-            <a:fillRect/>
-          </a:stretch>
-        </p:blipFill>
-        <p:spPr>
-          <a:xfrm>
-            <a:off x="6462789" y="2531415"/>
-            <a:ext cx="4692891" cy="2521080"/>
-          </a:xfrm>
-          <a:prstGeom prst="rect">
-            <a:avLst/>
-          </a:prstGeom>
-        </p:spPr>
-      </p:pic>
-      <p:pic>
-        <p:nvPicPr>
-          <p:cNvPr id="20" name="Content Placeholder 19">
-            <a:extLst>
-              <a:ext uri="{FF2B5EF4-FFF2-40B4-BE49-F238E27FC236}">
-                <a16:creationId xmlns:a16="http://schemas.microsoft.com/office/drawing/2014/main" id="{5EE78047-18AA-42EE-2C9A-F6AE8DD0CDE5}"/>
-              </a:ext>
-            </a:extLst>
-          </p:cNvPr>
-          <p:cNvPicPr>
-            <a:picLocks noGrp="1" noChangeAspect="1"/>
-          </p:cNvPicPr>
-          <p:nvPr>
-            <p:ph sz="half" idx="1"/>
-          </p:nvPr>
-        </p:nvPicPr>
-        <p:blipFill>
-          <a:blip r:embed="rId4"/>
-          <a:stretch>
-            <a:fillRect/>
-          </a:stretch>
-        </p:blipFill>
-        <p:spPr>
-          <a:xfrm>
-            <a:off x="1127793" y="2609786"/>
-            <a:ext cx="4877051" cy="2495678"/>
-          </a:xfrm>
-        </p:spPr>
-      </p:pic>
-    </p:spTree>
-    <p:extLst>
-      <p:ext uri="{BB962C8B-B14F-4D97-AF65-F5344CB8AC3E}">
-        <p14:creationId xmlns:p14="http://schemas.microsoft.com/office/powerpoint/2010/main" val="810770557"/>
       </p:ext>
     </p:extLst>
   </p:cSld>

--- a/Airline_OnTime_performance_Stats.pptx
+++ b/Airline_OnTime_performance_Stats.pptx
@@ -12,9 +12,9 @@
     <p:sldId id="257" r:id="rId3"/>
     <p:sldId id="262" r:id="rId4"/>
     <p:sldId id="258" r:id="rId5"/>
-    <p:sldId id="261" r:id="rId6"/>
-    <p:sldId id="259" r:id="rId7"/>
-    <p:sldId id="260" r:id="rId8"/>
+    <p:sldId id="259" r:id="rId6"/>
+    <p:sldId id="260" r:id="rId7"/>
+    <p:sldId id="261" r:id="rId8"/>
     <p:sldId id="263" r:id="rId9"/>
     <p:sldId id="264" r:id="rId10"/>
   </p:sldIdLst>
@@ -205,7 +205,7 @@
           <a:p>
             <a:fld id="{46609D4D-7D39-4F2B-9313-3332C0AD795B}" type="datetimeFigureOut">
               <a:rPr lang="en-US" smtClean="0"/>
-              <a:t>4/17/2024</a:t>
+              <a:t>4/17/24</a:t>
             </a:fld>
             <a:endParaRPr lang="en-US"/>
           </a:p>
@@ -605,21 +605,21 @@
           <a:p>
             <a:r>
               <a:rPr lang="en-US" dirty="0"/>
-              <a:t>I used .head() to look at the </a:t>
+              <a:t> </a:t>
             </a:r>
             <a:r>
               <a:rPr lang="en-US" dirty="0" err="1"/>
-              <a:t>dataframes</a:t>
+              <a:t>columns.str.lower</a:t>
             </a:r>
             <a:r>
               <a:rPr lang="en-US" dirty="0"/>
-              <a:t>, but when we went to load it into the database we were running into errors, turns out there are airports outside of the US and not every one was a 2 digit state.  Updated to column title to location for accuracy.</a:t>
+              <a:t> was a quick, easy way to change all the column headers to lower case rather than rename everything</a:t>
             </a:r>
           </a:p>
           <a:p>
             <a:r>
               <a:rPr lang="en-US" dirty="0"/>
-              <a:t>Lesson learned = look at all your data and don’t assume.</a:t>
+              <a:t>We wanted to keep the index as it was useful as a primary key, but we needed a column header.  Index.name allowed us to add that.</a:t>
             </a:r>
           </a:p>
         </p:txBody>
@@ -650,7 +650,7 @@
     </p:spTree>
     <p:extLst>
       <p:ext uri="{BB962C8B-B14F-4D97-AF65-F5344CB8AC3E}">
-        <p14:creationId xmlns:p14="http://schemas.microsoft.com/office/powerpoint/2010/main" val="830788613"/>
+        <p14:creationId xmlns:p14="http://schemas.microsoft.com/office/powerpoint/2010/main" val="3731497154"/>
       </p:ext>
     </p:extLst>
   </p:cSld>
@@ -705,22 +705,296 @@
           <a:lstStyle/>
           <a:p>
             <a:r>
+              <a:rPr lang="en-US" b="0" i="0" dirty="0">
+                <a:solidFill>
+                  <a:srgbClr val="374151"/>
+                </a:solidFill>
+                <a:effectLst/>
+                <a:highlight>
+                  <a:srgbClr val="FFFFFF"/>
+                </a:highlight>
+                <a:latin typeface="Droid Serif"/>
+              </a:rPr>
+              <a:t>Used .</a:t>
+            </a:r>
+            <a:r>
+              <a:rPr lang="en-US" b="0" i="0" dirty="0" err="1">
+                <a:solidFill>
+                  <a:srgbClr val="374151"/>
+                </a:solidFill>
+                <a:effectLst/>
+                <a:highlight>
+                  <a:srgbClr val="FFFFFF"/>
+                </a:highlight>
+                <a:latin typeface="Droid Serif"/>
+              </a:rPr>
+              <a:t>fillna</a:t>
+            </a:r>
+            <a:r>
+              <a:rPr lang="en-US" b="0" i="0" dirty="0">
+                <a:solidFill>
+                  <a:srgbClr val="374151"/>
+                </a:solidFill>
+                <a:effectLst/>
+                <a:highlight>
+                  <a:srgbClr val="FFFFFF"/>
+                </a:highlight>
+                <a:latin typeface="Droid Serif"/>
+              </a:rPr>
+              <a:t>(0) to put zeros in all the empty spaces in the columns that we were changing to the integer data type</a:t>
+            </a:r>
+          </a:p>
+          <a:p>
+            <a:endParaRPr lang="en-US" b="0" i="0" dirty="0">
+              <a:solidFill>
+                <a:srgbClr val="374151"/>
+              </a:solidFill>
+              <a:effectLst/>
+              <a:highlight>
+                <a:srgbClr val="FFFFFF"/>
+              </a:highlight>
+              <a:latin typeface="Droid Serif"/>
+            </a:endParaRPr>
+          </a:p>
+          <a:p>
+            <a:r>
+              <a:rPr lang="en-US" b="0" i="0" dirty="0">
+                <a:solidFill>
+                  <a:srgbClr val="374151"/>
+                </a:solidFill>
+                <a:effectLst/>
+                <a:highlight>
+                  <a:srgbClr val="FFFFFF"/>
+                </a:highlight>
+                <a:latin typeface="Droid Serif"/>
+              </a:rPr>
+              <a:t>The </a:t>
+            </a:r>
+            <a:r>
+              <a:rPr lang="en-US" b="1" i="0" dirty="0" err="1">
+                <a:solidFill>
+                  <a:srgbClr val="374151"/>
+                </a:solidFill>
+                <a:effectLst/>
+                <a:highlight>
+                  <a:srgbClr val="FFFFFF"/>
+                </a:highlight>
+                <a:latin typeface="Droid Serif"/>
+              </a:rPr>
+              <a:t>to_numeric</a:t>
+            </a:r>
+            <a:r>
+              <a:rPr lang="en-US" b="1" i="0" dirty="0">
+                <a:solidFill>
+                  <a:srgbClr val="374151"/>
+                </a:solidFill>
+                <a:effectLst/>
+                <a:highlight>
+                  <a:srgbClr val="FFFFFF"/>
+                </a:highlight>
+                <a:latin typeface="Droid Serif"/>
+              </a:rPr>
+              <a:t> function</a:t>
+            </a:r>
+            <a:r>
+              <a:rPr lang="en-US" b="0" i="0" dirty="0">
+                <a:solidFill>
+                  <a:srgbClr val="374151"/>
+                </a:solidFill>
+                <a:effectLst/>
+                <a:highlight>
+                  <a:srgbClr val="FFFFFF"/>
+                </a:highlight>
+                <a:latin typeface="Droid Serif"/>
+              </a:rPr>
+              <a:t> in pandas is used to convert the given argument to a numeric type. The argument is converted to </a:t>
+            </a:r>
+            <a:r>
               <a:rPr lang="en-US" dirty="0"/>
-              <a:t> </a:t>
-            </a:r>
-            <a:r>
-              <a:rPr lang="en-US" dirty="0" err="1"/>
-              <a:t>columns.str.lower</a:t>
+              <a:t>float64</a:t>
+            </a:r>
+            <a:r>
+              <a:rPr lang="en-US" b="0" i="0" dirty="0">
+                <a:solidFill>
+                  <a:srgbClr val="374151"/>
+                </a:solidFill>
+                <a:effectLst/>
+                <a:highlight>
+                  <a:srgbClr val="FFFFFF"/>
+                </a:highlight>
+                <a:latin typeface="Droid Serif"/>
+              </a:rPr>
+              <a:t> or </a:t>
             </a:r>
             <a:r>
               <a:rPr lang="en-US" dirty="0"/>
-              <a:t> was a quick, easy way to change all the column headers to lower case rather than rename everything</a:t>
-            </a:r>
-          </a:p>
-          <a:p>
+              <a:t>int64</a:t>
+            </a:r>
+            <a:r>
+              <a:rPr lang="en-US" b="0" i="0" dirty="0">
+                <a:solidFill>
+                  <a:srgbClr val="374151"/>
+                </a:solidFill>
+                <a:effectLst/>
+                <a:highlight>
+                  <a:srgbClr val="FFFFFF"/>
+                </a:highlight>
+                <a:latin typeface="Droid Serif"/>
+              </a:rPr>
+              <a:t> by default, based on what is provided in the arguments. We can use the </a:t>
+            </a:r>
             <a:r>
               <a:rPr lang="en-US" dirty="0"/>
-              <a:t>We wanted to keep the index as it was useful as a primary key, but we needed a column header.  Index.name allowed us to add that.</a:t>
+              <a:t>downcast</a:t>
+            </a:r>
+            <a:r>
+              <a:rPr lang="en-US" b="0" i="0" dirty="0">
+                <a:solidFill>
+                  <a:srgbClr val="374151"/>
+                </a:solidFill>
+                <a:effectLst/>
+                <a:highlight>
+                  <a:srgbClr val="FFFFFF"/>
+                </a:highlight>
+                <a:latin typeface="Droid Serif"/>
+              </a:rPr>
+              <a:t> parameter if we want to convert data to a particular type.</a:t>
+            </a:r>
+          </a:p>
+          <a:p>
+            <a:r>
+              <a:rPr lang="en-US" b="0" i="0" dirty="0">
+                <a:solidFill>
+                  <a:srgbClr val="C7254E"/>
+                </a:solidFill>
+                <a:effectLst/>
+                <a:highlight>
+                  <a:srgbClr val="F9F2F4"/>
+                </a:highlight>
+                <a:latin typeface="Menlo"/>
+              </a:rPr>
+              <a:t>Downcast</a:t>
+            </a:r>
+            <a:r>
+              <a:rPr lang="en-US" b="0" i="0" dirty="0">
+                <a:solidFill>
+                  <a:srgbClr val="374151"/>
+                </a:solidFill>
+                <a:effectLst/>
+                <a:highlight>
+                  <a:srgbClr val="FFFFFF"/>
+                </a:highlight>
+                <a:latin typeface="Droid Serif"/>
+              </a:rPr>
+              <a:t> - Specifies conversion to a particular datatype. Can be </a:t>
+            </a:r>
+            <a:r>
+              <a:rPr lang="en-US" dirty="0"/>
+              <a:t>int</a:t>
+            </a:r>
+            <a:r>
+              <a:rPr lang="en-US" b="0" i="0" dirty="0">
+                <a:solidFill>
+                  <a:srgbClr val="374151"/>
+                </a:solidFill>
+                <a:effectLst/>
+                <a:highlight>
+                  <a:srgbClr val="FFFFFF"/>
+                </a:highlight>
+                <a:latin typeface="Droid Serif"/>
+              </a:rPr>
+              <a:t>, </a:t>
+            </a:r>
+            <a:r>
+              <a:rPr lang="en-US" dirty="0"/>
+              <a:t>signed</a:t>
+            </a:r>
+            <a:r>
+              <a:rPr lang="en-US" b="0" i="0" dirty="0">
+                <a:solidFill>
+                  <a:srgbClr val="374151"/>
+                </a:solidFill>
+                <a:effectLst/>
+                <a:highlight>
+                  <a:srgbClr val="FFFFFF"/>
+                </a:highlight>
+                <a:latin typeface="Droid Serif"/>
+              </a:rPr>
+              <a:t>, </a:t>
+            </a:r>
+            <a:r>
+              <a:rPr lang="en-US" dirty="0"/>
+              <a:t>unsigned</a:t>
+            </a:r>
+            <a:r>
+              <a:rPr lang="en-US" b="0" i="0" dirty="0">
+                <a:solidFill>
+                  <a:srgbClr val="374151"/>
+                </a:solidFill>
+                <a:effectLst/>
+                <a:highlight>
+                  <a:srgbClr val="FFFFFF"/>
+                </a:highlight>
+                <a:latin typeface="Droid Serif"/>
+              </a:rPr>
+              <a:t> or </a:t>
+            </a:r>
+            <a:r>
+              <a:rPr lang="en-US" dirty="0"/>
+              <a:t>float</a:t>
+            </a:r>
+            <a:r>
+              <a:rPr lang="en-US" b="0" i="0" dirty="0">
+                <a:solidFill>
+                  <a:srgbClr val="374151"/>
+                </a:solidFill>
+                <a:effectLst/>
+                <a:highlight>
+                  <a:srgbClr val="FFFFFF"/>
+                </a:highlight>
+                <a:latin typeface="Droid Serif"/>
+              </a:rPr>
+              <a:t>. By default, it is </a:t>
+            </a:r>
+            <a:r>
+              <a:rPr lang="en-US" dirty="0"/>
+              <a:t>None</a:t>
+            </a:r>
+            <a:r>
+              <a:rPr lang="en-US" b="0" i="0" dirty="0">
+                <a:solidFill>
+                  <a:srgbClr val="374151"/>
+                </a:solidFill>
+                <a:effectLst/>
+                <a:highlight>
+                  <a:srgbClr val="FFFFFF"/>
+                </a:highlight>
+                <a:latin typeface="Droid Serif"/>
+              </a:rPr>
+              <a:t>. If it is not </a:t>
+            </a:r>
+            <a:r>
+              <a:rPr lang="en-US" dirty="0"/>
+              <a:t>None</a:t>
+            </a:r>
+            <a:r>
+              <a:rPr lang="en-US" b="0" i="0" dirty="0">
+                <a:solidFill>
+                  <a:srgbClr val="374151"/>
+                </a:solidFill>
+                <a:effectLst/>
+                <a:highlight>
+                  <a:srgbClr val="FFFFFF"/>
+                </a:highlight>
+                <a:latin typeface="Droid Serif"/>
+              </a:rPr>
+              <a:t>, pandas will downcast the data to the smallest data type possible.</a:t>
+            </a:r>
+          </a:p>
+          <a:p>
+            <a:r>
+              <a:rPr lang="en-US" dirty="0"/>
+              <a:t>https://www.educative.io/answers/what-is-the-tonumeric-function-in-pandas</a:t>
             </a:r>
           </a:p>
         </p:txBody>
@@ -751,7 +1025,7 @@
     </p:spTree>
     <p:extLst>
       <p:ext uri="{BB962C8B-B14F-4D97-AF65-F5344CB8AC3E}">
-        <p14:creationId xmlns:p14="http://schemas.microsoft.com/office/powerpoint/2010/main" val="3731497154"/>
+        <p14:creationId xmlns:p14="http://schemas.microsoft.com/office/powerpoint/2010/main" val="1612307411"/>
       </p:ext>
     </p:extLst>
   </p:cSld>
@@ -806,296 +1080,22 @@
           <a:lstStyle/>
           <a:p>
             <a:r>
-              <a:rPr lang="en-US" b="0" i="0" dirty="0">
-                <a:solidFill>
-                  <a:srgbClr val="374151"/>
-                </a:solidFill>
-                <a:effectLst/>
-                <a:highlight>
-                  <a:srgbClr val="FFFFFF"/>
-                </a:highlight>
-                <a:latin typeface="Droid Serif"/>
-              </a:rPr>
-              <a:t>Used .</a:t>
-            </a:r>
-            <a:r>
-              <a:rPr lang="en-US" b="0" i="0" dirty="0" err="1">
-                <a:solidFill>
-                  <a:srgbClr val="374151"/>
-                </a:solidFill>
-                <a:effectLst/>
-                <a:highlight>
-                  <a:srgbClr val="FFFFFF"/>
-                </a:highlight>
-                <a:latin typeface="Droid Serif"/>
-              </a:rPr>
-              <a:t>fillna</a:t>
-            </a:r>
-            <a:r>
-              <a:rPr lang="en-US" b="0" i="0" dirty="0">
-                <a:solidFill>
-                  <a:srgbClr val="374151"/>
-                </a:solidFill>
-                <a:effectLst/>
-                <a:highlight>
-                  <a:srgbClr val="FFFFFF"/>
-                </a:highlight>
-                <a:latin typeface="Droid Serif"/>
-              </a:rPr>
-              <a:t>(0) to put zeros in all the empty spaces in the columns that we were changing to the integer data type</a:t>
-            </a:r>
-          </a:p>
-          <a:p>
-            <a:endParaRPr lang="en-US" b="0" i="0" dirty="0">
-              <a:solidFill>
-                <a:srgbClr val="374151"/>
-              </a:solidFill>
-              <a:effectLst/>
-              <a:highlight>
-                <a:srgbClr val="FFFFFF"/>
-              </a:highlight>
-              <a:latin typeface="Droid Serif"/>
-            </a:endParaRPr>
-          </a:p>
-          <a:p>
-            <a:r>
-              <a:rPr lang="en-US" b="0" i="0" dirty="0">
-                <a:solidFill>
-                  <a:srgbClr val="374151"/>
-                </a:solidFill>
-                <a:effectLst/>
-                <a:highlight>
-                  <a:srgbClr val="FFFFFF"/>
-                </a:highlight>
-                <a:latin typeface="Droid Serif"/>
-              </a:rPr>
-              <a:t>The </a:t>
-            </a:r>
-            <a:r>
-              <a:rPr lang="en-US" b="1" i="0" dirty="0" err="1">
-                <a:solidFill>
-                  <a:srgbClr val="374151"/>
-                </a:solidFill>
-                <a:effectLst/>
-                <a:highlight>
-                  <a:srgbClr val="FFFFFF"/>
-                </a:highlight>
-                <a:latin typeface="Droid Serif"/>
-              </a:rPr>
-              <a:t>to_numeric</a:t>
-            </a:r>
-            <a:r>
-              <a:rPr lang="en-US" b="1" i="0" dirty="0">
-                <a:solidFill>
-                  <a:srgbClr val="374151"/>
-                </a:solidFill>
-                <a:effectLst/>
-                <a:highlight>
-                  <a:srgbClr val="FFFFFF"/>
-                </a:highlight>
-                <a:latin typeface="Droid Serif"/>
-              </a:rPr>
-              <a:t> function</a:t>
-            </a:r>
-            <a:r>
-              <a:rPr lang="en-US" b="0" i="0" dirty="0">
-                <a:solidFill>
-                  <a:srgbClr val="374151"/>
-                </a:solidFill>
-                <a:effectLst/>
-                <a:highlight>
-                  <a:srgbClr val="FFFFFF"/>
-                </a:highlight>
-                <a:latin typeface="Droid Serif"/>
-              </a:rPr>
-              <a:t> in pandas is used to convert the given argument to a numeric type. The argument is converted to </a:t>
-            </a:r>
-            <a:r>
               <a:rPr lang="en-US" dirty="0"/>
-              <a:t>float64</a:t>
-            </a:r>
-            <a:r>
-              <a:rPr lang="en-US" b="0" i="0" dirty="0">
-                <a:solidFill>
-                  <a:srgbClr val="374151"/>
-                </a:solidFill>
-                <a:effectLst/>
-                <a:highlight>
-                  <a:srgbClr val="FFFFFF"/>
-                </a:highlight>
-                <a:latin typeface="Droid Serif"/>
-              </a:rPr>
-              <a:t> or </a:t>
+              <a:t>I used .head() to look at the </a:t>
+            </a:r>
+            <a:r>
+              <a:rPr lang="en-US" dirty="0" err="1"/>
+              <a:t>dataframes</a:t>
             </a:r>
             <a:r>
               <a:rPr lang="en-US" dirty="0"/>
-              <a:t>int64</a:t>
-            </a:r>
-            <a:r>
-              <a:rPr lang="en-US" b="0" i="0" dirty="0">
-                <a:solidFill>
-                  <a:srgbClr val="374151"/>
-                </a:solidFill>
-                <a:effectLst/>
-                <a:highlight>
-                  <a:srgbClr val="FFFFFF"/>
-                </a:highlight>
-                <a:latin typeface="Droid Serif"/>
-              </a:rPr>
-              <a:t> by default, based on what is provided in the arguments. We can use the </a:t>
-            </a:r>
+              <a:t>, but when we went to load it into the database we were running into errors, turns out there are airports outside of the US and not every one was a 2 digit state.  Updated to column title to location for accuracy.</a:t>
+            </a:r>
+          </a:p>
+          <a:p>
             <a:r>
               <a:rPr lang="en-US" dirty="0"/>
-              <a:t>downcast</a:t>
-            </a:r>
-            <a:r>
-              <a:rPr lang="en-US" b="0" i="0" dirty="0">
-                <a:solidFill>
-                  <a:srgbClr val="374151"/>
-                </a:solidFill>
-                <a:effectLst/>
-                <a:highlight>
-                  <a:srgbClr val="FFFFFF"/>
-                </a:highlight>
-                <a:latin typeface="Droid Serif"/>
-              </a:rPr>
-              <a:t> parameter if we want to convert data to a particular type.</a:t>
-            </a:r>
-          </a:p>
-          <a:p>
-            <a:r>
-              <a:rPr lang="en-US" b="0" i="0" dirty="0">
-                <a:solidFill>
-                  <a:srgbClr val="C7254E"/>
-                </a:solidFill>
-                <a:effectLst/>
-                <a:highlight>
-                  <a:srgbClr val="F9F2F4"/>
-                </a:highlight>
-                <a:latin typeface="Menlo"/>
-              </a:rPr>
-              <a:t>Downcast</a:t>
-            </a:r>
-            <a:r>
-              <a:rPr lang="en-US" b="0" i="0" dirty="0">
-                <a:solidFill>
-                  <a:srgbClr val="374151"/>
-                </a:solidFill>
-                <a:effectLst/>
-                <a:highlight>
-                  <a:srgbClr val="FFFFFF"/>
-                </a:highlight>
-                <a:latin typeface="Droid Serif"/>
-              </a:rPr>
-              <a:t> - Specifies conversion to a particular datatype. Can be </a:t>
-            </a:r>
-            <a:r>
-              <a:rPr lang="en-US" dirty="0"/>
-              <a:t>int</a:t>
-            </a:r>
-            <a:r>
-              <a:rPr lang="en-US" b="0" i="0" dirty="0">
-                <a:solidFill>
-                  <a:srgbClr val="374151"/>
-                </a:solidFill>
-                <a:effectLst/>
-                <a:highlight>
-                  <a:srgbClr val="FFFFFF"/>
-                </a:highlight>
-                <a:latin typeface="Droid Serif"/>
-              </a:rPr>
-              <a:t>, </a:t>
-            </a:r>
-            <a:r>
-              <a:rPr lang="en-US" dirty="0"/>
-              <a:t>signed</a:t>
-            </a:r>
-            <a:r>
-              <a:rPr lang="en-US" b="0" i="0" dirty="0">
-                <a:solidFill>
-                  <a:srgbClr val="374151"/>
-                </a:solidFill>
-                <a:effectLst/>
-                <a:highlight>
-                  <a:srgbClr val="FFFFFF"/>
-                </a:highlight>
-                <a:latin typeface="Droid Serif"/>
-              </a:rPr>
-              <a:t>, </a:t>
-            </a:r>
-            <a:r>
-              <a:rPr lang="en-US" dirty="0"/>
-              <a:t>unsigned</a:t>
-            </a:r>
-            <a:r>
-              <a:rPr lang="en-US" b="0" i="0" dirty="0">
-                <a:solidFill>
-                  <a:srgbClr val="374151"/>
-                </a:solidFill>
-                <a:effectLst/>
-                <a:highlight>
-                  <a:srgbClr val="FFFFFF"/>
-                </a:highlight>
-                <a:latin typeface="Droid Serif"/>
-              </a:rPr>
-              <a:t> or </a:t>
-            </a:r>
-            <a:r>
-              <a:rPr lang="en-US" dirty="0"/>
-              <a:t>float</a:t>
-            </a:r>
-            <a:r>
-              <a:rPr lang="en-US" b="0" i="0" dirty="0">
-                <a:solidFill>
-                  <a:srgbClr val="374151"/>
-                </a:solidFill>
-                <a:effectLst/>
-                <a:highlight>
-                  <a:srgbClr val="FFFFFF"/>
-                </a:highlight>
-                <a:latin typeface="Droid Serif"/>
-              </a:rPr>
-              <a:t>. By default, it is </a:t>
-            </a:r>
-            <a:r>
-              <a:rPr lang="en-US" dirty="0"/>
-              <a:t>None</a:t>
-            </a:r>
-            <a:r>
-              <a:rPr lang="en-US" b="0" i="0" dirty="0">
-                <a:solidFill>
-                  <a:srgbClr val="374151"/>
-                </a:solidFill>
-                <a:effectLst/>
-                <a:highlight>
-                  <a:srgbClr val="FFFFFF"/>
-                </a:highlight>
-                <a:latin typeface="Droid Serif"/>
-              </a:rPr>
-              <a:t>. If it is not </a:t>
-            </a:r>
-            <a:r>
-              <a:rPr lang="en-US" dirty="0"/>
-              <a:t>None</a:t>
-            </a:r>
-            <a:r>
-              <a:rPr lang="en-US" b="0" i="0" dirty="0">
-                <a:solidFill>
-                  <a:srgbClr val="374151"/>
-                </a:solidFill>
-                <a:effectLst/>
-                <a:highlight>
-                  <a:srgbClr val="FFFFFF"/>
-                </a:highlight>
-                <a:latin typeface="Droid Serif"/>
-              </a:rPr>
-              <a:t>, pandas will downcast the data to the smallest data type possible.</a:t>
-            </a:r>
-          </a:p>
-          <a:p>
-            <a:r>
-              <a:rPr lang="en-US" dirty="0"/>
-              <a:t>https://www.educative.io/answers/what-is-the-tonumeric-function-in-pandas</a:t>
+              <a:t>Lesson learned = look at all your data and don’t assume.</a:t>
             </a:r>
           </a:p>
         </p:txBody>
@@ -1126,7 +1126,7 @@
     </p:spTree>
     <p:extLst>
       <p:ext uri="{BB962C8B-B14F-4D97-AF65-F5344CB8AC3E}">
-        <p14:creationId xmlns:p14="http://schemas.microsoft.com/office/powerpoint/2010/main" val="1612307411"/>
+        <p14:creationId xmlns:p14="http://schemas.microsoft.com/office/powerpoint/2010/main" val="830788613"/>
       </p:ext>
     </p:extLst>
   </p:cSld>
@@ -1202,6 +1202,18 @@
               <a:rPr lang="en-US" b="1" dirty="0" err="1"/>
               <a:t>airline_db</a:t>
             </a:r>
+            <a:endParaRPr lang="en-US" b="1" dirty="0"/>
+          </a:p>
+          <a:p>
+            <a:endParaRPr lang="en-US" b="1" dirty="0"/>
+          </a:p>
+          <a:p>
+            <a:endParaRPr lang="en-US" b="1" dirty="0"/>
+          </a:p>
+          <a:p>
+            <a:endParaRPr lang="en-US" b="1" dirty="0"/>
+          </a:p>
+          <a:p>
             <a:endParaRPr lang="en-US" b="1" dirty="0"/>
           </a:p>
         </p:txBody>
@@ -1290,6 +1302,22 @@
               <a:rPr lang="en-US" dirty="0"/>
               <a:t> PostgreSQL (pgAdmin4) serves as the SQL database utilized for storing the data obtained from the CSV files. Each CSV file was transformed into a table schema displaying all the columns contained within each CSV. </a:t>
             </a:r>
+          </a:p>
+          <a:p>
+            <a:r>
+              <a:rPr lang="en-GB" b="0" i="0" dirty="0">
+                <a:solidFill>
+                  <a:srgbClr val="0D0D0D"/>
+                </a:solidFill>
+                <a:effectLst/>
+                <a:highlight>
+                  <a:srgbClr val="FFFFFF"/>
+                </a:highlight>
+                <a:latin typeface="Söhne"/>
+              </a:rPr>
+              <a:t>We chose SQL PostgreSQL due to its scalability, reliability, and user-friendly nature, minimizing the likelihood of encountering errors during usage.</a:t>
+            </a:r>
+            <a:endParaRPr lang="en-US" dirty="0"/>
           </a:p>
         </p:txBody>
       </p:sp>
@@ -1555,7 +1583,7 @@
           <a:p>
             <a:fld id="{5FC588E6-FAC8-4CB8-904E-4C86C516A14A}" type="datetimeFigureOut">
               <a:rPr lang="en-US" smtClean="0"/>
-              <a:t>4/17/2024</a:t>
+              <a:t>4/17/24</a:t>
             </a:fld>
             <a:endParaRPr lang="en-US"/>
           </a:p>
@@ -1763,7 +1791,7 @@
           <a:p>
             <a:fld id="{5FC588E6-FAC8-4CB8-904E-4C86C516A14A}" type="datetimeFigureOut">
               <a:rPr lang="en-US" smtClean="0"/>
-              <a:t>4/17/2024</a:t>
+              <a:t>4/17/24</a:t>
             </a:fld>
             <a:endParaRPr lang="en-US"/>
           </a:p>
@@ -2019,7 +2047,7 @@
           <a:p>
             <a:fld id="{5FC588E6-FAC8-4CB8-904E-4C86C516A14A}" type="datetimeFigureOut">
               <a:rPr lang="en-US" smtClean="0"/>
-              <a:t>4/17/2024</a:t>
+              <a:t>4/17/24</a:t>
             </a:fld>
             <a:endParaRPr lang="en-US"/>
           </a:p>
@@ -2193,7 +2221,7 @@
           <a:p>
             <a:fld id="{5FC588E6-FAC8-4CB8-904E-4C86C516A14A}" type="datetimeFigureOut">
               <a:rPr lang="en-US" smtClean="0"/>
-              <a:t>4/17/2024</a:t>
+              <a:t>4/17/24</a:t>
             </a:fld>
             <a:endParaRPr lang="en-US"/>
           </a:p>
@@ -2536,7 +2564,7 @@
           <a:p>
             <a:fld id="{5FC588E6-FAC8-4CB8-904E-4C86C516A14A}" type="datetimeFigureOut">
               <a:rPr lang="en-US" smtClean="0"/>
-              <a:t>4/17/2024</a:t>
+              <a:t>4/17/24</a:t>
             </a:fld>
             <a:endParaRPr lang="en-US"/>
           </a:p>
@@ -2811,7 +2839,7 @@
           <a:p>
             <a:fld id="{5FC588E6-FAC8-4CB8-904E-4C86C516A14A}" type="datetimeFigureOut">
               <a:rPr lang="en-US" smtClean="0"/>
-              <a:t>4/17/2024</a:t>
+              <a:t>4/17/24</a:t>
             </a:fld>
             <a:endParaRPr lang="en-US"/>
           </a:p>
@@ -3190,7 +3218,7 @@
           <a:p>
             <a:fld id="{5FC588E6-FAC8-4CB8-904E-4C86C516A14A}" type="datetimeFigureOut">
               <a:rPr lang="en-US" smtClean="0"/>
-              <a:t>4/17/2024</a:t>
+              <a:t>4/17/24</a:t>
             </a:fld>
             <a:endParaRPr lang="en-US"/>
           </a:p>
@@ -3308,7 +3336,7 @@
           <a:p>
             <a:fld id="{5FC588E6-FAC8-4CB8-904E-4C86C516A14A}" type="datetimeFigureOut">
               <a:rPr lang="en-US" smtClean="0"/>
-              <a:t>4/17/2024</a:t>
+              <a:t>4/17/24</a:t>
             </a:fld>
             <a:endParaRPr lang="en-US"/>
           </a:p>
@@ -3479,7 +3507,7 @@
           <a:p>
             <a:fld id="{5FC588E6-FAC8-4CB8-904E-4C86C516A14A}" type="datetimeFigureOut">
               <a:rPr lang="en-US" smtClean="0"/>
-              <a:t>4/17/2024</a:t>
+              <a:t>4/17/24</a:t>
             </a:fld>
             <a:endParaRPr lang="en-US"/>
           </a:p>
@@ -3833,7 +3861,7 @@
           <a:p>
             <a:fld id="{5FC588E6-FAC8-4CB8-904E-4C86C516A14A}" type="datetimeFigureOut">
               <a:rPr lang="en-US" smtClean="0"/>
-              <a:t>4/17/2024</a:t>
+              <a:t>4/17/24</a:t>
             </a:fld>
             <a:endParaRPr lang="en-US"/>
           </a:p>
@@ -4215,7 +4243,7 @@
           <a:p>
             <a:fld id="{5FC588E6-FAC8-4CB8-904E-4C86C516A14A}" type="datetimeFigureOut">
               <a:rPr lang="en-US" smtClean="0"/>
-              <a:t>4/17/2024</a:t>
+              <a:t>4/17/24</a:t>
             </a:fld>
             <a:endParaRPr lang="en-US"/>
           </a:p>
@@ -4502,7 +4530,7 @@
           <a:p>
             <a:fld id="{5FC588E6-FAC8-4CB8-904E-4C86C516A14A}" type="datetimeFigureOut">
               <a:rPr lang="en-US" smtClean="0"/>
-              <a:t>4/17/2024</a:t>
+              <a:t>4/17/24</a:t>
             </a:fld>
             <a:endParaRPr lang="en-US"/>
           </a:p>
@@ -5871,151 +5899,6 @@
           <p:cNvPr id="2" name="Title 1">
             <a:extLst>
               <a:ext uri="{FF2B5EF4-FFF2-40B4-BE49-F238E27FC236}">
-                <a16:creationId xmlns:a16="http://schemas.microsoft.com/office/drawing/2014/main" id="{016F59BD-C8A4-EC9F-85D4-AE9CE4C6AF48}"/>
-              </a:ext>
-            </a:extLst>
-          </p:cNvPr>
-          <p:cNvSpPr>
-            <a:spLocks noGrp="1"/>
-          </p:cNvSpPr>
-          <p:nvPr>
-            <p:ph type="title"/>
-          </p:nvPr>
-        </p:nvSpPr>
-        <p:spPr/>
-        <p:txBody>
-          <a:bodyPr/>
-          <a:lstStyle/>
-          <a:p>
-            <a:r>
-              <a:rPr lang="en-US" dirty="0"/>
-              <a:t>Data Cleaning: Understand your Data</a:t>
-            </a:r>
-          </a:p>
-        </p:txBody>
-      </p:sp>
-      <p:sp>
-        <p:nvSpPr>
-          <p:cNvPr id="10" name="Content Placeholder 9">
-            <a:extLst>
-              <a:ext uri="{FF2B5EF4-FFF2-40B4-BE49-F238E27FC236}">
-                <a16:creationId xmlns:a16="http://schemas.microsoft.com/office/drawing/2014/main" id="{0855E508-F98E-75C6-2F93-FC1223632467}"/>
-              </a:ext>
-            </a:extLst>
-          </p:cNvPr>
-          <p:cNvSpPr>
-            <a:spLocks noGrp="1"/>
-          </p:cNvSpPr>
-          <p:nvPr>
-            <p:ph sz="half" idx="2"/>
-          </p:nvPr>
-        </p:nvSpPr>
-        <p:spPr/>
-        <p:txBody>
-          <a:bodyPr/>
-          <a:lstStyle/>
-          <a:p>
-            <a:pPr marL="0" indent="0">
-              <a:buNone/>
-            </a:pPr>
-            <a:endParaRPr lang="en-US" dirty="0"/>
-          </a:p>
-        </p:txBody>
-      </p:sp>
-      <p:pic>
-        <p:nvPicPr>
-          <p:cNvPr id="12" name="Picture 11">
-            <a:extLst>
-              <a:ext uri="{FF2B5EF4-FFF2-40B4-BE49-F238E27FC236}">
-                <a16:creationId xmlns:a16="http://schemas.microsoft.com/office/drawing/2014/main" id="{BCB64EB5-EC51-4CF1-B408-D2479AF65C05}"/>
-              </a:ext>
-            </a:extLst>
-          </p:cNvPr>
-          <p:cNvPicPr>
-            <a:picLocks noChangeAspect="1"/>
-          </p:cNvPicPr>
-          <p:nvPr/>
-        </p:nvPicPr>
-        <p:blipFill>
-          <a:blip r:embed="rId3"/>
-          <a:stretch>
-            <a:fillRect/>
-          </a:stretch>
-        </p:blipFill>
-        <p:spPr>
-          <a:xfrm>
-            <a:off x="6462789" y="2531415"/>
-            <a:ext cx="4692891" cy="2521080"/>
-          </a:xfrm>
-          <a:prstGeom prst="rect">
-            <a:avLst/>
-          </a:prstGeom>
-        </p:spPr>
-      </p:pic>
-      <p:pic>
-        <p:nvPicPr>
-          <p:cNvPr id="20" name="Content Placeholder 19">
-            <a:extLst>
-              <a:ext uri="{FF2B5EF4-FFF2-40B4-BE49-F238E27FC236}">
-                <a16:creationId xmlns:a16="http://schemas.microsoft.com/office/drawing/2014/main" id="{5EE78047-18AA-42EE-2C9A-F6AE8DD0CDE5}"/>
-              </a:ext>
-            </a:extLst>
-          </p:cNvPr>
-          <p:cNvPicPr>
-            <a:picLocks noGrp="1" noChangeAspect="1"/>
-          </p:cNvPicPr>
-          <p:nvPr>
-            <p:ph sz="half" idx="1"/>
-          </p:nvPr>
-        </p:nvPicPr>
-        <p:blipFill>
-          <a:blip r:embed="rId4"/>
-          <a:stretch>
-            <a:fillRect/>
-          </a:stretch>
-        </p:blipFill>
-        <p:spPr>
-          <a:xfrm>
-            <a:off x="1127793" y="2609786"/>
-            <a:ext cx="4877051" cy="2495678"/>
-          </a:xfrm>
-        </p:spPr>
-      </p:pic>
-    </p:spTree>
-    <p:extLst>
-      <p:ext uri="{BB962C8B-B14F-4D97-AF65-F5344CB8AC3E}">
-        <p14:creationId xmlns:p14="http://schemas.microsoft.com/office/powerpoint/2010/main" val="810770557"/>
-      </p:ext>
-    </p:extLst>
-  </p:cSld>
-  <p:clrMapOvr>
-    <a:masterClrMapping/>
-  </p:clrMapOvr>
-</p:sld>
-</file>
-
-<file path=ppt/slides/slide6.xml><?xml version="1.0" encoding="utf-8"?>
-<p:sld xmlns:a="http://schemas.openxmlformats.org/drawingml/2006/main" xmlns:r="http://schemas.openxmlformats.org/officeDocument/2006/relationships" xmlns:p="http://schemas.openxmlformats.org/presentationml/2006/main">
-  <p:cSld>
-    <p:spTree>
-      <p:nvGrpSpPr>
-        <p:cNvPr id="1" name=""/>
-        <p:cNvGrpSpPr/>
-        <p:nvPr/>
-      </p:nvGrpSpPr>
-      <p:grpSpPr>
-        <a:xfrm>
-          <a:off x="0" y="0"/>
-          <a:ext cx="0" cy="0"/>
-          <a:chOff x="0" y="0"/>
-          <a:chExt cx="0" cy="0"/>
-        </a:xfrm>
-      </p:grpSpPr>
-      <p:sp>
-        <p:nvSpPr>
-          <p:cNvPr id="2" name="Title 1">
-            <a:extLst>
-              <a:ext uri="{FF2B5EF4-FFF2-40B4-BE49-F238E27FC236}">
                 <a16:creationId xmlns:a16="http://schemas.microsoft.com/office/drawing/2014/main" id="{D5C64DBD-7CC8-8DEB-D396-B7727E84647B}"/>
               </a:ext>
             </a:extLst>
@@ -6148,7 +6031,7 @@
 </p:sld>
 </file>
 
-<file path=ppt/slides/slide7.xml><?xml version="1.0" encoding="utf-8"?>
+<file path=ppt/slides/slide6.xml><?xml version="1.0" encoding="utf-8"?>
 <p:sld xmlns:a="http://schemas.openxmlformats.org/drawingml/2006/main" xmlns:r="http://schemas.openxmlformats.org/officeDocument/2006/relationships" xmlns:p="http://schemas.openxmlformats.org/presentationml/2006/main">
   <p:cSld>
     <p:spTree>
@@ -6263,6 +6146,151 @@
     <p:extLst>
       <p:ext uri="{BB962C8B-B14F-4D97-AF65-F5344CB8AC3E}">
         <p14:creationId xmlns:p14="http://schemas.microsoft.com/office/powerpoint/2010/main" val="431162547"/>
+      </p:ext>
+    </p:extLst>
+  </p:cSld>
+  <p:clrMapOvr>
+    <a:masterClrMapping/>
+  </p:clrMapOvr>
+</p:sld>
+</file>
+
+<file path=ppt/slides/slide7.xml><?xml version="1.0" encoding="utf-8"?>
+<p:sld xmlns:a="http://schemas.openxmlformats.org/drawingml/2006/main" xmlns:r="http://schemas.openxmlformats.org/officeDocument/2006/relationships" xmlns:p="http://schemas.openxmlformats.org/presentationml/2006/main">
+  <p:cSld>
+    <p:spTree>
+      <p:nvGrpSpPr>
+        <p:cNvPr id="1" name=""/>
+        <p:cNvGrpSpPr/>
+        <p:nvPr/>
+      </p:nvGrpSpPr>
+      <p:grpSpPr>
+        <a:xfrm>
+          <a:off x="0" y="0"/>
+          <a:ext cx="0" cy="0"/>
+          <a:chOff x="0" y="0"/>
+          <a:chExt cx="0" cy="0"/>
+        </a:xfrm>
+      </p:grpSpPr>
+      <p:sp>
+        <p:nvSpPr>
+          <p:cNvPr id="2" name="Title 1">
+            <a:extLst>
+              <a:ext uri="{FF2B5EF4-FFF2-40B4-BE49-F238E27FC236}">
+                <a16:creationId xmlns:a16="http://schemas.microsoft.com/office/drawing/2014/main" id="{016F59BD-C8A4-EC9F-85D4-AE9CE4C6AF48}"/>
+              </a:ext>
+            </a:extLst>
+          </p:cNvPr>
+          <p:cNvSpPr>
+            <a:spLocks noGrp="1"/>
+          </p:cNvSpPr>
+          <p:nvPr>
+            <p:ph type="title"/>
+          </p:nvPr>
+        </p:nvSpPr>
+        <p:spPr/>
+        <p:txBody>
+          <a:bodyPr/>
+          <a:lstStyle/>
+          <a:p>
+            <a:r>
+              <a:rPr lang="en-US" dirty="0"/>
+              <a:t>Data Cleaning: Understand your Data</a:t>
+            </a:r>
+          </a:p>
+        </p:txBody>
+      </p:sp>
+      <p:sp>
+        <p:nvSpPr>
+          <p:cNvPr id="10" name="Content Placeholder 9">
+            <a:extLst>
+              <a:ext uri="{FF2B5EF4-FFF2-40B4-BE49-F238E27FC236}">
+                <a16:creationId xmlns:a16="http://schemas.microsoft.com/office/drawing/2014/main" id="{0855E508-F98E-75C6-2F93-FC1223632467}"/>
+              </a:ext>
+            </a:extLst>
+          </p:cNvPr>
+          <p:cNvSpPr>
+            <a:spLocks noGrp="1"/>
+          </p:cNvSpPr>
+          <p:nvPr>
+            <p:ph sz="half" idx="2"/>
+          </p:nvPr>
+        </p:nvSpPr>
+        <p:spPr/>
+        <p:txBody>
+          <a:bodyPr/>
+          <a:lstStyle/>
+          <a:p>
+            <a:pPr marL="0" indent="0">
+              <a:buNone/>
+            </a:pPr>
+            <a:endParaRPr lang="en-US" dirty="0"/>
+          </a:p>
+        </p:txBody>
+      </p:sp>
+      <p:pic>
+        <p:nvPicPr>
+          <p:cNvPr id="12" name="Picture 11">
+            <a:extLst>
+              <a:ext uri="{FF2B5EF4-FFF2-40B4-BE49-F238E27FC236}">
+                <a16:creationId xmlns:a16="http://schemas.microsoft.com/office/drawing/2014/main" id="{BCB64EB5-EC51-4CF1-B408-D2479AF65C05}"/>
+              </a:ext>
+            </a:extLst>
+          </p:cNvPr>
+          <p:cNvPicPr>
+            <a:picLocks noChangeAspect="1"/>
+          </p:cNvPicPr>
+          <p:nvPr/>
+        </p:nvPicPr>
+        <p:blipFill>
+          <a:blip r:embed="rId3"/>
+          <a:stretch>
+            <a:fillRect/>
+          </a:stretch>
+        </p:blipFill>
+        <p:spPr>
+          <a:xfrm>
+            <a:off x="6462789" y="2531415"/>
+            <a:ext cx="4692891" cy="2521080"/>
+          </a:xfrm>
+          <a:prstGeom prst="rect">
+            <a:avLst/>
+          </a:prstGeom>
+        </p:spPr>
+      </p:pic>
+      <p:pic>
+        <p:nvPicPr>
+          <p:cNvPr id="20" name="Content Placeholder 19">
+            <a:extLst>
+              <a:ext uri="{FF2B5EF4-FFF2-40B4-BE49-F238E27FC236}">
+                <a16:creationId xmlns:a16="http://schemas.microsoft.com/office/drawing/2014/main" id="{5EE78047-18AA-42EE-2C9A-F6AE8DD0CDE5}"/>
+              </a:ext>
+            </a:extLst>
+          </p:cNvPr>
+          <p:cNvPicPr>
+            <a:picLocks noGrp="1" noChangeAspect="1"/>
+          </p:cNvPicPr>
+          <p:nvPr>
+            <p:ph sz="half" idx="1"/>
+          </p:nvPr>
+        </p:nvPicPr>
+        <p:blipFill>
+          <a:blip r:embed="rId4"/>
+          <a:stretch>
+            <a:fillRect/>
+          </a:stretch>
+        </p:blipFill>
+        <p:spPr>
+          <a:xfrm>
+            <a:off x="1127793" y="2609786"/>
+            <a:ext cx="4877051" cy="2495678"/>
+          </a:xfrm>
+        </p:spPr>
+      </p:pic>
+    </p:spTree>
+    <p:extLst>
+      <p:ext uri="{BB962C8B-B14F-4D97-AF65-F5344CB8AC3E}">
+        <p14:creationId xmlns:p14="http://schemas.microsoft.com/office/powerpoint/2010/main" val="810770557"/>
       </p:ext>
     </p:extLst>
   </p:cSld>
@@ -6581,7 +6609,7 @@
           <a:p>
             <a:r>
               <a:rPr lang="en-US" dirty="0"/>
-              <a:t>August_2018</a:t>
+              <a:t>august_2018</a:t>
             </a:r>
           </a:p>
         </p:txBody>
@@ -6616,7 +6644,15 @@
           <a:p>
             <a:r>
               <a:rPr lang="en-US" dirty="0" err="1"/>
-              <a:t>Air_carrie_data</a:t>
+              <a:t>Air</a:t>
+            </a:r>
+            <a:r>
+              <a:rPr lang="en-US" err="1"/>
+              <a:t>_</a:t>
+            </a:r>
+            <a:r>
+              <a:rPr lang="en-US"/>
+              <a:t>carrier_data</a:t>
             </a:r>
             <a:endParaRPr lang="en-US" dirty="0"/>
           </a:p>

--- a/Airline_OnTime_performance_Stats.pptx
+++ b/Airline_OnTime_performance_Stats.pptx
@@ -12,9 +12,9 @@
     <p:sldId id="257" r:id="rId3"/>
     <p:sldId id="262" r:id="rId4"/>
     <p:sldId id="258" r:id="rId5"/>
-    <p:sldId id="259" r:id="rId6"/>
-    <p:sldId id="260" r:id="rId7"/>
-    <p:sldId id="261" r:id="rId8"/>
+    <p:sldId id="261" r:id="rId6"/>
+    <p:sldId id="259" r:id="rId7"/>
+    <p:sldId id="260" r:id="rId8"/>
     <p:sldId id="263" r:id="rId9"/>
     <p:sldId id="264" r:id="rId10"/>
   </p:sldIdLst>
@@ -205,7 +205,7 @@
           <a:p>
             <a:fld id="{46609D4D-7D39-4F2B-9313-3332C0AD795B}" type="datetimeFigureOut">
               <a:rPr lang="en-US" smtClean="0"/>
-              <a:t>4/17/24</a:t>
+              <a:t>4/17/2024</a:t>
             </a:fld>
             <a:endParaRPr lang="en-US"/>
           </a:p>
@@ -605,21 +605,21 @@
           <a:p>
             <a:r>
               <a:rPr lang="en-US" dirty="0"/>
-              <a:t> </a:t>
+              <a:t>I used .head() to look at the </a:t>
             </a:r>
             <a:r>
               <a:rPr lang="en-US" dirty="0" err="1"/>
-              <a:t>columns.str.lower</a:t>
+              <a:t>dataframes</a:t>
             </a:r>
             <a:r>
               <a:rPr lang="en-US" dirty="0"/>
-              <a:t> was a quick, easy way to change all the column headers to lower case rather than rename everything</a:t>
+              <a:t>, but when we went to load it into the database we were running into errors, turns out there are airports outside of the US and not every one was a 2 digit state.  Updated to column title to location for accuracy.</a:t>
             </a:r>
           </a:p>
           <a:p>
             <a:r>
               <a:rPr lang="en-US" dirty="0"/>
-              <a:t>We wanted to keep the index as it was useful as a primary key, but we needed a column header.  Index.name allowed us to add that.</a:t>
+              <a:t>Lesson learned = look at all your data and don’t assume.</a:t>
             </a:r>
           </a:p>
         </p:txBody>
@@ -650,7 +650,7 @@
     </p:spTree>
     <p:extLst>
       <p:ext uri="{BB962C8B-B14F-4D97-AF65-F5344CB8AC3E}">
-        <p14:creationId xmlns:p14="http://schemas.microsoft.com/office/powerpoint/2010/main" val="3731497154"/>
+        <p14:creationId xmlns:p14="http://schemas.microsoft.com/office/powerpoint/2010/main" val="830788613"/>
       </p:ext>
     </p:extLst>
   </p:cSld>
@@ -705,296 +705,22 @@
           <a:lstStyle/>
           <a:p>
             <a:r>
-              <a:rPr lang="en-US" b="0" i="0" dirty="0">
-                <a:solidFill>
-                  <a:srgbClr val="374151"/>
-                </a:solidFill>
-                <a:effectLst/>
-                <a:highlight>
-                  <a:srgbClr val="FFFFFF"/>
-                </a:highlight>
-                <a:latin typeface="Droid Serif"/>
-              </a:rPr>
-              <a:t>Used .</a:t>
-            </a:r>
-            <a:r>
-              <a:rPr lang="en-US" b="0" i="0" dirty="0" err="1">
-                <a:solidFill>
-                  <a:srgbClr val="374151"/>
-                </a:solidFill>
-                <a:effectLst/>
-                <a:highlight>
-                  <a:srgbClr val="FFFFFF"/>
-                </a:highlight>
-                <a:latin typeface="Droid Serif"/>
-              </a:rPr>
-              <a:t>fillna</a:t>
-            </a:r>
-            <a:r>
-              <a:rPr lang="en-US" b="0" i="0" dirty="0">
-                <a:solidFill>
-                  <a:srgbClr val="374151"/>
-                </a:solidFill>
-                <a:effectLst/>
-                <a:highlight>
-                  <a:srgbClr val="FFFFFF"/>
-                </a:highlight>
-                <a:latin typeface="Droid Serif"/>
-              </a:rPr>
-              <a:t>(0) to put zeros in all the empty spaces in the columns that we were changing to the integer data type</a:t>
-            </a:r>
-          </a:p>
-          <a:p>
-            <a:endParaRPr lang="en-US" b="0" i="0" dirty="0">
-              <a:solidFill>
-                <a:srgbClr val="374151"/>
-              </a:solidFill>
-              <a:effectLst/>
-              <a:highlight>
-                <a:srgbClr val="FFFFFF"/>
-              </a:highlight>
-              <a:latin typeface="Droid Serif"/>
-            </a:endParaRPr>
-          </a:p>
-          <a:p>
-            <a:r>
-              <a:rPr lang="en-US" b="0" i="0" dirty="0">
-                <a:solidFill>
-                  <a:srgbClr val="374151"/>
-                </a:solidFill>
-                <a:effectLst/>
-                <a:highlight>
-                  <a:srgbClr val="FFFFFF"/>
-                </a:highlight>
-                <a:latin typeface="Droid Serif"/>
-              </a:rPr>
-              <a:t>The </a:t>
-            </a:r>
-            <a:r>
-              <a:rPr lang="en-US" b="1" i="0" dirty="0" err="1">
-                <a:solidFill>
-                  <a:srgbClr val="374151"/>
-                </a:solidFill>
-                <a:effectLst/>
-                <a:highlight>
-                  <a:srgbClr val="FFFFFF"/>
-                </a:highlight>
-                <a:latin typeface="Droid Serif"/>
-              </a:rPr>
-              <a:t>to_numeric</a:t>
-            </a:r>
-            <a:r>
-              <a:rPr lang="en-US" b="1" i="0" dirty="0">
-                <a:solidFill>
-                  <a:srgbClr val="374151"/>
-                </a:solidFill>
-                <a:effectLst/>
-                <a:highlight>
-                  <a:srgbClr val="FFFFFF"/>
-                </a:highlight>
-                <a:latin typeface="Droid Serif"/>
-              </a:rPr>
-              <a:t> function</a:t>
-            </a:r>
-            <a:r>
-              <a:rPr lang="en-US" b="0" i="0" dirty="0">
-                <a:solidFill>
-                  <a:srgbClr val="374151"/>
-                </a:solidFill>
-                <a:effectLst/>
-                <a:highlight>
-                  <a:srgbClr val="FFFFFF"/>
-                </a:highlight>
-                <a:latin typeface="Droid Serif"/>
-              </a:rPr>
-              <a:t> in pandas is used to convert the given argument to a numeric type. The argument is converted to </a:t>
-            </a:r>
-            <a:r>
               <a:rPr lang="en-US" dirty="0"/>
-              <a:t>float64</a:t>
-            </a:r>
-            <a:r>
-              <a:rPr lang="en-US" b="0" i="0" dirty="0">
-                <a:solidFill>
-                  <a:srgbClr val="374151"/>
-                </a:solidFill>
-                <a:effectLst/>
-                <a:highlight>
-                  <a:srgbClr val="FFFFFF"/>
-                </a:highlight>
-                <a:latin typeface="Droid Serif"/>
-              </a:rPr>
-              <a:t> or </a:t>
+              <a:t> </a:t>
+            </a:r>
+            <a:r>
+              <a:rPr lang="en-US" dirty="0" err="1"/>
+              <a:t>columns.str.lower</a:t>
             </a:r>
             <a:r>
               <a:rPr lang="en-US" dirty="0"/>
-              <a:t>int64</a:t>
-            </a:r>
-            <a:r>
-              <a:rPr lang="en-US" b="0" i="0" dirty="0">
-                <a:solidFill>
-                  <a:srgbClr val="374151"/>
-                </a:solidFill>
-                <a:effectLst/>
-                <a:highlight>
-                  <a:srgbClr val="FFFFFF"/>
-                </a:highlight>
-                <a:latin typeface="Droid Serif"/>
-              </a:rPr>
-              <a:t> by default, based on what is provided in the arguments. We can use the </a:t>
-            </a:r>
+              <a:t> was a quick, easy way to change all the column headers to lower case rather than rename everything</a:t>
+            </a:r>
+          </a:p>
+          <a:p>
             <a:r>
               <a:rPr lang="en-US" dirty="0"/>
-              <a:t>downcast</a:t>
-            </a:r>
-            <a:r>
-              <a:rPr lang="en-US" b="0" i="0" dirty="0">
-                <a:solidFill>
-                  <a:srgbClr val="374151"/>
-                </a:solidFill>
-                <a:effectLst/>
-                <a:highlight>
-                  <a:srgbClr val="FFFFFF"/>
-                </a:highlight>
-                <a:latin typeface="Droid Serif"/>
-              </a:rPr>
-              <a:t> parameter if we want to convert data to a particular type.</a:t>
-            </a:r>
-          </a:p>
-          <a:p>
-            <a:r>
-              <a:rPr lang="en-US" b="0" i="0" dirty="0">
-                <a:solidFill>
-                  <a:srgbClr val="C7254E"/>
-                </a:solidFill>
-                <a:effectLst/>
-                <a:highlight>
-                  <a:srgbClr val="F9F2F4"/>
-                </a:highlight>
-                <a:latin typeface="Menlo"/>
-              </a:rPr>
-              <a:t>Downcast</a:t>
-            </a:r>
-            <a:r>
-              <a:rPr lang="en-US" b="0" i="0" dirty="0">
-                <a:solidFill>
-                  <a:srgbClr val="374151"/>
-                </a:solidFill>
-                <a:effectLst/>
-                <a:highlight>
-                  <a:srgbClr val="FFFFFF"/>
-                </a:highlight>
-                <a:latin typeface="Droid Serif"/>
-              </a:rPr>
-              <a:t> - Specifies conversion to a particular datatype. Can be </a:t>
-            </a:r>
-            <a:r>
-              <a:rPr lang="en-US" dirty="0"/>
-              <a:t>int</a:t>
-            </a:r>
-            <a:r>
-              <a:rPr lang="en-US" b="0" i="0" dirty="0">
-                <a:solidFill>
-                  <a:srgbClr val="374151"/>
-                </a:solidFill>
-                <a:effectLst/>
-                <a:highlight>
-                  <a:srgbClr val="FFFFFF"/>
-                </a:highlight>
-                <a:latin typeface="Droid Serif"/>
-              </a:rPr>
-              <a:t>, </a:t>
-            </a:r>
-            <a:r>
-              <a:rPr lang="en-US" dirty="0"/>
-              <a:t>signed</a:t>
-            </a:r>
-            <a:r>
-              <a:rPr lang="en-US" b="0" i="0" dirty="0">
-                <a:solidFill>
-                  <a:srgbClr val="374151"/>
-                </a:solidFill>
-                <a:effectLst/>
-                <a:highlight>
-                  <a:srgbClr val="FFFFFF"/>
-                </a:highlight>
-                <a:latin typeface="Droid Serif"/>
-              </a:rPr>
-              <a:t>, </a:t>
-            </a:r>
-            <a:r>
-              <a:rPr lang="en-US" dirty="0"/>
-              <a:t>unsigned</a:t>
-            </a:r>
-            <a:r>
-              <a:rPr lang="en-US" b="0" i="0" dirty="0">
-                <a:solidFill>
-                  <a:srgbClr val="374151"/>
-                </a:solidFill>
-                <a:effectLst/>
-                <a:highlight>
-                  <a:srgbClr val="FFFFFF"/>
-                </a:highlight>
-                <a:latin typeface="Droid Serif"/>
-              </a:rPr>
-              <a:t> or </a:t>
-            </a:r>
-            <a:r>
-              <a:rPr lang="en-US" dirty="0"/>
-              <a:t>float</a:t>
-            </a:r>
-            <a:r>
-              <a:rPr lang="en-US" b="0" i="0" dirty="0">
-                <a:solidFill>
-                  <a:srgbClr val="374151"/>
-                </a:solidFill>
-                <a:effectLst/>
-                <a:highlight>
-                  <a:srgbClr val="FFFFFF"/>
-                </a:highlight>
-                <a:latin typeface="Droid Serif"/>
-              </a:rPr>
-              <a:t>. By default, it is </a:t>
-            </a:r>
-            <a:r>
-              <a:rPr lang="en-US" dirty="0"/>
-              <a:t>None</a:t>
-            </a:r>
-            <a:r>
-              <a:rPr lang="en-US" b="0" i="0" dirty="0">
-                <a:solidFill>
-                  <a:srgbClr val="374151"/>
-                </a:solidFill>
-                <a:effectLst/>
-                <a:highlight>
-                  <a:srgbClr val="FFFFFF"/>
-                </a:highlight>
-                <a:latin typeface="Droid Serif"/>
-              </a:rPr>
-              <a:t>. If it is not </a:t>
-            </a:r>
-            <a:r>
-              <a:rPr lang="en-US" dirty="0"/>
-              <a:t>None</a:t>
-            </a:r>
-            <a:r>
-              <a:rPr lang="en-US" b="0" i="0" dirty="0">
-                <a:solidFill>
-                  <a:srgbClr val="374151"/>
-                </a:solidFill>
-                <a:effectLst/>
-                <a:highlight>
-                  <a:srgbClr val="FFFFFF"/>
-                </a:highlight>
-                <a:latin typeface="Droid Serif"/>
-              </a:rPr>
-              <a:t>, pandas will downcast the data to the smallest data type possible.</a:t>
-            </a:r>
-          </a:p>
-          <a:p>
-            <a:r>
-              <a:rPr lang="en-US" dirty="0"/>
-              <a:t>https://www.educative.io/answers/what-is-the-tonumeric-function-in-pandas</a:t>
+              <a:t>We wanted to keep the index as it was useful as a primary key, but we needed a column header.  Index.name allowed us to add that.</a:t>
             </a:r>
           </a:p>
         </p:txBody>
@@ -1025,7 +751,7 @@
     </p:spTree>
     <p:extLst>
       <p:ext uri="{BB962C8B-B14F-4D97-AF65-F5344CB8AC3E}">
-        <p14:creationId xmlns:p14="http://schemas.microsoft.com/office/powerpoint/2010/main" val="1612307411"/>
+        <p14:creationId xmlns:p14="http://schemas.microsoft.com/office/powerpoint/2010/main" val="3731497154"/>
       </p:ext>
     </p:extLst>
   </p:cSld>
@@ -1080,22 +806,296 @@
           <a:lstStyle/>
           <a:p>
             <a:r>
+              <a:rPr lang="en-US" b="0" i="0" dirty="0">
+                <a:solidFill>
+                  <a:srgbClr val="374151"/>
+                </a:solidFill>
+                <a:effectLst/>
+                <a:highlight>
+                  <a:srgbClr val="FFFFFF"/>
+                </a:highlight>
+                <a:latin typeface="Droid Serif"/>
+              </a:rPr>
+              <a:t>Used .</a:t>
+            </a:r>
+            <a:r>
+              <a:rPr lang="en-US" b="0" i="0" dirty="0" err="1">
+                <a:solidFill>
+                  <a:srgbClr val="374151"/>
+                </a:solidFill>
+                <a:effectLst/>
+                <a:highlight>
+                  <a:srgbClr val="FFFFFF"/>
+                </a:highlight>
+                <a:latin typeface="Droid Serif"/>
+              </a:rPr>
+              <a:t>fillna</a:t>
+            </a:r>
+            <a:r>
+              <a:rPr lang="en-US" b="0" i="0" dirty="0">
+                <a:solidFill>
+                  <a:srgbClr val="374151"/>
+                </a:solidFill>
+                <a:effectLst/>
+                <a:highlight>
+                  <a:srgbClr val="FFFFFF"/>
+                </a:highlight>
+                <a:latin typeface="Droid Serif"/>
+              </a:rPr>
+              <a:t>(0) to put zeros in all the empty spaces in the columns that we were changing to the integer data type</a:t>
+            </a:r>
+          </a:p>
+          <a:p>
+            <a:endParaRPr lang="en-US" b="0" i="0" dirty="0">
+              <a:solidFill>
+                <a:srgbClr val="374151"/>
+              </a:solidFill>
+              <a:effectLst/>
+              <a:highlight>
+                <a:srgbClr val="FFFFFF"/>
+              </a:highlight>
+              <a:latin typeface="Droid Serif"/>
+            </a:endParaRPr>
+          </a:p>
+          <a:p>
+            <a:r>
+              <a:rPr lang="en-US" b="0" i="0" dirty="0">
+                <a:solidFill>
+                  <a:srgbClr val="374151"/>
+                </a:solidFill>
+                <a:effectLst/>
+                <a:highlight>
+                  <a:srgbClr val="FFFFFF"/>
+                </a:highlight>
+                <a:latin typeface="Droid Serif"/>
+              </a:rPr>
+              <a:t>The </a:t>
+            </a:r>
+            <a:r>
+              <a:rPr lang="en-US" b="1" i="0" dirty="0" err="1">
+                <a:solidFill>
+                  <a:srgbClr val="374151"/>
+                </a:solidFill>
+                <a:effectLst/>
+                <a:highlight>
+                  <a:srgbClr val="FFFFFF"/>
+                </a:highlight>
+                <a:latin typeface="Droid Serif"/>
+              </a:rPr>
+              <a:t>to_numeric</a:t>
+            </a:r>
+            <a:r>
+              <a:rPr lang="en-US" b="1" i="0" dirty="0">
+                <a:solidFill>
+                  <a:srgbClr val="374151"/>
+                </a:solidFill>
+                <a:effectLst/>
+                <a:highlight>
+                  <a:srgbClr val="FFFFFF"/>
+                </a:highlight>
+                <a:latin typeface="Droid Serif"/>
+              </a:rPr>
+              <a:t> function</a:t>
+            </a:r>
+            <a:r>
+              <a:rPr lang="en-US" b="0" i="0" dirty="0">
+                <a:solidFill>
+                  <a:srgbClr val="374151"/>
+                </a:solidFill>
+                <a:effectLst/>
+                <a:highlight>
+                  <a:srgbClr val="FFFFFF"/>
+                </a:highlight>
+                <a:latin typeface="Droid Serif"/>
+              </a:rPr>
+              <a:t> in pandas is used to convert the given argument to a numeric type. The argument is converted to </a:t>
+            </a:r>
+            <a:r>
               <a:rPr lang="en-US" dirty="0"/>
-              <a:t>I used .head() to look at the </a:t>
-            </a:r>
-            <a:r>
-              <a:rPr lang="en-US" dirty="0" err="1"/>
-              <a:t>dataframes</a:t>
+              <a:t>float64</a:t>
+            </a:r>
+            <a:r>
+              <a:rPr lang="en-US" b="0" i="0" dirty="0">
+                <a:solidFill>
+                  <a:srgbClr val="374151"/>
+                </a:solidFill>
+                <a:effectLst/>
+                <a:highlight>
+                  <a:srgbClr val="FFFFFF"/>
+                </a:highlight>
+                <a:latin typeface="Droid Serif"/>
+              </a:rPr>
+              <a:t> or </a:t>
             </a:r>
             <a:r>
               <a:rPr lang="en-US" dirty="0"/>
-              <a:t>, but when we went to load it into the database we were running into errors, turns out there are airports outside of the US and not every one was a 2 digit state.  Updated to column title to location for accuracy.</a:t>
-            </a:r>
-          </a:p>
-          <a:p>
+              <a:t>int64</a:t>
+            </a:r>
+            <a:r>
+              <a:rPr lang="en-US" b="0" i="0" dirty="0">
+                <a:solidFill>
+                  <a:srgbClr val="374151"/>
+                </a:solidFill>
+                <a:effectLst/>
+                <a:highlight>
+                  <a:srgbClr val="FFFFFF"/>
+                </a:highlight>
+                <a:latin typeface="Droid Serif"/>
+              </a:rPr>
+              <a:t> by default, based on what is provided in the arguments. We can use the </a:t>
+            </a:r>
             <a:r>
               <a:rPr lang="en-US" dirty="0"/>
-              <a:t>Lesson learned = look at all your data and don’t assume.</a:t>
+              <a:t>downcast</a:t>
+            </a:r>
+            <a:r>
+              <a:rPr lang="en-US" b="0" i="0" dirty="0">
+                <a:solidFill>
+                  <a:srgbClr val="374151"/>
+                </a:solidFill>
+                <a:effectLst/>
+                <a:highlight>
+                  <a:srgbClr val="FFFFFF"/>
+                </a:highlight>
+                <a:latin typeface="Droid Serif"/>
+              </a:rPr>
+              <a:t> parameter if we want to convert data to a particular type.</a:t>
+            </a:r>
+          </a:p>
+          <a:p>
+            <a:r>
+              <a:rPr lang="en-US" b="0" i="0" dirty="0">
+                <a:solidFill>
+                  <a:srgbClr val="C7254E"/>
+                </a:solidFill>
+                <a:effectLst/>
+                <a:highlight>
+                  <a:srgbClr val="F9F2F4"/>
+                </a:highlight>
+                <a:latin typeface="Menlo"/>
+              </a:rPr>
+              <a:t>Downcast</a:t>
+            </a:r>
+            <a:r>
+              <a:rPr lang="en-US" b="0" i="0" dirty="0">
+                <a:solidFill>
+                  <a:srgbClr val="374151"/>
+                </a:solidFill>
+                <a:effectLst/>
+                <a:highlight>
+                  <a:srgbClr val="FFFFFF"/>
+                </a:highlight>
+                <a:latin typeface="Droid Serif"/>
+              </a:rPr>
+              <a:t> - Specifies conversion to a particular datatype. Can be </a:t>
+            </a:r>
+            <a:r>
+              <a:rPr lang="en-US" dirty="0"/>
+              <a:t>int</a:t>
+            </a:r>
+            <a:r>
+              <a:rPr lang="en-US" b="0" i="0" dirty="0">
+                <a:solidFill>
+                  <a:srgbClr val="374151"/>
+                </a:solidFill>
+                <a:effectLst/>
+                <a:highlight>
+                  <a:srgbClr val="FFFFFF"/>
+                </a:highlight>
+                <a:latin typeface="Droid Serif"/>
+              </a:rPr>
+              <a:t>, </a:t>
+            </a:r>
+            <a:r>
+              <a:rPr lang="en-US" dirty="0"/>
+              <a:t>signed</a:t>
+            </a:r>
+            <a:r>
+              <a:rPr lang="en-US" b="0" i="0" dirty="0">
+                <a:solidFill>
+                  <a:srgbClr val="374151"/>
+                </a:solidFill>
+                <a:effectLst/>
+                <a:highlight>
+                  <a:srgbClr val="FFFFFF"/>
+                </a:highlight>
+                <a:latin typeface="Droid Serif"/>
+              </a:rPr>
+              <a:t>, </a:t>
+            </a:r>
+            <a:r>
+              <a:rPr lang="en-US" dirty="0"/>
+              <a:t>unsigned</a:t>
+            </a:r>
+            <a:r>
+              <a:rPr lang="en-US" b="0" i="0" dirty="0">
+                <a:solidFill>
+                  <a:srgbClr val="374151"/>
+                </a:solidFill>
+                <a:effectLst/>
+                <a:highlight>
+                  <a:srgbClr val="FFFFFF"/>
+                </a:highlight>
+                <a:latin typeface="Droid Serif"/>
+              </a:rPr>
+              <a:t> or </a:t>
+            </a:r>
+            <a:r>
+              <a:rPr lang="en-US" dirty="0"/>
+              <a:t>float</a:t>
+            </a:r>
+            <a:r>
+              <a:rPr lang="en-US" b="0" i="0" dirty="0">
+                <a:solidFill>
+                  <a:srgbClr val="374151"/>
+                </a:solidFill>
+                <a:effectLst/>
+                <a:highlight>
+                  <a:srgbClr val="FFFFFF"/>
+                </a:highlight>
+                <a:latin typeface="Droid Serif"/>
+              </a:rPr>
+              <a:t>. By default, it is </a:t>
+            </a:r>
+            <a:r>
+              <a:rPr lang="en-US" dirty="0"/>
+              <a:t>None</a:t>
+            </a:r>
+            <a:r>
+              <a:rPr lang="en-US" b="0" i="0" dirty="0">
+                <a:solidFill>
+                  <a:srgbClr val="374151"/>
+                </a:solidFill>
+                <a:effectLst/>
+                <a:highlight>
+                  <a:srgbClr val="FFFFFF"/>
+                </a:highlight>
+                <a:latin typeface="Droid Serif"/>
+              </a:rPr>
+              <a:t>. If it is not </a:t>
+            </a:r>
+            <a:r>
+              <a:rPr lang="en-US" dirty="0"/>
+              <a:t>None</a:t>
+            </a:r>
+            <a:r>
+              <a:rPr lang="en-US" b="0" i="0" dirty="0">
+                <a:solidFill>
+                  <a:srgbClr val="374151"/>
+                </a:solidFill>
+                <a:effectLst/>
+                <a:highlight>
+                  <a:srgbClr val="FFFFFF"/>
+                </a:highlight>
+                <a:latin typeface="Droid Serif"/>
+              </a:rPr>
+              <a:t>, pandas will downcast the data to the smallest data type possible.</a:t>
+            </a:r>
+          </a:p>
+          <a:p>
+            <a:r>
+              <a:rPr lang="en-US" dirty="0"/>
+              <a:t>https://www.educative.io/answers/what-is-the-tonumeric-function-in-pandas</a:t>
             </a:r>
           </a:p>
         </p:txBody>
@@ -1126,7 +1126,7 @@
     </p:spTree>
     <p:extLst>
       <p:ext uri="{BB962C8B-B14F-4D97-AF65-F5344CB8AC3E}">
-        <p14:creationId xmlns:p14="http://schemas.microsoft.com/office/powerpoint/2010/main" val="830788613"/>
+        <p14:creationId xmlns:p14="http://schemas.microsoft.com/office/powerpoint/2010/main" val="1612307411"/>
       </p:ext>
     </p:extLst>
   </p:cSld>
@@ -1583,7 +1583,7 @@
           <a:p>
             <a:fld id="{5FC588E6-FAC8-4CB8-904E-4C86C516A14A}" type="datetimeFigureOut">
               <a:rPr lang="en-US" smtClean="0"/>
-              <a:t>4/17/24</a:t>
+              <a:t>4/17/2024</a:t>
             </a:fld>
             <a:endParaRPr lang="en-US"/>
           </a:p>
@@ -1791,7 +1791,7 @@
           <a:p>
             <a:fld id="{5FC588E6-FAC8-4CB8-904E-4C86C516A14A}" type="datetimeFigureOut">
               <a:rPr lang="en-US" smtClean="0"/>
-              <a:t>4/17/24</a:t>
+              <a:t>4/17/2024</a:t>
             </a:fld>
             <a:endParaRPr lang="en-US"/>
           </a:p>
@@ -2047,7 +2047,7 @@
           <a:p>
             <a:fld id="{5FC588E6-FAC8-4CB8-904E-4C86C516A14A}" type="datetimeFigureOut">
               <a:rPr lang="en-US" smtClean="0"/>
-              <a:t>4/17/24</a:t>
+              <a:t>4/17/2024</a:t>
             </a:fld>
             <a:endParaRPr lang="en-US"/>
           </a:p>
@@ -2221,7 +2221,7 @@
           <a:p>
             <a:fld id="{5FC588E6-FAC8-4CB8-904E-4C86C516A14A}" type="datetimeFigureOut">
               <a:rPr lang="en-US" smtClean="0"/>
-              <a:t>4/17/24</a:t>
+              <a:t>4/17/2024</a:t>
             </a:fld>
             <a:endParaRPr lang="en-US"/>
           </a:p>
@@ -2564,7 +2564,7 @@
           <a:p>
             <a:fld id="{5FC588E6-FAC8-4CB8-904E-4C86C516A14A}" type="datetimeFigureOut">
               <a:rPr lang="en-US" smtClean="0"/>
-              <a:t>4/17/24</a:t>
+              <a:t>4/17/2024</a:t>
             </a:fld>
             <a:endParaRPr lang="en-US"/>
           </a:p>
@@ -2839,7 +2839,7 @@
           <a:p>
             <a:fld id="{5FC588E6-FAC8-4CB8-904E-4C86C516A14A}" type="datetimeFigureOut">
               <a:rPr lang="en-US" smtClean="0"/>
-              <a:t>4/17/24</a:t>
+              <a:t>4/17/2024</a:t>
             </a:fld>
             <a:endParaRPr lang="en-US"/>
           </a:p>
@@ -3218,7 +3218,7 @@
           <a:p>
             <a:fld id="{5FC588E6-FAC8-4CB8-904E-4C86C516A14A}" type="datetimeFigureOut">
               <a:rPr lang="en-US" smtClean="0"/>
-              <a:t>4/17/24</a:t>
+              <a:t>4/17/2024</a:t>
             </a:fld>
             <a:endParaRPr lang="en-US"/>
           </a:p>
@@ -3336,7 +3336,7 @@
           <a:p>
             <a:fld id="{5FC588E6-FAC8-4CB8-904E-4C86C516A14A}" type="datetimeFigureOut">
               <a:rPr lang="en-US" smtClean="0"/>
-              <a:t>4/17/24</a:t>
+              <a:t>4/17/2024</a:t>
             </a:fld>
             <a:endParaRPr lang="en-US"/>
           </a:p>
@@ -3507,7 +3507,7 @@
           <a:p>
             <a:fld id="{5FC588E6-FAC8-4CB8-904E-4C86C516A14A}" type="datetimeFigureOut">
               <a:rPr lang="en-US" smtClean="0"/>
-              <a:t>4/17/24</a:t>
+              <a:t>4/17/2024</a:t>
             </a:fld>
             <a:endParaRPr lang="en-US"/>
           </a:p>
@@ -3861,7 +3861,7 @@
           <a:p>
             <a:fld id="{5FC588E6-FAC8-4CB8-904E-4C86C516A14A}" type="datetimeFigureOut">
               <a:rPr lang="en-US" smtClean="0"/>
-              <a:t>4/17/24</a:t>
+              <a:t>4/17/2024</a:t>
             </a:fld>
             <a:endParaRPr lang="en-US"/>
           </a:p>
@@ -4243,7 +4243,7 @@
           <a:p>
             <a:fld id="{5FC588E6-FAC8-4CB8-904E-4C86C516A14A}" type="datetimeFigureOut">
               <a:rPr lang="en-US" smtClean="0"/>
-              <a:t>4/17/24</a:t>
+              <a:t>4/17/2024</a:t>
             </a:fld>
             <a:endParaRPr lang="en-US"/>
           </a:p>
@@ -4530,7 +4530,7 @@
           <a:p>
             <a:fld id="{5FC588E6-FAC8-4CB8-904E-4C86C516A14A}" type="datetimeFigureOut">
               <a:rPr lang="en-US" smtClean="0"/>
-              <a:t>4/17/24</a:t>
+              <a:t>4/17/2024</a:t>
             </a:fld>
             <a:endParaRPr lang="en-US"/>
           </a:p>
@@ -5899,6 +5899,123 @@
           <p:cNvPr id="2" name="Title 1">
             <a:extLst>
               <a:ext uri="{FF2B5EF4-FFF2-40B4-BE49-F238E27FC236}">
+                <a16:creationId xmlns:a16="http://schemas.microsoft.com/office/drawing/2014/main" id="{016F59BD-C8A4-EC9F-85D4-AE9CE4C6AF48}"/>
+              </a:ext>
+            </a:extLst>
+          </p:cNvPr>
+          <p:cNvSpPr>
+            <a:spLocks noGrp="1"/>
+          </p:cNvSpPr>
+          <p:nvPr>
+            <p:ph type="title"/>
+          </p:nvPr>
+        </p:nvSpPr>
+        <p:spPr/>
+        <p:txBody>
+          <a:bodyPr/>
+          <a:lstStyle/>
+          <a:p>
+            <a:r>
+              <a:rPr lang="en-US" dirty="0"/>
+              <a:t>Data Cleaning: Understand your Data</a:t>
+            </a:r>
+          </a:p>
+        </p:txBody>
+      </p:sp>
+      <p:pic>
+        <p:nvPicPr>
+          <p:cNvPr id="12" name="Picture 11">
+            <a:extLst>
+              <a:ext uri="{FF2B5EF4-FFF2-40B4-BE49-F238E27FC236}">
+                <a16:creationId xmlns:a16="http://schemas.microsoft.com/office/drawing/2014/main" id="{BCB64EB5-EC51-4CF1-B408-D2479AF65C05}"/>
+              </a:ext>
+            </a:extLst>
+          </p:cNvPr>
+          <p:cNvPicPr>
+            <a:picLocks noChangeAspect="1"/>
+          </p:cNvPicPr>
+          <p:nvPr/>
+        </p:nvPicPr>
+        <p:blipFill>
+          <a:blip r:embed="rId3"/>
+          <a:stretch>
+            <a:fillRect/>
+          </a:stretch>
+        </p:blipFill>
+        <p:spPr>
+          <a:xfrm>
+            <a:off x="6462789" y="2531415"/>
+            <a:ext cx="4692891" cy="2521080"/>
+          </a:xfrm>
+          <a:prstGeom prst="rect">
+            <a:avLst/>
+          </a:prstGeom>
+        </p:spPr>
+      </p:pic>
+      <p:pic>
+        <p:nvPicPr>
+          <p:cNvPr id="20" name="Content Placeholder 19">
+            <a:extLst>
+              <a:ext uri="{FF2B5EF4-FFF2-40B4-BE49-F238E27FC236}">
+                <a16:creationId xmlns:a16="http://schemas.microsoft.com/office/drawing/2014/main" id="{5EE78047-18AA-42EE-2C9A-F6AE8DD0CDE5}"/>
+              </a:ext>
+            </a:extLst>
+          </p:cNvPr>
+          <p:cNvPicPr>
+            <a:picLocks noGrp="1" noChangeAspect="1"/>
+          </p:cNvPicPr>
+          <p:nvPr>
+            <p:ph sz="half" idx="1"/>
+          </p:nvPr>
+        </p:nvPicPr>
+        <p:blipFill>
+          <a:blip r:embed="rId4"/>
+          <a:stretch>
+            <a:fillRect/>
+          </a:stretch>
+        </p:blipFill>
+        <p:spPr>
+          <a:xfrm>
+            <a:off x="1149880" y="2531415"/>
+            <a:ext cx="4877051" cy="2521080"/>
+          </a:xfrm>
+        </p:spPr>
+      </p:pic>
+    </p:spTree>
+    <p:extLst>
+      <p:ext uri="{BB962C8B-B14F-4D97-AF65-F5344CB8AC3E}">
+        <p14:creationId xmlns:p14="http://schemas.microsoft.com/office/powerpoint/2010/main" val="810770557"/>
+      </p:ext>
+    </p:extLst>
+  </p:cSld>
+  <p:clrMapOvr>
+    <a:masterClrMapping/>
+  </p:clrMapOvr>
+</p:sld>
+</file>
+
+<file path=ppt/slides/slide6.xml><?xml version="1.0" encoding="utf-8"?>
+<p:sld xmlns:a="http://schemas.openxmlformats.org/drawingml/2006/main" xmlns:r="http://schemas.openxmlformats.org/officeDocument/2006/relationships" xmlns:p="http://schemas.openxmlformats.org/presentationml/2006/main">
+  <p:cSld>
+    <p:spTree>
+      <p:nvGrpSpPr>
+        <p:cNvPr id="1" name=""/>
+        <p:cNvGrpSpPr/>
+        <p:nvPr/>
+      </p:nvGrpSpPr>
+      <p:grpSpPr>
+        <a:xfrm>
+          <a:off x="0" y="0"/>
+          <a:ext cx="0" cy="0"/>
+          <a:chOff x="0" y="0"/>
+          <a:chExt cx="0" cy="0"/>
+        </a:xfrm>
+      </p:grpSpPr>
+      <p:sp>
+        <p:nvSpPr>
+          <p:cNvPr id="2" name="Title 1">
+            <a:extLst>
+              <a:ext uri="{FF2B5EF4-FFF2-40B4-BE49-F238E27FC236}">
                 <a16:creationId xmlns:a16="http://schemas.microsoft.com/office/drawing/2014/main" id="{D5C64DBD-7CC8-8DEB-D396-B7727E84647B}"/>
               </a:ext>
             </a:extLst>
@@ -6031,7 +6148,7 @@
 </p:sld>
 </file>
 
-<file path=ppt/slides/slide6.xml><?xml version="1.0" encoding="utf-8"?>
+<file path=ppt/slides/slide7.xml><?xml version="1.0" encoding="utf-8"?>
 <p:sld xmlns:a="http://schemas.openxmlformats.org/drawingml/2006/main" xmlns:r="http://schemas.openxmlformats.org/officeDocument/2006/relationships" xmlns:p="http://schemas.openxmlformats.org/presentationml/2006/main">
   <p:cSld>
     <p:spTree>
@@ -6146,151 +6263,6 @@
     <p:extLst>
       <p:ext uri="{BB962C8B-B14F-4D97-AF65-F5344CB8AC3E}">
         <p14:creationId xmlns:p14="http://schemas.microsoft.com/office/powerpoint/2010/main" val="431162547"/>
-      </p:ext>
-    </p:extLst>
-  </p:cSld>
-  <p:clrMapOvr>
-    <a:masterClrMapping/>
-  </p:clrMapOvr>
-</p:sld>
-</file>
-
-<file path=ppt/slides/slide7.xml><?xml version="1.0" encoding="utf-8"?>
-<p:sld xmlns:a="http://schemas.openxmlformats.org/drawingml/2006/main" xmlns:r="http://schemas.openxmlformats.org/officeDocument/2006/relationships" xmlns:p="http://schemas.openxmlformats.org/presentationml/2006/main">
-  <p:cSld>
-    <p:spTree>
-      <p:nvGrpSpPr>
-        <p:cNvPr id="1" name=""/>
-        <p:cNvGrpSpPr/>
-        <p:nvPr/>
-      </p:nvGrpSpPr>
-      <p:grpSpPr>
-        <a:xfrm>
-          <a:off x="0" y="0"/>
-          <a:ext cx="0" cy="0"/>
-          <a:chOff x="0" y="0"/>
-          <a:chExt cx="0" cy="0"/>
-        </a:xfrm>
-      </p:grpSpPr>
-      <p:sp>
-        <p:nvSpPr>
-          <p:cNvPr id="2" name="Title 1">
-            <a:extLst>
-              <a:ext uri="{FF2B5EF4-FFF2-40B4-BE49-F238E27FC236}">
-                <a16:creationId xmlns:a16="http://schemas.microsoft.com/office/drawing/2014/main" id="{016F59BD-C8A4-EC9F-85D4-AE9CE4C6AF48}"/>
-              </a:ext>
-            </a:extLst>
-          </p:cNvPr>
-          <p:cNvSpPr>
-            <a:spLocks noGrp="1"/>
-          </p:cNvSpPr>
-          <p:nvPr>
-            <p:ph type="title"/>
-          </p:nvPr>
-        </p:nvSpPr>
-        <p:spPr/>
-        <p:txBody>
-          <a:bodyPr/>
-          <a:lstStyle/>
-          <a:p>
-            <a:r>
-              <a:rPr lang="en-US" dirty="0"/>
-              <a:t>Data Cleaning: Understand your Data</a:t>
-            </a:r>
-          </a:p>
-        </p:txBody>
-      </p:sp>
-      <p:sp>
-        <p:nvSpPr>
-          <p:cNvPr id="10" name="Content Placeholder 9">
-            <a:extLst>
-              <a:ext uri="{FF2B5EF4-FFF2-40B4-BE49-F238E27FC236}">
-                <a16:creationId xmlns:a16="http://schemas.microsoft.com/office/drawing/2014/main" id="{0855E508-F98E-75C6-2F93-FC1223632467}"/>
-              </a:ext>
-            </a:extLst>
-          </p:cNvPr>
-          <p:cNvSpPr>
-            <a:spLocks noGrp="1"/>
-          </p:cNvSpPr>
-          <p:nvPr>
-            <p:ph sz="half" idx="2"/>
-          </p:nvPr>
-        </p:nvSpPr>
-        <p:spPr/>
-        <p:txBody>
-          <a:bodyPr/>
-          <a:lstStyle/>
-          <a:p>
-            <a:pPr marL="0" indent="0">
-              <a:buNone/>
-            </a:pPr>
-            <a:endParaRPr lang="en-US" dirty="0"/>
-          </a:p>
-        </p:txBody>
-      </p:sp>
-      <p:pic>
-        <p:nvPicPr>
-          <p:cNvPr id="12" name="Picture 11">
-            <a:extLst>
-              <a:ext uri="{FF2B5EF4-FFF2-40B4-BE49-F238E27FC236}">
-                <a16:creationId xmlns:a16="http://schemas.microsoft.com/office/drawing/2014/main" id="{BCB64EB5-EC51-4CF1-B408-D2479AF65C05}"/>
-              </a:ext>
-            </a:extLst>
-          </p:cNvPr>
-          <p:cNvPicPr>
-            <a:picLocks noChangeAspect="1"/>
-          </p:cNvPicPr>
-          <p:nvPr/>
-        </p:nvPicPr>
-        <p:blipFill>
-          <a:blip r:embed="rId3"/>
-          <a:stretch>
-            <a:fillRect/>
-          </a:stretch>
-        </p:blipFill>
-        <p:spPr>
-          <a:xfrm>
-            <a:off x="6462789" y="2531415"/>
-            <a:ext cx="4692891" cy="2521080"/>
-          </a:xfrm>
-          <a:prstGeom prst="rect">
-            <a:avLst/>
-          </a:prstGeom>
-        </p:spPr>
-      </p:pic>
-      <p:pic>
-        <p:nvPicPr>
-          <p:cNvPr id="20" name="Content Placeholder 19">
-            <a:extLst>
-              <a:ext uri="{FF2B5EF4-FFF2-40B4-BE49-F238E27FC236}">
-                <a16:creationId xmlns:a16="http://schemas.microsoft.com/office/drawing/2014/main" id="{5EE78047-18AA-42EE-2C9A-F6AE8DD0CDE5}"/>
-              </a:ext>
-            </a:extLst>
-          </p:cNvPr>
-          <p:cNvPicPr>
-            <a:picLocks noGrp="1" noChangeAspect="1"/>
-          </p:cNvPicPr>
-          <p:nvPr>
-            <p:ph sz="half" idx="1"/>
-          </p:nvPr>
-        </p:nvPicPr>
-        <p:blipFill>
-          <a:blip r:embed="rId4"/>
-          <a:stretch>
-            <a:fillRect/>
-          </a:stretch>
-        </p:blipFill>
-        <p:spPr>
-          <a:xfrm>
-            <a:off x="1127793" y="2609786"/>
-            <a:ext cx="4877051" cy="2495678"/>
-          </a:xfrm>
-        </p:spPr>
-      </p:pic>
-    </p:spTree>
-    <p:extLst>
-      <p:ext uri="{BB962C8B-B14F-4D97-AF65-F5344CB8AC3E}">
-        <p14:creationId xmlns:p14="http://schemas.microsoft.com/office/powerpoint/2010/main" val="810770557"/>
       </p:ext>
     </p:extLst>
   </p:cSld>

--- a/Airline_OnTime_performance_Stats.pptx
+++ b/Airline_OnTime_performance_Stats.pptx
@@ -5,7 +5,7 @@
     <p:sldMasterId id="2147483689" r:id="rId1"/>
   </p:sldMasterIdLst>
   <p:notesMasterIdLst>
-    <p:notesMasterId r:id="rId11"/>
+    <p:notesMasterId r:id="rId14"/>
   </p:notesMasterIdLst>
   <p:sldIdLst>
     <p:sldId id="256" r:id="rId2"/>
@@ -17,6 +17,9 @@
     <p:sldId id="260" r:id="rId8"/>
     <p:sldId id="263" r:id="rId9"/>
     <p:sldId id="264" r:id="rId10"/>
+    <p:sldId id="265" r:id="rId11"/>
+    <p:sldId id="266" r:id="rId12"/>
+    <p:sldId id="267" r:id="rId13"/>
   </p:sldIdLst>
   <p:sldSz cx="12192000" cy="6858000"/>
   <p:notesSz cx="6858000" cy="9144000"/>
@@ -205,7 +208,7 @@
           <a:p>
             <a:fld id="{46609D4D-7D39-4F2B-9313-3332C0AD795B}" type="datetimeFigureOut">
               <a:rPr lang="en-US" smtClean="0"/>
-              <a:t>4/17/2024</a:t>
+              <a:t>4/17/24</a:t>
             </a:fld>
             <a:endParaRPr lang="en-US"/>
           </a:p>
@@ -1357,6 +1360,174 @@
 </p:notes>
 </file>
 
+<file path=ppt/notesSlides/notesSlide7.xml><?xml version="1.0" encoding="utf-8"?>
+<p:notes xmlns:a="http://schemas.openxmlformats.org/drawingml/2006/main" xmlns:r="http://schemas.openxmlformats.org/officeDocument/2006/relationships" xmlns:p="http://schemas.openxmlformats.org/presentationml/2006/main">
+  <p:cSld>
+    <p:spTree>
+      <p:nvGrpSpPr>
+        <p:cNvPr id="1" name=""/>
+        <p:cNvGrpSpPr/>
+        <p:nvPr/>
+      </p:nvGrpSpPr>
+      <p:grpSpPr>
+        <a:xfrm>
+          <a:off x="0" y="0"/>
+          <a:ext cx="0" cy="0"/>
+          <a:chOff x="0" y="0"/>
+          <a:chExt cx="0" cy="0"/>
+        </a:xfrm>
+      </p:grpSpPr>
+      <p:sp>
+        <p:nvSpPr>
+          <p:cNvPr id="2" name="Slide Image Placeholder 1"/>
+          <p:cNvSpPr>
+            <a:spLocks noGrp="1" noRot="1" noChangeAspect="1"/>
+          </p:cNvSpPr>
+          <p:nvPr>
+            <p:ph type="sldImg"/>
+          </p:nvPr>
+        </p:nvSpPr>
+        <p:spPr/>
+      </p:sp>
+      <p:sp>
+        <p:nvSpPr>
+          <p:cNvPr id="3" name="Notes Placeholder 2"/>
+          <p:cNvSpPr>
+            <a:spLocks noGrp="1"/>
+          </p:cNvSpPr>
+          <p:nvPr>
+            <p:ph type="body" idx="1"/>
+          </p:nvPr>
+        </p:nvSpPr>
+        <p:spPr/>
+        <p:txBody>
+          <a:bodyPr/>
+          <a:lstStyle/>
+          <a:p>
+            <a:endParaRPr lang="en-US" dirty="0"/>
+          </a:p>
+        </p:txBody>
+      </p:sp>
+      <p:sp>
+        <p:nvSpPr>
+          <p:cNvPr id="4" name="Slide Number Placeholder 3"/>
+          <p:cNvSpPr>
+            <a:spLocks noGrp="1"/>
+          </p:cNvSpPr>
+          <p:nvPr>
+            <p:ph type="sldNum" sz="quarter" idx="5"/>
+          </p:nvPr>
+        </p:nvSpPr>
+        <p:spPr/>
+        <p:txBody>
+          <a:bodyPr/>
+          <a:lstStyle/>
+          <a:p>
+            <a:fld id="{2A82BF32-25B9-4CFB-82AF-946389DD5021}" type="slidenum">
+              <a:rPr lang="en-US" smtClean="0"/>
+              <a:t>10</a:t>
+            </a:fld>
+            <a:endParaRPr lang="en-US"/>
+          </a:p>
+        </p:txBody>
+      </p:sp>
+    </p:spTree>
+    <p:extLst>
+      <p:ext uri="{BB962C8B-B14F-4D97-AF65-F5344CB8AC3E}">
+        <p14:creationId xmlns:p14="http://schemas.microsoft.com/office/powerpoint/2010/main" val="627356223"/>
+      </p:ext>
+    </p:extLst>
+  </p:cSld>
+  <p:clrMapOvr>
+    <a:masterClrMapping/>
+  </p:clrMapOvr>
+</p:notes>
+</file>
+
+<file path=ppt/notesSlides/notesSlide8.xml><?xml version="1.0" encoding="utf-8"?>
+<p:notes xmlns:a="http://schemas.openxmlformats.org/drawingml/2006/main" xmlns:r="http://schemas.openxmlformats.org/officeDocument/2006/relationships" xmlns:p="http://schemas.openxmlformats.org/presentationml/2006/main">
+  <p:cSld>
+    <p:spTree>
+      <p:nvGrpSpPr>
+        <p:cNvPr id="1" name=""/>
+        <p:cNvGrpSpPr/>
+        <p:nvPr/>
+      </p:nvGrpSpPr>
+      <p:grpSpPr>
+        <a:xfrm>
+          <a:off x="0" y="0"/>
+          <a:ext cx="0" cy="0"/>
+          <a:chOff x="0" y="0"/>
+          <a:chExt cx="0" cy="0"/>
+        </a:xfrm>
+      </p:grpSpPr>
+      <p:sp>
+        <p:nvSpPr>
+          <p:cNvPr id="2" name="Slide Image Placeholder 1"/>
+          <p:cNvSpPr>
+            <a:spLocks noGrp="1" noRot="1" noChangeAspect="1"/>
+          </p:cNvSpPr>
+          <p:nvPr>
+            <p:ph type="sldImg"/>
+          </p:nvPr>
+        </p:nvSpPr>
+        <p:spPr/>
+      </p:sp>
+      <p:sp>
+        <p:nvSpPr>
+          <p:cNvPr id="3" name="Notes Placeholder 2"/>
+          <p:cNvSpPr>
+            <a:spLocks noGrp="1"/>
+          </p:cNvSpPr>
+          <p:nvPr>
+            <p:ph type="body" idx="1"/>
+          </p:nvPr>
+        </p:nvSpPr>
+        <p:spPr/>
+        <p:txBody>
+          <a:bodyPr/>
+          <a:lstStyle/>
+          <a:p>
+            <a:endParaRPr lang="en-US" dirty="0"/>
+          </a:p>
+        </p:txBody>
+      </p:sp>
+      <p:sp>
+        <p:nvSpPr>
+          <p:cNvPr id="4" name="Slide Number Placeholder 3"/>
+          <p:cNvSpPr>
+            <a:spLocks noGrp="1"/>
+          </p:cNvSpPr>
+          <p:nvPr>
+            <p:ph type="sldNum" sz="quarter" idx="5"/>
+          </p:nvPr>
+        </p:nvSpPr>
+        <p:spPr/>
+        <p:txBody>
+          <a:bodyPr/>
+          <a:lstStyle/>
+          <a:p>
+            <a:fld id="{2A82BF32-25B9-4CFB-82AF-946389DD5021}" type="slidenum">
+              <a:rPr lang="en-US" smtClean="0"/>
+              <a:t>11</a:t>
+            </a:fld>
+            <a:endParaRPr lang="en-US"/>
+          </a:p>
+        </p:txBody>
+      </p:sp>
+    </p:spTree>
+    <p:extLst>
+      <p:ext uri="{BB962C8B-B14F-4D97-AF65-F5344CB8AC3E}">
+        <p14:creationId xmlns:p14="http://schemas.microsoft.com/office/powerpoint/2010/main" val="2339450123"/>
+      </p:ext>
+    </p:extLst>
+  </p:cSld>
+  <p:clrMapOvr>
+    <a:masterClrMapping/>
+  </p:clrMapOvr>
+</p:notes>
+</file>
+
 <file path=ppt/slideLayouts/slideLayout1.xml><?xml version="1.0" encoding="utf-8"?>
 <p:sldLayout xmlns:a="http://schemas.openxmlformats.org/drawingml/2006/main" xmlns:r="http://schemas.openxmlformats.org/officeDocument/2006/relationships" xmlns:p="http://schemas.openxmlformats.org/presentationml/2006/main" showMasterSp="0" type="title" preserve="1">
   <p:cSld name="Title Slide">
@@ -1583,7 +1754,7 @@
           <a:p>
             <a:fld id="{5FC588E6-FAC8-4CB8-904E-4C86C516A14A}" type="datetimeFigureOut">
               <a:rPr lang="en-US" smtClean="0"/>
-              <a:t>4/17/2024</a:t>
+              <a:t>4/17/24</a:t>
             </a:fld>
             <a:endParaRPr lang="en-US"/>
           </a:p>
@@ -1791,7 +1962,7 @@
           <a:p>
             <a:fld id="{5FC588E6-FAC8-4CB8-904E-4C86C516A14A}" type="datetimeFigureOut">
               <a:rPr lang="en-US" smtClean="0"/>
-              <a:t>4/17/2024</a:t>
+              <a:t>4/17/24</a:t>
             </a:fld>
             <a:endParaRPr lang="en-US"/>
           </a:p>
@@ -2047,7 +2218,7 @@
           <a:p>
             <a:fld id="{5FC588E6-FAC8-4CB8-904E-4C86C516A14A}" type="datetimeFigureOut">
               <a:rPr lang="en-US" smtClean="0"/>
-              <a:t>4/17/2024</a:t>
+              <a:t>4/17/24</a:t>
             </a:fld>
             <a:endParaRPr lang="en-US"/>
           </a:p>
@@ -2221,7 +2392,7 @@
           <a:p>
             <a:fld id="{5FC588E6-FAC8-4CB8-904E-4C86C516A14A}" type="datetimeFigureOut">
               <a:rPr lang="en-US" smtClean="0"/>
-              <a:t>4/17/2024</a:t>
+              <a:t>4/17/24</a:t>
             </a:fld>
             <a:endParaRPr lang="en-US"/>
           </a:p>
@@ -2564,7 +2735,7 @@
           <a:p>
             <a:fld id="{5FC588E6-FAC8-4CB8-904E-4C86C516A14A}" type="datetimeFigureOut">
               <a:rPr lang="en-US" smtClean="0"/>
-              <a:t>4/17/2024</a:t>
+              <a:t>4/17/24</a:t>
             </a:fld>
             <a:endParaRPr lang="en-US"/>
           </a:p>
@@ -2839,7 +3010,7 @@
           <a:p>
             <a:fld id="{5FC588E6-FAC8-4CB8-904E-4C86C516A14A}" type="datetimeFigureOut">
               <a:rPr lang="en-US" smtClean="0"/>
-              <a:t>4/17/2024</a:t>
+              <a:t>4/17/24</a:t>
             </a:fld>
             <a:endParaRPr lang="en-US"/>
           </a:p>
@@ -3218,7 +3389,7 @@
           <a:p>
             <a:fld id="{5FC588E6-FAC8-4CB8-904E-4C86C516A14A}" type="datetimeFigureOut">
               <a:rPr lang="en-US" smtClean="0"/>
-              <a:t>4/17/2024</a:t>
+              <a:t>4/17/24</a:t>
             </a:fld>
             <a:endParaRPr lang="en-US"/>
           </a:p>
@@ -3336,7 +3507,7 @@
           <a:p>
             <a:fld id="{5FC588E6-FAC8-4CB8-904E-4C86C516A14A}" type="datetimeFigureOut">
               <a:rPr lang="en-US" smtClean="0"/>
-              <a:t>4/17/2024</a:t>
+              <a:t>4/17/24</a:t>
             </a:fld>
             <a:endParaRPr lang="en-US"/>
           </a:p>
@@ -3507,7 +3678,7 @@
           <a:p>
             <a:fld id="{5FC588E6-FAC8-4CB8-904E-4C86C516A14A}" type="datetimeFigureOut">
               <a:rPr lang="en-US" smtClean="0"/>
-              <a:t>4/17/2024</a:t>
+              <a:t>4/17/24</a:t>
             </a:fld>
             <a:endParaRPr lang="en-US"/>
           </a:p>
@@ -3861,7 +4032,7 @@
           <a:p>
             <a:fld id="{5FC588E6-FAC8-4CB8-904E-4C86C516A14A}" type="datetimeFigureOut">
               <a:rPr lang="en-US" smtClean="0"/>
-              <a:t>4/17/2024</a:t>
+              <a:t>4/17/24</a:t>
             </a:fld>
             <a:endParaRPr lang="en-US"/>
           </a:p>
@@ -4243,7 +4414,7 @@
           <a:p>
             <a:fld id="{5FC588E6-FAC8-4CB8-904E-4C86C516A14A}" type="datetimeFigureOut">
               <a:rPr lang="en-US" smtClean="0"/>
-              <a:t>4/17/2024</a:t>
+              <a:t>4/17/24</a:t>
             </a:fld>
             <a:endParaRPr lang="en-US"/>
           </a:p>
@@ -4530,7 +4701,7 @@
           <a:p>
             <a:fld id="{5FC588E6-FAC8-4CB8-904E-4C86C516A14A}" type="datetimeFigureOut">
               <a:rPr lang="en-US" smtClean="0"/>
-              <a:t>4/17/2024</a:t>
+              <a:t>4/17/24</a:t>
             </a:fld>
             <a:endParaRPr lang="en-US"/>
           </a:p>
@@ -5129,6 +5300,469 @@
 </p:sld>
 </file>
 
+<file path=ppt/slides/slide10.xml><?xml version="1.0" encoding="utf-8"?>
+<p:sld xmlns:a="http://schemas.openxmlformats.org/drawingml/2006/main" xmlns:r="http://schemas.openxmlformats.org/officeDocument/2006/relationships" xmlns:p="http://schemas.openxmlformats.org/presentationml/2006/main">
+  <p:cSld>
+    <p:spTree>
+      <p:nvGrpSpPr>
+        <p:cNvPr id="1" name=""/>
+        <p:cNvGrpSpPr/>
+        <p:nvPr/>
+      </p:nvGrpSpPr>
+      <p:grpSpPr>
+        <a:xfrm>
+          <a:off x="0" y="0"/>
+          <a:ext cx="0" cy="0"/>
+          <a:chOff x="0" y="0"/>
+          <a:chExt cx="0" cy="0"/>
+        </a:xfrm>
+      </p:grpSpPr>
+      <p:sp>
+        <p:nvSpPr>
+          <p:cNvPr id="2" name="Title 1">
+            <a:extLst>
+              <a:ext uri="{FF2B5EF4-FFF2-40B4-BE49-F238E27FC236}">
+                <a16:creationId xmlns:a16="http://schemas.microsoft.com/office/drawing/2014/main" id="{662FDF6F-C0F4-A1B9-D0B3-816A04FE52FB}"/>
+              </a:ext>
+            </a:extLst>
+          </p:cNvPr>
+          <p:cNvSpPr>
+            <a:spLocks noGrp="1"/>
+          </p:cNvSpPr>
+          <p:nvPr>
+            <p:ph type="title"/>
+          </p:nvPr>
+        </p:nvSpPr>
+        <p:spPr/>
+        <p:txBody>
+          <a:bodyPr/>
+          <a:lstStyle/>
+          <a:p>
+            <a:pPr algn="ctr"/>
+            <a:r>
+              <a:rPr lang="en-US" dirty="0"/>
+              <a:t>What Next?</a:t>
+            </a:r>
+          </a:p>
+        </p:txBody>
+      </p:sp>
+      <p:pic>
+        <p:nvPicPr>
+          <p:cNvPr id="14" name="Picture 13">
+            <a:extLst>
+              <a:ext uri="{FF2B5EF4-FFF2-40B4-BE49-F238E27FC236}">
+                <a16:creationId xmlns:a16="http://schemas.microsoft.com/office/drawing/2014/main" id="{A21652F9-72F9-5A18-3E1D-33B429FD77BB}"/>
+              </a:ext>
+            </a:extLst>
+          </p:cNvPr>
+          <p:cNvPicPr>
+            <a:picLocks noChangeAspect="1"/>
+          </p:cNvPicPr>
+          <p:nvPr/>
+        </p:nvPicPr>
+        <p:blipFill>
+          <a:blip r:embed="rId3">
+            <a:extLst>
+              <a:ext uri="{28A0092B-C50C-407E-A947-70E740481C1C}">
+                <a14:useLocalDpi xmlns:a14="http://schemas.microsoft.com/office/drawing/2010/main" val="0"/>
+              </a:ext>
+            </a:extLst>
+          </a:blip>
+          <a:stretch>
+            <a:fillRect/>
+          </a:stretch>
+        </p:blipFill>
+        <p:spPr>
+          <a:xfrm>
+            <a:off x="1215010" y="3137705"/>
+            <a:ext cx="8786829" cy="1901186"/>
+          </a:xfrm>
+          <a:prstGeom prst="rect">
+            <a:avLst/>
+          </a:prstGeom>
+        </p:spPr>
+      </p:pic>
+      <p:pic>
+        <p:nvPicPr>
+          <p:cNvPr id="24" name="Picture 23">
+            <a:extLst>
+              <a:ext uri="{FF2B5EF4-FFF2-40B4-BE49-F238E27FC236}">
+                <a16:creationId xmlns:a16="http://schemas.microsoft.com/office/drawing/2014/main" id="{E85B8A07-6BE6-4532-7B68-CE896B243242}"/>
+              </a:ext>
+            </a:extLst>
+          </p:cNvPr>
+          <p:cNvPicPr>
+            <a:picLocks noChangeAspect="1"/>
+          </p:cNvPicPr>
+          <p:nvPr/>
+        </p:nvPicPr>
+        <p:blipFill>
+          <a:blip r:embed="rId4">
+            <a:extLst>
+              <a:ext uri="{28A0092B-C50C-407E-A947-70E740481C1C}">
+                <a14:useLocalDpi xmlns:a14="http://schemas.microsoft.com/office/drawing/2010/main" val="0"/>
+              </a:ext>
+            </a:extLst>
+          </a:blip>
+          <a:stretch>
+            <a:fillRect/>
+          </a:stretch>
+        </p:blipFill>
+        <p:spPr>
+          <a:xfrm>
+            <a:off x="1722224" y="5122186"/>
+            <a:ext cx="7772400" cy="964922"/>
+          </a:xfrm>
+          <a:prstGeom prst="rect">
+            <a:avLst/>
+          </a:prstGeom>
+        </p:spPr>
+      </p:pic>
+      <p:pic>
+        <p:nvPicPr>
+          <p:cNvPr id="28" name="Picture 27">
+            <a:extLst>
+              <a:ext uri="{FF2B5EF4-FFF2-40B4-BE49-F238E27FC236}">
+                <a16:creationId xmlns:a16="http://schemas.microsoft.com/office/drawing/2014/main" id="{96D98A43-0EFB-136B-F87B-C584F844214C}"/>
+              </a:ext>
+            </a:extLst>
+          </p:cNvPr>
+          <p:cNvPicPr>
+            <a:picLocks noChangeAspect="1"/>
+          </p:cNvPicPr>
+          <p:nvPr/>
+        </p:nvPicPr>
+        <p:blipFill>
+          <a:blip r:embed="rId5">
+            <a:extLst>
+              <a:ext uri="{28A0092B-C50C-407E-A947-70E740481C1C}">
+                <a14:useLocalDpi xmlns:a14="http://schemas.microsoft.com/office/drawing/2010/main" val="0"/>
+              </a:ext>
+            </a:extLst>
+          </a:blip>
+          <a:stretch>
+            <a:fillRect/>
+          </a:stretch>
+        </p:blipFill>
+        <p:spPr>
+          <a:xfrm>
+            <a:off x="3716124" y="1911410"/>
+            <a:ext cx="3784600" cy="1143000"/>
+          </a:xfrm>
+          <a:prstGeom prst="rect">
+            <a:avLst/>
+          </a:prstGeom>
+        </p:spPr>
+      </p:pic>
+    </p:spTree>
+    <p:extLst>
+      <p:ext uri="{BB962C8B-B14F-4D97-AF65-F5344CB8AC3E}">
+        <p14:creationId xmlns:p14="http://schemas.microsoft.com/office/powerpoint/2010/main" val="1156726746"/>
+      </p:ext>
+    </p:extLst>
+  </p:cSld>
+  <p:clrMapOvr>
+    <a:masterClrMapping/>
+  </p:clrMapOvr>
+</p:sld>
+</file>
+
+<file path=ppt/slides/slide11.xml><?xml version="1.0" encoding="utf-8"?>
+<p:sld xmlns:a="http://schemas.openxmlformats.org/drawingml/2006/main" xmlns:r="http://schemas.openxmlformats.org/officeDocument/2006/relationships" xmlns:p="http://schemas.openxmlformats.org/presentationml/2006/main">
+  <p:cSld>
+    <p:spTree>
+      <p:nvGrpSpPr>
+        <p:cNvPr id="1" name=""/>
+        <p:cNvGrpSpPr/>
+        <p:nvPr/>
+      </p:nvGrpSpPr>
+      <p:grpSpPr>
+        <a:xfrm>
+          <a:off x="0" y="0"/>
+          <a:ext cx="0" cy="0"/>
+          <a:chOff x="0" y="0"/>
+          <a:chExt cx="0" cy="0"/>
+        </a:xfrm>
+      </p:grpSpPr>
+      <p:sp>
+        <p:nvSpPr>
+          <p:cNvPr id="2" name="Title 1">
+            <a:extLst>
+              <a:ext uri="{FF2B5EF4-FFF2-40B4-BE49-F238E27FC236}">
+                <a16:creationId xmlns:a16="http://schemas.microsoft.com/office/drawing/2014/main" id="{24A6F32C-42C6-CFA2-42A4-D0E53FDFFE48}"/>
+              </a:ext>
+            </a:extLst>
+          </p:cNvPr>
+          <p:cNvSpPr>
+            <a:spLocks noGrp="1"/>
+          </p:cNvSpPr>
+          <p:nvPr>
+            <p:ph type="title"/>
+          </p:nvPr>
+        </p:nvSpPr>
+        <p:spPr/>
+        <p:txBody>
+          <a:bodyPr/>
+          <a:lstStyle/>
+          <a:p>
+            <a:pPr algn="ctr"/>
+            <a:r>
+              <a:rPr lang="en-US" dirty="0"/>
+              <a:t>The Final Seaborn Result</a:t>
+            </a:r>
+          </a:p>
+        </p:txBody>
+      </p:sp>
+      <p:pic>
+        <p:nvPicPr>
+          <p:cNvPr id="9" name="Picture 8">
+            <a:extLst>
+              <a:ext uri="{FF2B5EF4-FFF2-40B4-BE49-F238E27FC236}">
+                <a16:creationId xmlns:a16="http://schemas.microsoft.com/office/drawing/2014/main" id="{9B124623-DF95-9D7A-D46C-7699F4513B0F}"/>
+              </a:ext>
+            </a:extLst>
+          </p:cNvPr>
+          <p:cNvPicPr>
+            <a:picLocks noChangeAspect="1"/>
+          </p:cNvPicPr>
+          <p:nvPr/>
+        </p:nvPicPr>
+        <p:blipFill>
+          <a:blip r:embed="rId3">
+            <a:extLst>
+              <a:ext uri="{28A0092B-C50C-407E-A947-70E740481C1C}">
+                <a14:useLocalDpi xmlns:a14="http://schemas.microsoft.com/office/drawing/2010/main" val="0"/>
+              </a:ext>
+            </a:extLst>
+          </a:blip>
+          <a:stretch>
+            <a:fillRect/>
+          </a:stretch>
+        </p:blipFill>
+        <p:spPr>
+          <a:xfrm>
+            <a:off x="3567332" y="1977958"/>
+            <a:ext cx="5199596" cy="4115055"/>
+          </a:xfrm>
+          <a:prstGeom prst="rect">
+            <a:avLst/>
+          </a:prstGeom>
+        </p:spPr>
+      </p:pic>
+    </p:spTree>
+    <p:extLst>
+      <p:ext uri="{BB962C8B-B14F-4D97-AF65-F5344CB8AC3E}">
+        <p14:creationId xmlns:p14="http://schemas.microsoft.com/office/powerpoint/2010/main" val="2901949403"/>
+      </p:ext>
+    </p:extLst>
+  </p:cSld>
+  <p:clrMapOvr>
+    <a:masterClrMapping/>
+  </p:clrMapOvr>
+</p:sld>
+</file>
+
+<file path=ppt/slides/slide12.xml><?xml version="1.0" encoding="utf-8"?>
+<p:sld xmlns:a="http://schemas.openxmlformats.org/drawingml/2006/main" xmlns:r="http://schemas.openxmlformats.org/officeDocument/2006/relationships" xmlns:p="http://schemas.openxmlformats.org/presentationml/2006/main">
+  <p:cSld>
+    <p:spTree>
+      <p:nvGrpSpPr>
+        <p:cNvPr id="1" name=""/>
+        <p:cNvGrpSpPr/>
+        <p:nvPr/>
+      </p:nvGrpSpPr>
+      <p:grpSpPr>
+        <a:xfrm>
+          <a:off x="0" y="0"/>
+          <a:ext cx="0" cy="0"/>
+          <a:chOff x="0" y="0"/>
+          <a:chExt cx="0" cy="0"/>
+        </a:xfrm>
+      </p:grpSpPr>
+      <p:sp>
+        <p:nvSpPr>
+          <p:cNvPr id="2" name="Title 1">
+            <a:extLst>
+              <a:ext uri="{FF2B5EF4-FFF2-40B4-BE49-F238E27FC236}">
+                <a16:creationId xmlns:a16="http://schemas.microsoft.com/office/drawing/2014/main" id="{1072FE05-4DC7-7073-9EFE-670EF5A22337}"/>
+              </a:ext>
+            </a:extLst>
+          </p:cNvPr>
+          <p:cNvSpPr>
+            <a:spLocks noGrp="1"/>
+          </p:cNvSpPr>
+          <p:nvPr>
+            <p:ph type="title"/>
+          </p:nvPr>
+        </p:nvSpPr>
+        <p:spPr/>
+        <p:txBody>
+          <a:bodyPr/>
+          <a:lstStyle/>
+          <a:p>
+            <a:r>
+              <a:rPr lang="en-US" dirty="0"/>
+              <a:t>References</a:t>
+            </a:r>
+          </a:p>
+        </p:txBody>
+      </p:sp>
+      <p:sp>
+        <p:nvSpPr>
+          <p:cNvPr id="3" name="Content Placeholder 2">
+            <a:extLst>
+              <a:ext uri="{FF2B5EF4-FFF2-40B4-BE49-F238E27FC236}">
+                <a16:creationId xmlns:a16="http://schemas.microsoft.com/office/drawing/2014/main" id="{F4564E70-6FD8-1C04-B22F-D9D30730FB2F}"/>
+              </a:ext>
+            </a:extLst>
+          </p:cNvPr>
+          <p:cNvSpPr>
+            <a:spLocks noGrp="1"/>
+          </p:cNvSpPr>
+          <p:nvPr>
+            <p:ph sz="half" idx="1"/>
+          </p:nvPr>
+        </p:nvSpPr>
+        <p:spPr>
+          <a:xfrm>
+            <a:off x="1097279" y="1845734"/>
+            <a:ext cx="10233740" cy="3197606"/>
+          </a:xfrm>
+        </p:spPr>
+        <p:txBody>
+          <a:bodyPr>
+            <a:normAutofit/>
+          </a:bodyPr>
+          <a:lstStyle/>
+          <a:p>
+            <a:r>
+              <a:rPr lang="en-US" dirty="0"/>
+              <a:t>1. Dataset: </a:t>
+            </a:r>
+            <a:r>
+              <a:rPr lang="en-US" dirty="0">
+                <a:hlinkClick r:id="rId2"/>
+              </a:rPr>
+              <a:t>https://</a:t>
+            </a:r>
+            <a:r>
+              <a:rPr lang="en-US" dirty="0" err="1">
+                <a:hlinkClick r:id="rId2"/>
+              </a:rPr>
+              <a:t>data.world</a:t>
+            </a:r>
+            <a:r>
+              <a:rPr lang="en-US" dirty="0">
+                <a:hlinkClick r:id="rId2"/>
+              </a:rPr>
+              <a:t>/dot/airline-on-time-performance-statistics</a:t>
+            </a:r>
+            <a:endParaRPr lang="en-US" dirty="0"/>
+          </a:p>
+          <a:p>
+            <a:r>
+              <a:rPr lang="en-US" dirty="0"/>
+              <a:t>2. Dataset Definitions: </a:t>
+            </a:r>
+            <a:r>
+              <a:rPr lang="en-US" dirty="0">
+                <a:hlinkClick r:id="rId3"/>
+              </a:rPr>
+              <a:t>https://</a:t>
+            </a:r>
+            <a:r>
+              <a:rPr lang="en-US" dirty="0" err="1">
+                <a:hlinkClick r:id="rId3"/>
+              </a:rPr>
+              <a:t>www.transtats.bts.gov</a:t>
+            </a:r>
+            <a:r>
+              <a:rPr lang="en-US" dirty="0">
+                <a:hlinkClick r:id="rId3"/>
+              </a:rPr>
+              <a:t>/</a:t>
+            </a:r>
+            <a:r>
+              <a:rPr lang="en-US" dirty="0" err="1">
+                <a:hlinkClick r:id="rId3"/>
+              </a:rPr>
+              <a:t>DatabaseInfo.asp?QO_VQ</a:t>
+            </a:r>
+            <a:r>
+              <a:rPr lang="en-US" dirty="0">
+                <a:hlinkClick r:id="rId3"/>
+              </a:rPr>
+              <a:t>=EFD&amp;Yv0x=D</a:t>
+            </a:r>
+            <a:endParaRPr lang="en-US" dirty="0"/>
+          </a:p>
+          <a:p>
+            <a:r>
+              <a:rPr lang="en-US" dirty="0"/>
+              <a:t>3. Reset index for </a:t>
+            </a:r>
+            <a:r>
+              <a:rPr lang="en-US" dirty="0" err="1"/>
+              <a:t>DataFrame</a:t>
+            </a:r>
+            <a:r>
+              <a:rPr lang="en-US" dirty="0"/>
+              <a:t>: </a:t>
+            </a:r>
+            <a:r>
+              <a:rPr lang="en-US" dirty="0">
+                <a:hlinkClick r:id="rId4"/>
+              </a:rPr>
+              <a:t>https://stackoverflow.com/questions/20167930/start-index-at-1-for-pandas-dataframe</a:t>
+            </a:r>
+            <a:endParaRPr lang="en-US" dirty="0"/>
+          </a:p>
+          <a:p>
+            <a:r>
+              <a:rPr lang="en-US" dirty="0"/>
+              <a:t>4. Seaborn Documentation: </a:t>
+            </a:r>
+            <a:r>
+              <a:rPr lang="en-US" dirty="0">
+                <a:hlinkClick r:id="rId5"/>
+              </a:rPr>
+              <a:t>https://</a:t>
+            </a:r>
+            <a:r>
+              <a:rPr lang="en-US" dirty="0" err="1">
+                <a:hlinkClick r:id="rId5"/>
+              </a:rPr>
+              <a:t>pypi.org</a:t>
+            </a:r>
+            <a:r>
+              <a:rPr lang="en-US" dirty="0">
+                <a:hlinkClick r:id="rId5"/>
+              </a:rPr>
+              <a:t>/project/seaborn/</a:t>
+            </a:r>
+            <a:br>
+              <a:rPr lang="en-US" dirty="0"/>
+            </a:br>
+            <a:endParaRPr lang="en-US" dirty="0"/>
+          </a:p>
+          <a:p>
+            <a:endParaRPr lang="en-US" dirty="0"/>
+          </a:p>
+        </p:txBody>
+      </p:sp>
+    </p:spTree>
+    <p:extLst>
+      <p:ext uri="{BB962C8B-B14F-4D97-AF65-F5344CB8AC3E}">
+        <p14:creationId xmlns:p14="http://schemas.microsoft.com/office/powerpoint/2010/main" val="1443323067"/>
+      </p:ext>
+    </p:extLst>
+  </p:cSld>
+  <p:clrMapOvr>
+    <a:masterClrMapping/>
+  </p:clrMapOvr>
+</p:sld>
+</file>
+
 <file path=ppt/slides/slide2.xml><?xml version="1.0" encoding="utf-8"?>
 <p:sld xmlns:a="http://schemas.openxmlformats.org/drawingml/2006/main" xmlns:r="http://schemas.openxmlformats.org/officeDocument/2006/relationships" xmlns:p="http://schemas.openxmlformats.org/presentationml/2006/main">
   <p:cSld>
@@ -6616,15 +7250,7 @@
           <a:p>
             <a:r>
               <a:rPr lang="en-US" dirty="0" err="1"/>
-              <a:t>Air</a:t>
-            </a:r>
-            <a:r>
-              <a:rPr lang="en-US" err="1"/>
-              <a:t>_</a:t>
-            </a:r>
-            <a:r>
-              <a:rPr lang="en-US"/>
-              <a:t>carrier_data</a:t>
+              <a:t>air_carrier_data</a:t>
             </a:r>
             <a:endParaRPr lang="en-US" dirty="0"/>
           </a:p>

--- a/Airline_OnTime_performance_Stats.pptx
+++ b/Airline_OnTime_performance_Stats.pptx
@@ -5341,7 +5341,7 @@
             <a:pPr algn="ctr"/>
             <a:r>
               <a:rPr lang="en-US" dirty="0"/>
-              <a:t>What Next?</a:t>
+              <a:t>What’s Next?</a:t>
             </a:r>
           </a:p>
         </p:txBody>
@@ -5384,10 +5384,10 @@
       </p:pic>
       <p:pic>
         <p:nvPicPr>
-          <p:cNvPr id="24" name="Picture 23">
+          <p:cNvPr id="28" name="Picture 27">
             <a:extLst>
               <a:ext uri="{FF2B5EF4-FFF2-40B4-BE49-F238E27FC236}">
-                <a16:creationId xmlns:a16="http://schemas.microsoft.com/office/drawing/2014/main" id="{E85B8A07-6BE6-4532-7B68-CE896B243242}"/>
+                <a16:creationId xmlns:a16="http://schemas.microsoft.com/office/drawing/2014/main" id="{96D98A43-0EFB-136B-F87B-C584F844214C}"/>
               </a:ext>
             </a:extLst>
           </p:cNvPr>
@@ -5410,20 +5410,95 @@
         </p:blipFill>
         <p:spPr>
           <a:xfrm>
-            <a:off x="1722224" y="5122186"/>
-            <a:ext cx="7772400" cy="964922"/>
+            <a:off x="3716124" y="1911410"/>
+            <a:ext cx="3784600" cy="1143000"/>
           </a:xfrm>
           <a:prstGeom prst="rect">
             <a:avLst/>
           </a:prstGeom>
         </p:spPr>
       </p:pic>
+      <p:sp>
+        <p:nvSpPr>
+          <p:cNvPr id="3" name="TextBox 2">
+            <a:extLst>
+              <a:ext uri="{FF2B5EF4-FFF2-40B4-BE49-F238E27FC236}">
+                <a16:creationId xmlns:a16="http://schemas.microsoft.com/office/drawing/2014/main" id="{1CD9F674-1407-5A09-D2E7-33884A3789DC}"/>
+              </a:ext>
+            </a:extLst>
+          </p:cNvPr>
+          <p:cNvSpPr txBox="1"/>
+          <p:nvPr/>
+        </p:nvSpPr>
+        <p:spPr>
+          <a:xfrm>
+            <a:off x="1097280" y="1824298"/>
+            <a:ext cx="2216988" cy="646331"/>
+          </a:xfrm>
+          <a:prstGeom prst="rect">
+            <a:avLst/>
+          </a:prstGeom>
+          <a:noFill/>
+        </p:spPr>
+        <p:txBody>
+          <a:bodyPr wrap="square" rtlCol="0">
+            <a:spAutoFit/>
+          </a:bodyPr>
+          <a:lstStyle/>
+          <a:p>
+            <a:r>
+              <a:rPr lang="en-US" dirty="0"/>
+              <a:t>Import the Seaborn library</a:t>
+            </a:r>
+          </a:p>
+        </p:txBody>
+      </p:sp>
+      <p:sp>
+        <p:nvSpPr>
+          <p:cNvPr id="4" name="TextBox 3">
+            <a:extLst>
+              <a:ext uri="{FF2B5EF4-FFF2-40B4-BE49-F238E27FC236}">
+                <a16:creationId xmlns:a16="http://schemas.microsoft.com/office/drawing/2014/main" id="{52781EF1-C1D2-9600-5CCF-6BB9F08DC1A8}"/>
+              </a:ext>
+            </a:extLst>
+          </p:cNvPr>
+          <p:cNvSpPr txBox="1"/>
+          <p:nvPr/>
+        </p:nvSpPr>
+        <p:spPr>
+          <a:xfrm>
+            <a:off x="10198147" y="3626633"/>
+            <a:ext cx="1915064" cy="923330"/>
+          </a:xfrm>
+          <a:prstGeom prst="rect">
+            <a:avLst/>
+          </a:prstGeom>
+          <a:noFill/>
+        </p:spPr>
+        <p:txBody>
+          <a:bodyPr wrap="square" rtlCol="0">
+            <a:spAutoFit/>
+          </a:bodyPr>
+          <a:lstStyle/>
+          <a:p>
+            <a:r>
+              <a:rPr lang="en-US" dirty="0"/>
+              <a:t>Create connection to Postgres to make </a:t>
+            </a:r>
+            <a:r>
+              <a:rPr lang="en-US" dirty="0" err="1"/>
+              <a:t>DataFrame</a:t>
+            </a:r>
+            <a:endParaRPr lang="en-US" dirty="0"/>
+          </a:p>
+        </p:txBody>
+      </p:sp>
       <p:pic>
         <p:nvPicPr>
-          <p:cNvPr id="28" name="Picture 27">
+          <p:cNvPr id="16" name="Picture 15">
             <a:extLst>
               <a:ext uri="{FF2B5EF4-FFF2-40B4-BE49-F238E27FC236}">
-                <a16:creationId xmlns:a16="http://schemas.microsoft.com/office/drawing/2014/main" id="{96D98A43-0EFB-136B-F87B-C584F844214C}"/>
+                <a16:creationId xmlns:a16="http://schemas.microsoft.com/office/drawing/2014/main" id="{17E8455E-5594-A9C5-ED10-12F368ADCF5E}"/>
               </a:ext>
             </a:extLst>
           </p:cNvPr>
@@ -5446,14 +5521,49 @@
         </p:blipFill>
         <p:spPr>
           <a:xfrm>
-            <a:off x="3716124" y="1911410"/>
-            <a:ext cx="3784600" cy="1143000"/>
+            <a:off x="2205774" y="5126658"/>
+            <a:ext cx="7772400" cy="1158618"/>
           </a:xfrm>
           <a:prstGeom prst="rect">
             <a:avLst/>
           </a:prstGeom>
         </p:spPr>
       </p:pic>
+      <p:sp>
+        <p:nvSpPr>
+          <p:cNvPr id="19" name="TextBox 18">
+            <a:extLst>
+              <a:ext uri="{FF2B5EF4-FFF2-40B4-BE49-F238E27FC236}">
+                <a16:creationId xmlns:a16="http://schemas.microsoft.com/office/drawing/2014/main" id="{7407A7C2-5F99-059F-9CB8-20F8D54B1977}"/>
+              </a:ext>
+            </a:extLst>
+          </p:cNvPr>
+          <p:cNvSpPr txBox="1"/>
+          <p:nvPr/>
+        </p:nvSpPr>
+        <p:spPr>
+          <a:xfrm>
+            <a:off x="10418120" y="5038891"/>
+            <a:ext cx="1475117" cy="1200329"/>
+          </a:xfrm>
+          <a:prstGeom prst="rect">
+            <a:avLst/>
+          </a:prstGeom>
+          <a:noFill/>
+        </p:spPr>
+        <p:txBody>
+          <a:bodyPr wrap="square" rtlCol="0">
+            <a:spAutoFit/>
+          </a:bodyPr>
+          <a:lstStyle/>
+          <a:p>
+            <a:r>
+              <a:rPr lang="en-US" dirty="0"/>
+              <a:t>Create the line graph with Seaborn!</a:t>
+            </a:r>
+          </a:p>
+        </p:txBody>
+      </p:sp>
     </p:spTree>
     <p:extLst>
       <p:ext uri="{BB962C8B-B14F-4D97-AF65-F5344CB8AC3E}">
@@ -5541,7 +5651,7 @@
         </p:blipFill>
         <p:spPr>
           <a:xfrm>
-            <a:off x="3567332" y="1977958"/>
+            <a:off x="896404" y="1969332"/>
             <a:ext cx="5199596" cy="4115055"/>
           </a:xfrm>
           <a:prstGeom prst="rect">
@@ -5549,6 +5659,61 @@
           </a:prstGeom>
         </p:spPr>
       </p:pic>
+      <p:sp>
+        <p:nvSpPr>
+          <p:cNvPr id="3" name="TextBox 2">
+            <a:extLst>
+              <a:ext uri="{FF2B5EF4-FFF2-40B4-BE49-F238E27FC236}">
+                <a16:creationId xmlns:a16="http://schemas.microsoft.com/office/drawing/2014/main" id="{4D851520-DCB0-F3CB-AA83-4CEA01CBF557}"/>
+              </a:ext>
+            </a:extLst>
+          </p:cNvPr>
+          <p:cNvSpPr txBox="1"/>
+          <p:nvPr/>
+        </p:nvSpPr>
+        <p:spPr>
+          <a:xfrm>
+            <a:off x="6886369" y="3219660"/>
+            <a:ext cx="4409227" cy="1200329"/>
+          </a:xfrm>
+          <a:prstGeom prst="rect">
+            <a:avLst/>
+          </a:prstGeom>
+          <a:noFill/>
+        </p:spPr>
+        <p:txBody>
+          <a:bodyPr wrap="square" rtlCol="0">
+            <a:spAutoFit/>
+          </a:bodyPr>
+          <a:lstStyle/>
+          <a:p>
+            <a:r>
+              <a:rPr lang="en-US" dirty="0"/>
+              <a:t>Departure delays from MSP for August 2018</a:t>
+            </a:r>
+          </a:p>
+          <a:p>
+            <a:pPr marL="285750" indent="-285750">
+              <a:buFont typeface="Arial" panose="020B0604020202020204" pitchFamily="34" charset="0"/>
+              <a:buChar char="•"/>
+            </a:pPr>
+            <a:r>
+              <a:rPr lang="en-US" dirty="0"/>
+              <a:t>Delayed flights had a departure delay greater than 0</a:t>
+            </a:r>
+          </a:p>
+          <a:p>
+            <a:pPr marL="285750" indent="-285750">
+              <a:buFont typeface="Arial" panose="020B0604020202020204" pitchFamily="34" charset="0"/>
+              <a:buChar char="•"/>
+            </a:pPr>
+            <a:r>
+              <a:rPr lang="en-US" dirty="0"/>
+              <a:t>Origin was filtered to “MSP”</a:t>
+            </a:r>
+          </a:p>
+        </p:txBody>
+      </p:sp>
     </p:spTree>
     <p:extLst>
       <p:ext uri="{BB962C8B-B14F-4D97-AF65-F5344CB8AC3E}">

--- a/Airline_OnTime_performance_Stats.pptx
+++ b/Airline_OnTime_performance_Stats.pptx
@@ -208,7 +208,7 @@
           <a:p>
             <a:fld id="{46609D4D-7D39-4F2B-9313-3332C0AD795B}" type="datetimeFigureOut">
               <a:rPr lang="en-US" smtClean="0"/>
-              <a:t>4/17/24</a:t>
+              <a:t>4/18/2024</a:t>
             </a:fld>
             <a:endParaRPr lang="en-US"/>
           </a:p>
@@ -1754,7 +1754,7 @@
           <a:p>
             <a:fld id="{5FC588E6-FAC8-4CB8-904E-4C86C516A14A}" type="datetimeFigureOut">
               <a:rPr lang="en-US" smtClean="0"/>
-              <a:t>4/17/24</a:t>
+              <a:t>4/18/2024</a:t>
             </a:fld>
             <a:endParaRPr lang="en-US"/>
           </a:p>
@@ -1962,7 +1962,7 @@
           <a:p>
             <a:fld id="{5FC588E6-FAC8-4CB8-904E-4C86C516A14A}" type="datetimeFigureOut">
               <a:rPr lang="en-US" smtClean="0"/>
-              <a:t>4/17/24</a:t>
+              <a:t>4/18/2024</a:t>
             </a:fld>
             <a:endParaRPr lang="en-US"/>
           </a:p>
@@ -2218,7 +2218,7 @@
           <a:p>
             <a:fld id="{5FC588E6-FAC8-4CB8-904E-4C86C516A14A}" type="datetimeFigureOut">
               <a:rPr lang="en-US" smtClean="0"/>
-              <a:t>4/17/24</a:t>
+              <a:t>4/18/2024</a:t>
             </a:fld>
             <a:endParaRPr lang="en-US"/>
           </a:p>
@@ -2392,7 +2392,7 @@
           <a:p>
             <a:fld id="{5FC588E6-FAC8-4CB8-904E-4C86C516A14A}" type="datetimeFigureOut">
               <a:rPr lang="en-US" smtClean="0"/>
-              <a:t>4/17/24</a:t>
+              <a:t>4/18/2024</a:t>
             </a:fld>
             <a:endParaRPr lang="en-US"/>
           </a:p>
@@ -2735,7 +2735,7 @@
           <a:p>
             <a:fld id="{5FC588E6-FAC8-4CB8-904E-4C86C516A14A}" type="datetimeFigureOut">
               <a:rPr lang="en-US" smtClean="0"/>
-              <a:t>4/17/24</a:t>
+              <a:t>4/18/2024</a:t>
             </a:fld>
             <a:endParaRPr lang="en-US"/>
           </a:p>
@@ -3010,7 +3010,7 @@
           <a:p>
             <a:fld id="{5FC588E6-FAC8-4CB8-904E-4C86C516A14A}" type="datetimeFigureOut">
               <a:rPr lang="en-US" smtClean="0"/>
-              <a:t>4/17/24</a:t>
+              <a:t>4/18/2024</a:t>
             </a:fld>
             <a:endParaRPr lang="en-US"/>
           </a:p>
@@ -3389,7 +3389,7 @@
           <a:p>
             <a:fld id="{5FC588E6-FAC8-4CB8-904E-4C86C516A14A}" type="datetimeFigureOut">
               <a:rPr lang="en-US" smtClean="0"/>
-              <a:t>4/17/24</a:t>
+              <a:t>4/18/2024</a:t>
             </a:fld>
             <a:endParaRPr lang="en-US"/>
           </a:p>
@@ -3507,7 +3507,7 @@
           <a:p>
             <a:fld id="{5FC588E6-FAC8-4CB8-904E-4C86C516A14A}" type="datetimeFigureOut">
               <a:rPr lang="en-US" smtClean="0"/>
-              <a:t>4/17/24</a:t>
+              <a:t>4/18/2024</a:t>
             </a:fld>
             <a:endParaRPr lang="en-US"/>
           </a:p>
@@ -3678,7 +3678,7 @@
           <a:p>
             <a:fld id="{5FC588E6-FAC8-4CB8-904E-4C86C516A14A}" type="datetimeFigureOut">
               <a:rPr lang="en-US" smtClean="0"/>
-              <a:t>4/17/24</a:t>
+              <a:t>4/18/2024</a:t>
             </a:fld>
             <a:endParaRPr lang="en-US"/>
           </a:p>
@@ -4032,7 +4032,7 @@
           <a:p>
             <a:fld id="{5FC588E6-FAC8-4CB8-904E-4C86C516A14A}" type="datetimeFigureOut">
               <a:rPr lang="en-US" smtClean="0"/>
-              <a:t>4/17/24</a:t>
+              <a:t>4/18/2024</a:t>
             </a:fld>
             <a:endParaRPr lang="en-US"/>
           </a:p>
@@ -4414,7 +4414,7 @@
           <a:p>
             <a:fld id="{5FC588E6-FAC8-4CB8-904E-4C86C516A14A}" type="datetimeFigureOut">
               <a:rPr lang="en-US" smtClean="0"/>
-              <a:t>4/17/24</a:t>
+              <a:t>4/18/2024</a:t>
             </a:fld>
             <a:endParaRPr lang="en-US"/>
           </a:p>
@@ -4701,7 +4701,7 @@
           <a:p>
             <a:fld id="{5FC588E6-FAC8-4CB8-904E-4C86C516A14A}" type="datetimeFigureOut">
               <a:rPr lang="en-US" smtClean="0"/>
-              <a:t>4/17/24</a:t>
+              <a:t>4/18/2024</a:t>
             </a:fld>
             <a:endParaRPr lang="en-US"/>
           </a:p>
@@ -5833,75 +5833,64 @@
               <a:rPr lang="en-US" dirty="0">
                 <a:hlinkClick r:id="rId3"/>
               </a:rPr>
-              <a:t>https://</a:t>
-            </a:r>
-            <a:r>
-              <a:rPr lang="en-US" dirty="0" err="1">
-                <a:hlinkClick r:id="rId3"/>
-              </a:rPr>
-              <a:t>www.transtats.bts.gov</a:t>
-            </a:r>
-            <a:r>
-              <a:rPr lang="en-US" dirty="0">
-                <a:hlinkClick r:id="rId3"/>
-              </a:rPr>
-              <a:t>/</a:t>
-            </a:r>
-            <a:r>
-              <a:rPr lang="en-US" dirty="0" err="1">
-                <a:hlinkClick r:id="rId3"/>
-              </a:rPr>
-              <a:t>DatabaseInfo.asp?QO_VQ</a:t>
-            </a:r>
-            <a:r>
-              <a:rPr lang="en-US" dirty="0">
-                <a:hlinkClick r:id="rId3"/>
-              </a:rPr>
-              <a:t>=EFD&amp;Yv0x=D</a:t>
+              <a:t>https://www.transtats.bts.gov/DatabaseInfo.asp?QO_VQ=EFD&amp;Yv0x=D</a:t>
             </a:r>
             <a:endParaRPr lang="en-US" dirty="0"/>
           </a:p>
           <a:p>
             <a:r>
               <a:rPr lang="en-US" dirty="0"/>
-              <a:t>3. Reset index for </a:t>
-            </a:r>
-            <a:r>
-              <a:rPr lang="en-US" dirty="0" err="1"/>
-              <a:t>DataFrame</a:t>
-            </a:r>
-            <a:r>
-              <a:rPr lang="en-US" dirty="0"/>
-              <a:t>: </a:t>
+              <a:t>3. Downcast: </a:t>
             </a:r>
             <a:r>
               <a:rPr lang="en-US" dirty="0">
                 <a:hlinkClick r:id="rId4"/>
               </a:rPr>
-              <a:t>https://stackoverflow.com/questions/20167930/start-index-at-1-for-pandas-dataframe</a:t>
+              <a:t>https://www.educative.io/answers/what-is-the-tonumeric-function-in-pandas</a:t>
             </a:r>
             <a:endParaRPr lang="en-US" dirty="0"/>
           </a:p>
           <a:p>
             <a:r>
               <a:rPr lang="en-US" dirty="0"/>
-              <a:t>4. Seaborn Documentation: </a:t>
+              <a:t>4. Reset index for </a:t>
+            </a:r>
+            <a:r>
+              <a:rPr lang="en-US" dirty="0" err="1"/>
+              <a:t>DataFrame</a:t>
+            </a:r>
+            <a:r>
+              <a:rPr lang="en-US" dirty="0"/>
+              <a:t>: </a:t>
             </a:r>
             <a:r>
               <a:rPr lang="en-US" dirty="0">
                 <a:hlinkClick r:id="rId5"/>
               </a:rPr>
+              <a:t>https://stackoverflow.com/questions/20167930/start-index-at-1-for-pandas-dataframe</a:t>
+            </a:r>
+            <a:endParaRPr lang="en-US" dirty="0"/>
+          </a:p>
+          <a:p>
+            <a:r>
+              <a:rPr lang="en-US" dirty="0"/>
+              <a:t>5. Seaborn Documentation: </a:t>
+            </a:r>
+            <a:r>
+              <a:rPr lang="en-US" dirty="0">
+                <a:hlinkClick r:id="rId6"/>
+              </a:rPr>
               <a:t>https://</a:t>
             </a:r>
             <a:r>
               <a:rPr lang="en-US" dirty="0" err="1">
-                <a:hlinkClick r:id="rId5"/>
+                <a:hlinkClick r:id="rId6"/>
               </a:rPr>
               <a:t>pypi.org</a:t>
             </a:r>
             <a:r>
               <a:rPr lang="en-US" dirty="0">
-                <a:hlinkClick r:id="rId5"/>
+                <a:hlinkClick r:id="rId6"/>
               </a:rPr>
               <a:t>/project/seaborn/</a:t>
             </a:r>
@@ -6780,6 +6769,98 @@
           </a:xfrm>
         </p:spPr>
       </p:pic>
+      <p:sp>
+        <p:nvSpPr>
+          <p:cNvPr id="3" name="Arrow: Down 2">
+            <a:extLst>
+              <a:ext uri="{FF2B5EF4-FFF2-40B4-BE49-F238E27FC236}">
+                <a16:creationId xmlns:a16="http://schemas.microsoft.com/office/drawing/2014/main" id="{651BD90B-EF72-54D1-5BF0-B4533D82AB4B}"/>
+              </a:ext>
+            </a:extLst>
+          </p:cNvPr>
+          <p:cNvSpPr/>
+          <p:nvPr/>
+        </p:nvSpPr>
+        <p:spPr>
+          <a:xfrm>
+            <a:off x="5481983" y="1956904"/>
+            <a:ext cx="194365" cy="441739"/>
+          </a:xfrm>
+          <a:prstGeom prst="downArrow">
+            <a:avLst/>
+          </a:prstGeom>
+        </p:spPr>
+        <p:style>
+          <a:lnRef idx="2">
+            <a:schemeClr val="accent1">
+              <a:shade val="15000"/>
+            </a:schemeClr>
+          </a:lnRef>
+          <a:fillRef idx="1">
+            <a:schemeClr val="accent1"/>
+          </a:fillRef>
+          <a:effectRef idx="0">
+            <a:schemeClr val="accent1"/>
+          </a:effectRef>
+          <a:fontRef idx="minor">
+            <a:schemeClr val="lt1"/>
+          </a:fontRef>
+        </p:style>
+        <p:txBody>
+          <a:bodyPr rtlCol="0" anchor="ctr"/>
+          <a:lstStyle/>
+          <a:p>
+            <a:pPr algn="ctr"/>
+            <a:endParaRPr lang="en-US"/>
+          </a:p>
+        </p:txBody>
+      </p:sp>
+      <p:sp>
+        <p:nvSpPr>
+          <p:cNvPr id="5" name="Arrow: Down 4">
+            <a:extLst>
+              <a:ext uri="{FF2B5EF4-FFF2-40B4-BE49-F238E27FC236}">
+                <a16:creationId xmlns:a16="http://schemas.microsoft.com/office/drawing/2014/main" id="{33307091-2599-975A-40DD-7BA77FCCE122}"/>
+              </a:ext>
+            </a:extLst>
+          </p:cNvPr>
+          <p:cNvSpPr/>
+          <p:nvPr/>
+        </p:nvSpPr>
+        <p:spPr>
+          <a:xfrm>
+            <a:off x="10365409" y="1990034"/>
+            <a:ext cx="194365" cy="441739"/>
+          </a:xfrm>
+          <a:prstGeom prst="downArrow">
+            <a:avLst/>
+          </a:prstGeom>
+        </p:spPr>
+        <p:style>
+          <a:lnRef idx="2">
+            <a:schemeClr val="accent1">
+              <a:shade val="15000"/>
+            </a:schemeClr>
+          </a:lnRef>
+          <a:fillRef idx="1">
+            <a:schemeClr val="accent1"/>
+          </a:fillRef>
+          <a:effectRef idx="0">
+            <a:schemeClr val="accent1"/>
+          </a:effectRef>
+          <a:fontRef idx="minor">
+            <a:schemeClr val="lt1"/>
+          </a:fontRef>
+        </p:style>
+        <p:txBody>
+          <a:bodyPr rtlCol="0" anchor="ctr"/>
+          <a:lstStyle/>
+          <a:p>
+            <a:pPr algn="ctr"/>
+            <a:endParaRPr lang="en-US"/>
+          </a:p>
+        </p:txBody>
+      </p:sp>
     </p:spTree>
     <p:extLst>
       <p:ext uri="{BB962C8B-B14F-4D97-AF65-F5344CB8AC3E}">
